--- a/slides/DS_Week02_02_Classes.pptx
+++ b/slides/DS_Week02_02_Classes.pptx
@@ -5,10 +5,10 @@
     <p:sldMasterId id="2147483649" r:id="rId1"/>
   </p:sldMasterIdLst>
   <p:notesMasterIdLst>
-    <p:notesMasterId r:id="rId89"/>
+    <p:notesMasterId r:id="rId64"/>
   </p:notesMasterIdLst>
   <p:handoutMasterIdLst>
-    <p:handoutMasterId r:id="rId90"/>
+    <p:handoutMasterId r:id="rId65"/>
   </p:handoutMasterIdLst>
   <p:sldIdLst>
     <p:sldId id="412" r:id="rId2"/>
@@ -73,31 +73,6 @@
     <p:sldId id="568" r:id="rId61"/>
     <p:sldId id="562" r:id="rId62"/>
     <p:sldId id="569" r:id="rId63"/>
-    <p:sldId id="564" r:id="rId64"/>
-    <p:sldId id="527" r:id="rId65"/>
-    <p:sldId id="529" r:id="rId66"/>
-    <p:sldId id="530" r:id="rId67"/>
-    <p:sldId id="531" r:id="rId68"/>
-    <p:sldId id="532" r:id="rId69"/>
-    <p:sldId id="533" r:id="rId70"/>
-    <p:sldId id="534" r:id="rId71"/>
-    <p:sldId id="535" r:id="rId72"/>
-    <p:sldId id="536" r:id="rId73"/>
-    <p:sldId id="543" r:id="rId74"/>
-    <p:sldId id="383" r:id="rId75"/>
-    <p:sldId id="384" r:id="rId76"/>
-    <p:sldId id="386" r:id="rId77"/>
-    <p:sldId id="387" r:id="rId78"/>
-    <p:sldId id="390" r:id="rId79"/>
-    <p:sldId id="392" r:id="rId80"/>
-    <p:sldId id="567" r:id="rId81"/>
-    <p:sldId id="395" r:id="rId82"/>
-    <p:sldId id="397" r:id="rId83"/>
-    <p:sldId id="398" r:id="rId84"/>
-    <p:sldId id="402" r:id="rId85"/>
-    <p:sldId id="403" r:id="rId86"/>
-    <p:sldId id="407" r:id="rId87"/>
-    <p:sldId id="409" r:id="rId88"/>
   </p:sldIdLst>
   <p:sldSz cx="12192000" cy="6858000"/>
   <p:notesSz cx="6858000" cy="9144000"/>
@@ -303,39 +278,6 @@
             <p14:sldId id="569"/>
           </p14:sldIdLst>
         </p14:section>
-        <p14:section name="Classes and Inheritance" id="{1135DEB3-0BD0-4872-B96E-B45EF142273A}">
-          <p14:sldIdLst>
-            <p14:sldId id="564"/>
-            <p14:sldId id="527"/>
-            <p14:sldId id="529"/>
-            <p14:sldId id="530"/>
-            <p14:sldId id="531"/>
-            <p14:sldId id="532"/>
-            <p14:sldId id="533"/>
-            <p14:sldId id="534"/>
-            <p14:sldId id="535"/>
-            <p14:sldId id="536"/>
-            <p14:sldId id="543"/>
-          </p14:sldIdLst>
-        </p14:section>
-        <p14:section name="Exceptions" id="{830135B9-BDC7-4A36-8C06-9766C1FC8E52}">
-          <p14:sldIdLst>
-            <p14:sldId id="383"/>
-            <p14:sldId id="384"/>
-            <p14:sldId id="386"/>
-            <p14:sldId id="387"/>
-            <p14:sldId id="390"/>
-            <p14:sldId id="392"/>
-            <p14:sldId id="567"/>
-            <p14:sldId id="395"/>
-            <p14:sldId id="397"/>
-            <p14:sldId id="398"/>
-            <p14:sldId id="402"/>
-            <p14:sldId id="403"/>
-            <p14:sldId id="407"/>
-            <p14:sldId id="409"/>
-          </p14:sldIdLst>
-        </p14:section>
       </p14:sectionLst>
     </p:ext>
     <p:ext uri="{EFAFB233-063F-42B5-8137-9DF3F51BA10A}">
@@ -13295,2097 +13237,6 @@
 </p:notes>
 </file>
 
-<file path=ppt/notesSlides/notesSlide61.xml><?xml version="1.0" encoding="utf-8"?>
-<p:notes xmlns:a="http://schemas.openxmlformats.org/drawingml/2006/main" xmlns:r="http://schemas.openxmlformats.org/officeDocument/2006/relationships" xmlns:p="http://schemas.openxmlformats.org/presentationml/2006/main">
-  <p:cSld>
-    <p:spTree>
-      <p:nvGrpSpPr>
-        <p:cNvPr id="1" name=""/>
-        <p:cNvGrpSpPr/>
-        <p:nvPr/>
-      </p:nvGrpSpPr>
-      <p:grpSpPr>
-        <a:xfrm>
-          <a:off x="0" y="0"/>
-          <a:ext cx="0" cy="0"/>
-          <a:chOff x="0" y="0"/>
-          <a:chExt cx="0" cy="0"/>
-        </a:xfrm>
-      </p:grpSpPr>
-      <p:sp>
-        <p:nvSpPr>
-          <p:cNvPr id="75778" name="Slide Image Placeholder 1"/>
-          <p:cNvSpPr>
-            <a:spLocks noGrp="1" noRot="1" noChangeAspect="1" noTextEdit="1"/>
-          </p:cNvSpPr>
-          <p:nvPr>
-            <p:ph type="sldImg"/>
-          </p:nvPr>
-        </p:nvSpPr>
-        <p:spPr>
-          <a:ln/>
-        </p:spPr>
-      </p:sp>
-      <p:sp>
-        <p:nvSpPr>
-          <p:cNvPr id="75779" name="Notes Placeholder 2"/>
-          <p:cNvSpPr>
-            <a:spLocks noGrp="1"/>
-          </p:cNvSpPr>
-          <p:nvPr>
-            <p:ph type="body" idx="1"/>
-          </p:nvPr>
-        </p:nvSpPr>
-        <p:spPr>
-          <a:noFill/>
-          <a:ln/>
-          <a:extLst>
-            <a:ext uri="{909E8E84-426E-40DD-AFC4-6F175D3DCCD1}">
-              <a14:hiddenFill xmlns:a14="http://schemas.microsoft.com/office/drawing/2010/main">
-                <a:solidFill>
-                  <a:srgbClr val="FFFFFF"/>
-                </a:solidFill>
-              </a14:hiddenFill>
-            </a:ext>
-            <a:ext uri="{91240B29-F687-4F45-9708-019B960494DF}">
-              <a14:hiddenLine xmlns:a14="http://schemas.microsoft.com/office/drawing/2010/main" w="9525">
-                <a:solidFill>
-                  <a:srgbClr val="000000"/>
-                </a:solidFill>
-                <a:miter lim="800000"/>
-                <a:headEnd/>
-                <a:tailEnd/>
-              </a14:hiddenLine>
-            </a:ext>
-          </a:extLst>
-        </p:spPr>
-        <p:txBody>
-          <a:bodyPr/>
-          <a:lstStyle/>
-          <a:p>
-            <a:r>
-              <a:rPr lang="en-US" altLang="en-US" dirty="0" smtClean="0"/>
-              <a:t>Similar problem occurs when passing objects by value</a:t>
-            </a:r>
-          </a:p>
-          <a:p>
-            <a:r>
-              <a:rPr lang="en-US" altLang="en-US" dirty="0" smtClean="0"/>
-              <a:t>Copy constructor automatically executes in three situations:</a:t>
-            </a:r>
-          </a:p>
-          <a:p>
-            <a:r>
-              <a:rPr lang="en-US" altLang="en-US" dirty="0" smtClean="0"/>
-              <a:t>When an object is declared and initialized by using the value of another object</a:t>
-            </a:r>
-          </a:p>
-          <a:p>
-            <a:r>
-              <a:rPr lang="en-US" altLang="en-US" dirty="0" smtClean="0"/>
-              <a:t>When an object is passed by value as a parameter</a:t>
-            </a:r>
-          </a:p>
-          <a:p>
-            <a:r>
-              <a:rPr lang="en-US" altLang="en-US" dirty="0" smtClean="0"/>
-              <a:t>When the return value of a function is an object</a:t>
-            </a:r>
-          </a:p>
-          <a:p>
-            <a:endParaRPr lang="en-US" altLang="en-US" dirty="0"/>
-          </a:p>
-        </p:txBody>
-      </p:sp>
-      <p:sp>
-        <p:nvSpPr>
-          <p:cNvPr id="75780" name="Slide Number Placeholder 3"/>
-          <p:cNvSpPr>
-            <a:spLocks noGrp="1"/>
-          </p:cNvSpPr>
-          <p:nvPr>
-            <p:ph type="sldNum" sz="quarter" idx="5"/>
-          </p:nvPr>
-        </p:nvSpPr>
-        <p:spPr>
-          <a:noFill/>
-          <a:ln/>
-          <a:extLst>
-            <a:ext uri="{909E8E84-426E-40DD-AFC4-6F175D3DCCD1}">
-              <a14:hiddenFill xmlns:a14="http://schemas.microsoft.com/office/drawing/2010/main">
-                <a:solidFill>
-                  <a:srgbClr val="FFFFFF"/>
-                </a:solidFill>
-              </a14:hiddenFill>
-            </a:ext>
-            <a:ext uri="{91240B29-F687-4F45-9708-019B960494DF}">
-              <a14:hiddenLine xmlns:a14="http://schemas.microsoft.com/office/drawing/2010/main" w="9525">
-                <a:solidFill>
-                  <a:srgbClr val="000000"/>
-                </a:solidFill>
-                <a:miter lim="800000"/>
-                <a:headEnd/>
-                <a:tailEnd/>
-              </a14:hiddenLine>
-            </a:ext>
-          </a:extLst>
-        </p:spPr>
-        <p:txBody>
-          <a:bodyPr/>
-          <a:lstStyle>
-            <a:lvl1pPr eaLnBrk="0" hangingPunct="0">
-              <a:defRPr>
-                <a:solidFill>
-                  <a:schemeClr val="tx1"/>
-                </a:solidFill>
-                <a:latin typeface="Arial" charset="0"/>
-              </a:defRPr>
-            </a:lvl1pPr>
-            <a:lvl2pPr marL="742950" indent="-285750" eaLnBrk="0" hangingPunct="0">
-              <a:defRPr>
-                <a:solidFill>
-                  <a:schemeClr val="tx1"/>
-                </a:solidFill>
-                <a:latin typeface="Arial" charset="0"/>
-              </a:defRPr>
-            </a:lvl2pPr>
-            <a:lvl3pPr marL="1143000" indent="-228600" eaLnBrk="0" hangingPunct="0">
-              <a:defRPr>
-                <a:solidFill>
-                  <a:schemeClr val="tx1"/>
-                </a:solidFill>
-                <a:latin typeface="Arial" charset="0"/>
-              </a:defRPr>
-            </a:lvl3pPr>
-            <a:lvl4pPr marL="1600200" indent="-228600" eaLnBrk="0" hangingPunct="0">
-              <a:defRPr>
-                <a:solidFill>
-                  <a:schemeClr val="tx1"/>
-                </a:solidFill>
-                <a:latin typeface="Arial" charset="0"/>
-              </a:defRPr>
-            </a:lvl4pPr>
-            <a:lvl5pPr marL="2057400" indent="-228600" eaLnBrk="0" hangingPunct="0">
-              <a:defRPr>
-                <a:solidFill>
-                  <a:schemeClr val="tx1"/>
-                </a:solidFill>
-                <a:latin typeface="Arial" charset="0"/>
-              </a:defRPr>
-            </a:lvl5pPr>
-            <a:lvl6pPr marL="2514600" indent="-228600" eaLnBrk="0" fontAlgn="base" hangingPunct="0">
-              <a:spcBef>
-                <a:spcPct val="0"/>
-              </a:spcBef>
-              <a:spcAft>
-                <a:spcPct val="0"/>
-              </a:spcAft>
-              <a:defRPr>
-                <a:solidFill>
-                  <a:schemeClr val="tx1"/>
-                </a:solidFill>
-                <a:latin typeface="Arial" charset="0"/>
-              </a:defRPr>
-            </a:lvl6pPr>
-            <a:lvl7pPr marL="2971800" indent="-228600" eaLnBrk="0" fontAlgn="base" hangingPunct="0">
-              <a:spcBef>
-                <a:spcPct val="0"/>
-              </a:spcBef>
-              <a:spcAft>
-                <a:spcPct val="0"/>
-              </a:spcAft>
-              <a:defRPr>
-                <a:solidFill>
-                  <a:schemeClr val="tx1"/>
-                </a:solidFill>
-                <a:latin typeface="Arial" charset="0"/>
-              </a:defRPr>
-            </a:lvl7pPr>
-            <a:lvl8pPr marL="3429000" indent="-228600" eaLnBrk="0" fontAlgn="base" hangingPunct="0">
-              <a:spcBef>
-                <a:spcPct val="0"/>
-              </a:spcBef>
-              <a:spcAft>
-                <a:spcPct val="0"/>
-              </a:spcAft>
-              <a:defRPr>
-                <a:solidFill>
-                  <a:schemeClr val="tx1"/>
-                </a:solidFill>
-                <a:latin typeface="Arial" charset="0"/>
-              </a:defRPr>
-            </a:lvl8pPr>
-            <a:lvl9pPr marL="3886200" indent="-228600" eaLnBrk="0" fontAlgn="base" hangingPunct="0">
-              <a:spcBef>
-                <a:spcPct val="0"/>
-              </a:spcBef>
-              <a:spcAft>
-                <a:spcPct val="0"/>
-              </a:spcAft>
-              <a:defRPr>
-                <a:solidFill>
-                  <a:schemeClr val="tx1"/>
-                </a:solidFill>
-                <a:latin typeface="Arial" charset="0"/>
-              </a:defRPr>
-            </a:lvl9pPr>
-          </a:lstStyle>
-          <a:p>
-            <a:pPr eaLnBrk="1" hangingPunct="1"/>
-            <a:fld id="{34BFFEFE-940E-4942-998F-37982F18C161}" type="slidenum">
-              <a:rPr lang="en-US" altLang="en-US" smtClean="0"/>
-              <a:pPr eaLnBrk="1" hangingPunct="1"/>
-              <a:t>64</a:t>
-            </a:fld>
-            <a:endParaRPr lang="en-US" altLang="en-US" dirty="0"/>
-          </a:p>
-        </p:txBody>
-      </p:sp>
-    </p:spTree>
-    <p:extLst>
-      <p:ext uri="{BB962C8B-B14F-4D97-AF65-F5344CB8AC3E}">
-        <p14:creationId xmlns:p14="http://schemas.microsoft.com/office/powerpoint/2010/main" val="4120571747"/>
-      </p:ext>
-    </p:extLst>
-  </p:cSld>
-  <p:clrMapOvr>
-    <a:masterClrMapping/>
-  </p:clrMapOvr>
-</p:notes>
-</file>
-
-<file path=ppt/notesSlides/notesSlide62.xml><?xml version="1.0" encoding="utf-8"?>
-<p:notes xmlns:a="http://schemas.openxmlformats.org/drawingml/2006/main" xmlns:r="http://schemas.openxmlformats.org/officeDocument/2006/relationships" xmlns:p="http://schemas.openxmlformats.org/presentationml/2006/main">
-  <p:cSld>
-    <p:spTree>
-      <p:nvGrpSpPr>
-        <p:cNvPr id="1" name=""/>
-        <p:cNvGrpSpPr/>
-        <p:nvPr/>
-      </p:nvGrpSpPr>
-      <p:grpSpPr>
-        <a:xfrm>
-          <a:off x="0" y="0"/>
-          <a:ext cx="0" cy="0"/>
-          <a:chOff x="0" y="0"/>
-          <a:chExt cx="0" cy="0"/>
-        </a:xfrm>
-      </p:grpSpPr>
-      <p:sp>
-        <p:nvSpPr>
-          <p:cNvPr id="77826" name="Slide Image Placeholder 1"/>
-          <p:cNvSpPr>
-            <a:spLocks noGrp="1" noRot="1" noChangeAspect="1" noTextEdit="1"/>
-          </p:cNvSpPr>
-          <p:nvPr>
-            <p:ph type="sldImg"/>
-          </p:nvPr>
-        </p:nvSpPr>
-        <p:spPr>
-          <a:ln/>
-        </p:spPr>
-      </p:sp>
-      <p:sp>
-        <p:nvSpPr>
-          <p:cNvPr id="77827" name="Notes Placeholder 2"/>
-          <p:cNvSpPr>
-            <a:spLocks noGrp="1"/>
-          </p:cNvSpPr>
-          <p:nvPr>
-            <p:ph type="body" idx="1"/>
-          </p:nvPr>
-        </p:nvSpPr>
-        <p:spPr>
-          <a:noFill/>
-          <a:ln/>
-          <a:extLst>
-            <a:ext uri="{909E8E84-426E-40DD-AFC4-6F175D3DCCD1}">
-              <a14:hiddenFill xmlns:a14="http://schemas.microsoft.com/office/drawing/2010/main">
-                <a:solidFill>
-                  <a:srgbClr val="FFFFFF"/>
-                </a:solidFill>
-              </a14:hiddenFill>
-            </a:ext>
-            <a:ext uri="{91240B29-F687-4F45-9708-019B960494DF}">
-              <a14:hiddenLine xmlns:a14="http://schemas.microsoft.com/office/drawing/2010/main" w="9525">
-                <a:solidFill>
-                  <a:srgbClr val="000000"/>
-                </a:solidFill>
-                <a:miter lim="800000"/>
-                <a:headEnd/>
-                <a:tailEnd/>
-              </a14:hiddenLine>
-            </a:ext>
-          </a:extLst>
-        </p:spPr>
-        <p:txBody>
-          <a:bodyPr/>
-          <a:lstStyle/>
-          <a:p>
-            <a:endParaRPr lang="en-US" altLang="en-US" dirty="0"/>
-          </a:p>
-        </p:txBody>
-      </p:sp>
-      <p:sp>
-        <p:nvSpPr>
-          <p:cNvPr id="77828" name="Slide Number Placeholder 3"/>
-          <p:cNvSpPr>
-            <a:spLocks noGrp="1"/>
-          </p:cNvSpPr>
-          <p:nvPr>
-            <p:ph type="sldNum" sz="quarter" idx="5"/>
-          </p:nvPr>
-        </p:nvSpPr>
-        <p:spPr>
-          <a:noFill/>
-          <a:ln/>
-          <a:extLst>
-            <a:ext uri="{909E8E84-426E-40DD-AFC4-6F175D3DCCD1}">
-              <a14:hiddenFill xmlns:a14="http://schemas.microsoft.com/office/drawing/2010/main">
-                <a:solidFill>
-                  <a:srgbClr val="FFFFFF"/>
-                </a:solidFill>
-              </a14:hiddenFill>
-            </a:ext>
-            <a:ext uri="{91240B29-F687-4F45-9708-019B960494DF}">
-              <a14:hiddenLine xmlns:a14="http://schemas.microsoft.com/office/drawing/2010/main" w="9525">
-                <a:solidFill>
-                  <a:srgbClr val="000000"/>
-                </a:solidFill>
-                <a:miter lim="800000"/>
-                <a:headEnd/>
-                <a:tailEnd/>
-              </a14:hiddenLine>
-            </a:ext>
-          </a:extLst>
-        </p:spPr>
-        <p:txBody>
-          <a:bodyPr/>
-          <a:lstStyle>
-            <a:lvl1pPr eaLnBrk="0" hangingPunct="0">
-              <a:defRPr>
-                <a:solidFill>
-                  <a:schemeClr val="tx1"/>
-                </a:solidFill>
-                <a:latin typeface="Arial" charset="0"/>
-              </a:defRPr>
-            </a:lvl1pPr>
-            <a:lvl2pPr marL="742950" indent="-285750" eaLnBrk="0" hangingPunct="0">
-              <a:defRPr>
-                <a:solidFill>
-                  <a:schemeClr val="tx1"/>
-                </a:solidFill>
-                <a:latin typeface="Arial" charset="0"/>
-              </a:defRPr>
-            </a:lvl2pPr>
-            <a:lvl3pPr marL="1143000" indent="-228600" eaLnBrk="0" hangingPunct="0">
-              <a:defRPr>
-                <a:solidFill>
-                  <a:schemeClr val="tx1"/>
-                </a:solidFill>
-                <a:latin typeface="Arial" charset="0"/>
-              </a:defRPr>
-            </a:lvl3pPr>
-            <a:lvl4pPr marL="1600200" indent="-228600" eaLnBrk="0" hangingPunct="0">
-              <a:defRPr>
-                <a:solidFill>
-                  <a:schemeClr val="tx1"/>
-                </a:solidFill>
-                <a:latin typeface="Arial" charset="0"/>
-              </a:defRPr>
-            </a:lvl4pPr>
-            <a:lvl5pPr marL="2057400" indent="-228600" eaLnBrk="0" hangingPunct="0">
-              <a:defRPr>
-                <a:solidFill>
-                  <a:schemeClr val="tx1"/>
-                </a:solidFill>
-                <a:latin typeface="Arial" charset="0"/>
-              </a:defRPr>
-            </a:lvl5pPr>
-            <a:lvl6pPr marL="2514600" indent="-228600" eaLnBrk="0" fontAlgn="base" hangingPunct="0">
-              <a:spcBef>
-                <a:spcPct val="0"/>
-              </a:spcBef>
-              <a:spcAft>
-                <a:spcPct val="0"/>
-              </a:spcAft>
-              <a:defRPr>
-                <a:solidFill>
-                  <a:schemeClr val="tx1"/>
-                </a:solidFill>
-                <a:latin typeface="Arial" charset="0"/>
-              </a:defRPr>
-            </a:lvl6pPr>
-            <a:lvl7pPr marL="2971800" indent="-228600" eaLnBrk="0" fontAlgn="base" hangingPunct="0">
-              <a:spcBef>
-                <a:spcPct val="0"/>
-              </a:spcBef>
-              <a:spcAft>
-                <a:spcPct val="0"/>
-              </a:spcAft>
-              <a:defRPr>
-                <a:solidFill>
-                  <a:schemeClr val="tx1"/>
-                </a:solidFill>
-                <a:latin typeface="Arial" charset="0"/>
-              </a:defRPr>
-            </a:lvl7pPr>
-            <a:lvl8pPr marL="3429000" indent="-228600" eaLnBrk="0" fontAlgn="base" hangingPunct="0">
-              <a:spcBef>
-                <a:spcPct val="0"/>
-              </a:spcBef>
-              <a:spcAft>
-                <a:spcPct val="0"/>
-              </a:spcAft>
-              <a:defRPr>
-                <a:solidFill>
-                  <a:schemeClr val="tx1"/>
-                </a:solidFill>
-                <a:latin typeface="Arial" charset="0"/>
-              </a:defRPr>
-            </a:lvl8pPr>
-            <a:lvl9pPr marL="3886200" indent="-228600" eaLnBrk="0" fontAlgn="base" hangingPunct="0">
-              <a:spcBef>
-                <a:spcPct val="0"/>
-              </a:spcBef>
-              <a:spcAft>
-                <a:spcPct val="0"/>
-              </a:spcAft>
-              <a:defRPr>
-                <a:solidFill>
-                  <a:schemeClr val="tx1"/>
-                </a:solidFill>
-                <a:latin typeface="Arial" charset="0"/>
-              </a:defRPr>
-            </a:lvl9pPr>
-          </a:lstStyle>
-          <a:p>
-            <a:pPr eaLnBrk="1" hangingPunct="1"/>
-            <a:fld id="{56D76874-0C52-4285-A4B1-A2A3F1716B9C}" type="slidenum">
-              <a:rPr lang="en-US" altLang="en-US" smtClean="0"/>
-              <a:pPr eaLnBrk="1" hangingPunct="1"/>
-              <a:t>65</a:t>
-            </a:fld>
-            <a:endParaRPr lang="en-US" altLang="en-US" dirty="0"/>
-          </a:p>
-        </p:txBody>
-      </p:sp>
-    </p:spTree>
-    <p:extLst>
-      <p:ext uri="{BB962C8B-B14F-4D97-AF65-F5344CB8AC3E}">
-        <p14:creationId xmlns:p14="http://schemas.microsoft.com/office/powerpoint/2010/main" val="1584434715"/>
-      </p:ext>
-    </p:extLst>
-  </p:cSld>
-  <p:clrMapOvr>
-    <a:masterClrMapping/>
-  </p:clrMapOvr>
-</p:notes>
-</file>
-
-<file path=ppt/notesSlides/notesSlide63.xml><?xml version="1.0" encoding="utf-8"?>
-<p:notes xmlns:a="http://schemas.openxmlformats.org/drawingml/2006/main" xmlns:r="http://schemas.openxmlformats.org/officeDocument/2006/relationships" xmlns:p="http://schemas.openxmlformats.org/presentationml/2006/main">
-  <p:cSld>
-    <p:spTree>
-      <p:nvGrpSpPr>
-        <p:cNvPr id="1" name=""/>
-        <p:cNvGrpSpPr/>
-        <p:nvPr/>
-      </p:nvGrpSpPr>
-      <p:grpSpPr>
-        <a:xfrm>
-          <a:off x="0" y="0"/>
-          <a:ext cx="0" cy="0"/>
-          <a:chOff x="0" y="0"/>
-          <a:chExt cx="0" cy="0"/>
-        </a:xfrm>
-      </p:grpSpPr>
-      <p:sp>
-        <p:nvSpPr>
-          <p:cNvPr id="78850" name="Slide Image Placeholder 1"/>
-          <p:cNvSpPr>
-            <a:spLocks noGrp="1" noRot="1" noChangeAspect="1" noTextEdit="1"/>
-          </p:cNvSpPr>
-          <p:nvPr>
-            <p:ph type="sldImg"/>
-          </p:nvPr>
-        </p:nvSpPr>
-        <p:spPr>
-          <a:ln/>
-        </p:spPr>
-      </p:sp>
-      <p:sp>
-        <p:nvSpPr>
-          <p:cNvPr id="78851" name="Notes Placeholder 2"/>
-          <p:cNvSpPr>
-            <a:spLocks noGrp="1"/>
-          </p:cNvSpPr>
-          <p:nvPr>
-            <p:ph type="body" idx="1"/>
-          </p:nvPr>
-        </p:nvSpPr>
-        <p:spPr>
-          <a:noFill/>
-          <a:ln/>
-          <a:extLst>
-            <a:ext uri="{909E8E84-426E-40DD-AFC4-6F175D3DCCD1}">
-              <a14:hiddenFill xmlns:a14="http://schemas.microsoft.com/office/drawing/2010/main">
-                <a:solidFill>
-                  <a:srgbClr val="FFFFFF"/>
-                </a:solidFill>
-              </a14:hiddenFill>
-            </a:ext>
-            <a:ext uri="{91240B29-F687-4F45-9708-019B960494DF}">
-              <a14:hiddenLine xmlns:a14="http://schemas.microsoft.com/office/drawing/2010/main" w="9525">
-                <a:solidFill>
-                  <a:srgbClr val="000000"/>
-                </a:solidFill>
-                <a:miter lim="800000"/>
-                <a:headEnd/>
-                <a:tailEnd/>
-              </a14:hiddenLine>
-            </a:ext>
-          </a:extLst>
-        </p:spPr>
-        <p:txBody>
-          <a:bodyPr/>
-          <a:lstStyle/>
-          <a:p>
-            <a:endParaRPr lang="en-US" altLang="en-US" dirty="0"/>
-          </a:p>
-        </p:txBody>
-      </p:sp>
-      <p:sp>
-        <p:nvSpPr>
-          <p:cNvPr id="78852" name="Slide Number Placeholder 3"/>
-          <p:cNvSpPr>
-            <a:spLocks noGrp="1"/>
-          </p:cNvSpPr>
-          <p:nvPr>
-            <p:ph type="sldNum" sz="quarter" idx="5"/>
-          </p:nvPr>
-        </p:nvSpPr>
-        <p:spPr>
-          <a:noFill/>
-          <a:ln/>
-          <a:extLst>
-            <a:ext uri="{909E8E84-426E-40DD-AFC4-6F175D3DCCD1}">
-              <a14:hiddenFill xmlns:a14="http://schemas.microsoft.com/office/drawing/2010/main">
-                <a:solidFill>
-                  <a:srgbClr val="FFFFFF"/>
-                </a:solidFill>
-              </a14:hiddenFill>
-            </a:ext>
-            <a:ext uri="{91240B29-F687-4F45-9708-019B960494DF}">
-              <a14:hiddenLine xmlns:a14="http://schemas.microsoft.com/office/drawing/2010/main" w="9525">
-                <a:solidFill>
-                  <a:srgbClr val="000000"/>
-                </a:solidFill>
-                <a:miter lim="800000"/>
-                <a:headEnd/>
-                <a:tailEnd/>
-              </a14:hiddenLine>
-            </a:ext>
-          </a:extLst>
-        </p:spPr>
-        <p:txBody>
-          <a:bodyPr/>
-          <a:lstStyle>
-            <a:lvl1pPr eaLnBrk="0" hangingPunct="0">
-              <a:defRPr>
-                <a:solidFill>
-                  <a:schemeClr val="tx1"/>
-                </a:solidFill>
-                <a:latin typeface="Arial" charset="0"/>
-              </a:defRPr>
-            </a:lvl1pPr>
-            <a:lvl2pPr marL="742950" indent="-285750" eaLnBrk="0" hangingPunct="0">
-              <a:defRPr>
-                <a:solidFill>
-                  <a:schemeClr val="tx1"/>
-                </a:solidFill>
-                <a:latin typeface="Arial" charset="0"/>
-              </a:defRPr>
-            </a:lvl2pPr>
-            <a:lvl3pPr marL="1143000" indent="-228600" eaLnBrk="0" hangingPunct="0">
-              <a:defRPr>
-                <a:solidFill>
-                  <a:schemeClr val="tx1"/>
-                </a:solidFill>
-                <a:latin typeface="Arial" charset="0"/>
-              </a:defRPr>
-            </a:lvl3pPr>
-            <a:lvl4pPr marL="1600200" indent="-228600" eaLnBrk="0" hangingPunct="0">
-              <a:defRPr>
-                <a:solidFill>
-                  <a:schemeClr val="tx1"/>
-                </a:solidFill>
-                <a:latin typeface="Arial" charset="0"/>
-              </a:defRPr>
-            </a:lvl4pPr>
-            <a:lvl5pPr marL="2057400" indent="-228600" eaLnBrk="0" hangingPunct="0">
-              <a:defRPr>
-                <a:solidFill>
-                  <a:schemeClr val="tx1"/>
-                </a:solidFill>
-                <a:latin typeface="Arial" charset="0"/>
-              </a:defRPr>
-            </a:lvl5pPr>
-            <a:lvl6pPr marL="2514600" indent="-228600" eaLnBrk="0" fontAlgn="base" hangingPunct="0">
-              <a:spcBef>
-                <a:spcPct val="0"/>
-              </a:spcBef>
-              <a:spcAft>
-                <a:spcPct val="0"/>
-              </a:spcAft>
-              <a:defRPr>
-                <a:solidFill>
-                  <a:schemeClr val="tx1"/>
-                </a:solidFill>
-                <a:latin typeface="Arial" charset="0"/>
-              </a:defRPr>
-            </a:lvl6pPr>
-            <a:lvl7pPr marL="2971800" indent="-228600" eaLnBrk="0" fontAlgn="base" hangingPunct="0">
-              <a:spcBef>
-                <a:spcPct val="0"/>
-              </a:spcBef>
-              <a:spcAft>
-                <a:spcPct val="0"/>
-              </a:spcAft>
-              <a:defRPr>
-                <a:solidFill>
-                  <a:schemeClr val="tx1"/>
-                </a:solidFill>
-                <a:latin typeface="Arial" charset="0"/>
-              </a:defRPr>
-            </a:lvl7pPr>
-            <a:lvl8pPr marL="3429000" indent="-228600" eaLnBrk="0" fontAlgn="base" hangingPunct="0">
-              <a:spcBef>
-                <a:spcPct val="0"/>
-              </a:spcBef>
-              <a:spcAft>
-                <a:spcPct val="0"/>
-              </a:spcAft>
-              <a:defRPr>
-                <a:solidFill>
-                  <a:schemeClr val="tx1"/>
-                </a:solidFill>
-                <a:latin typeface="Arial" charset="0"/>
-              </a:defRPr>
-            </a:lvl8pPr>
-            <a:lvl9pPr marL="3886200" indent="-228600" eaLnBrk="0" fontAlgn="base" hangingPunct="0">
-              <a:spcBef>
-                <a:spcPct val="0"/>
-              </a:spcBef>
-              <a:spcAft>
-                <a:spcPct val="0"/>
-              </a:spcAft>
-              <a:defRPr>
-                <a:solidFill>
-                  <a:schemeClr val="tx1"/>
-                </a:solidFill>
-                <a:latin typeface="Arial" charset="0"/>
-              </a:defRPr>
-            </a:lvl9pPr>
-          </a:lstStyle>
-          <a:p>
-            <a:pPr eaLnBrk="1" hangingPunct="1"/>
-            <a:fld id="{74D6AC46-B641-4C53-BECB-CEE7049A2971}" type="slidenum">
-              <a:rPr lang="en-US" altLang="en-US" smtClean="0"/>
-              <a:pPr eaLnBrk="1" hangingPunct="1"/>
-              <a:t>66</a:t>
-            </a:fld>
-            <a:endParaRPr lang="en-US" altLang="en-US" dirty="0"/>
-          </a:p>
-        </p:txBody>
-      </p:sp>
-    </p:spTree>
-    <p:extLst>
-      <p:ext uri="{BB962C8B-B14F-4D97-AF65-F5344CB8AC3E}">
-        <p14:creationId xmlns:p14="http://schemas.microsoft.com/office/powerpoint/2010/main" val="4041232530"/>
-      </p:ext>
-    </p:extLst>
-  </p:cSld>
-  <p:clrMapOvr>
-    <a:masterClrMapping/>
-  </p:clrMapOvr>
-</p:notes>
-</file>
-
-<file path=ppt/notesSlides/notesSlide64.xml><?xml version="1.0" encoding="utf-8"?>
-<p:notes xmlns:a="http://schemas.openxmlformats.org/drawingml/2006/main" xmlns:r="http://schemas.openxmlformats.org/officeDocument/2006/relationships" xmlns:p="http://schemas.openxmlformats.org/presentationml/2006/main">
-  <p:cSld>
-    <p:spTree>
-      <p:nvGrpSpPr>
-        <p:cNvPr id="1" name=""/>
-        <p:cNvGrpSpPr/>
-        <p:nvPr/>
-      </p:nvGrpSpPr>
-      <p:grpSpPr>
-        <a:xfrm>
-          <a:off x="0" y="0"/>
-          <a:ext cx="0" cy="0"/>
-          <a:chOff x="0" y="0"/>
-          <a:chExt cx="0" cy="0"/>
-        </a:xfrm>
-      </p:grpSpPr>
-      <p:sp>
-        <p:nvSpPr>
-          <p:cNvPr id="79874" name="Slide Image Placeholder 1"/>
-          <p:cNvSpPr>
-            <a:spLocks noGrp="1" noRot="1" noChangeAspect="1" noTextEdit="1"/>
-          </p:cNvSpPr>
-          <p:nvPr>
-            <p:ph type="sldImg"/>
-          </p:nvPr>
-        </p:nvSpPr>
-        <p:spPr>
-          <a:ln/>
-        </p:spPr>
-      </p:sp>
-      <p:sp>
-        <p:nvSpPr>
-          <p:cNvPr id="79875" name="Notes Placeholder 2"/>
-          <p:cNvSpPr>
-            <a:spLocks noGrp="1"/>
-          </p:cNvSpPr>
-          <p:nvPr>
-            <p:ph type="body" idx="1"/>
-          </p:nvPr>
-        </p:nvSpPr>
-        <p:spPr>
-          <a:noFill/>
-          <a:ln/>
-          <a:extLst>
-            <a:ext uri="{909E8E84-426E-40DD-AFC4-6F175D3DCCD1}">
-              <a14:hiddenFill xmlns:a14="http://schemas.microsoft.com/office/drawing/2010/main">
-                <a:solidFill>
-                  <a:srgbClr val="FFFFFF"/>
-                </a:solidFill>
-              </a14:hiddenFill>
-            </a:ext>
-            <a:ext uri="{91240B29-F687-4F45-9708-019B960494DF}">
-              <a14:hiddenLine xmlns:a14="http://schemas.microsoft.com/office/drawing/2010/main" w="9525">
-                <a:solidFill>
-                  <a:srgbClr val="000000"/>
-                </a:solidFill>
-                <a:miter lim="800000"/>
-                <a:headEnd/>
-                <a:tailEnd/>
-              </a14:hiddenLine>
-            </a:ext>
-          </a:extLst>
-        </p:spPr>
-        <p:txBody>
-          <a:bodyPr/>
-          <a:lstStyle/>
-          <a:p>
-            <a:endParaRPr lang="en-US" altLang="en-US" dirty="0"/>
-          </a:p>
-        </p:txBody>
-      </p:sp>
-      <p:sp>
-        <p:nvSpPr>
-          <p:cNvPr id="79876" name="Slide Number Placeholder 3"/>
-          <p:cNvSpPr>
-            <a:spLocks noGrp="1"/>
-          </p:cNvSpPr>
-          <p:nvPr>
-            <p:ph type="sldNum" sz="quarter" idx="5"/>
-          </p:nvPr>
-        </p:nvSpPr>
-        <p:spPr>
-          <a:noFill/>
-          <a:ln/>
-          <a:extLst>
-            <a:ext uri="{909E8E84-426E-40DD-AFC4-6F175D3DCCD1}">
-              <a14:hiddenFill xmlns:a14="http://schemas.microsoft.com/office/drawing/2010/main">
-                <a:solidFill>
-                  <a:srgbClr val="FFFFFF"/>
-                </a:solidFill>
-              </a14:hiddenFill>
-            </a:ext>
-            <a:ext uri="{91240B29-F687-4F45-9708-019B960494DF}">
-              <a14:hiddenLine xmlns:a14="http://schemas.microsoft.com/office/drawing/2010/main" w="9525">
-                <a:solidFill>
-                  <a:srgbClr val="000000"/>
-                </a:solidFill>
-                <a:miter lim="800000"/>
-                <a:headEnd/>
-                <a:tailEnd/>
-              </a14:hiddenLine>
-            </a:ext>
-          </a:extLst>
-        </p:spPr>
-        <p:txBody>
-          <a:bodyPr/>
-          <a:lstStyle>
-            <a:lvl1pPr eaLnBrk="0" hangingPunct="0">
-              <a:defRPr>
-                <a:solidFill>
-                  <a:schemeClr val="tx1"/>
-                </a:solidFill>
-                <a:latin typeface="Arial" charset="0"/>
-              </a:defRPr>
-            </a:lvl1pPr>
-            <a:lvl2pPr marL="742950" indent="-285750" eaLnBrk="0" hangingPunct="0">
-              <a:defRPr>
-                <a:solidFill>
-                  <a:schemeClr val="tx1"/>
-                </a:solidFill>
-                <a:latin typeface="Arial" charset="0"/>
-              </a:defRPr>
-            </a:lvl2pPr>
-            <a:lvl3pPr marL="1143000" indent="-228600" eaLnBrk="0" hangingPunct="0">
-              <a:defRPr>
-                <a:solidFill>
-                  <a:schemeClr val="tx1"/>
-                </a:solidFill>
-                <a:latin typeface="Arial" charset="0"/>
-              </a:defRPr>
-            </a:lvl3pPr>
-            <a:lvl4pPr marL="1600200" indent="-228600" eaLnBrk="0" hangingPunct="0">
-              <a:defRPr>
-                <a:solidFill>
-                  <a:schemeClr val="tx1"/>
-                </a:solidFill>
-                <a:latin typeface="Arial" charset="0"/>
-              </a:defRPr>
-            </a:lvl4pPr>
-            <a:lvl5pPr marL="2057400" indent="-228600" eaLnBrk="0" hangingPunct="0">
-              <a:defRPr>
-                <a:solidFill>
-                  <a:schemeClr val="tx1"/>
-                </a:solidFill>
-                <a:latin typeface="Arial" charset="0"/>
-              </a:defRPr>
-            </a:lvl5pPr>
-            <a:lvl6pPr marL="2514600" indent="-228600" eaLnBrk="0" fontAlgn="base" hangingPunct="0">
-              <a:spcBef>
-                <a:spcPct val="0"/>
-              </a:spcBef>
-              <a:spcAft>
-                <a:spcPct val="0"/>
-              </a:spcAft>
-              <a:defRPr>
-                <a:solidFill>
-                  <a:schemeClr val="tx1"/>
-                </a:solidFill>
-                <a:latin typeface="Arial" charset="0"/>
-              </a:defRPr>
-            </a:lvl6pPr>
-            <a:lvl7pPr marL="2971800" indent="-228600" eaLnBrk="0" fontAlgn="base" hangingPunct="0">
-              <a:spcBef>
-                <a:spcPct val="0"/>
-              </a:spcBef>
-              <a:spcAft>
-                <a:spcPct val="0"/>
-              </a:spcAft>
-              <a:defRPr>
-                <a:solidFill>
-                  <a:schemeClr val="tx1"/>
-                </a:solidFill>
-                <a:latin typeface="Arial" charset="0"/>
-              </a:defRPr>
-            </a:lvl7pPr>
-            <a:lvl8pPr marL="3429000" indent="-228600" eaLnBrk="0" fontAlgn="base" hangingPunct="0">
-              <a:spcBef>
-                <a:spcPct val="0"/>
-              </a:spcBef>
-              <a:spcAft>
-                <a:spcPct val="0"/>
-              </a:spcAft>
-              <a:defRPr>
-                <a:solidFill>
-                  <a:schemeClr val="tx1"/>
-                </a:solidFill>
-                <a:latin typeface="Arial" charset="0"/>
-              </a:defRPr>
-            </a:lvl8pPr>
-            <a:lvl9pPr marL="3886200" indent="-228600" eaLnBrk="0" fontAlgn="base" hangingPunct="0">
-              <a:spcBef>
-                <a:spcPct val="0"/>
-              </a:spcBef>
-              <a:spcAft>
-                <a:spcPct val="0"/>
-              </a:spcAft>
-              <a:defRPr>
-                <a:solidFill>
-                  <a:schemeClr val="tx1"/>
-                </a:solidFill>
-                <a:latin typeface="Arial" charset="0"/>
-              </a:defRPr>
-            </a:lvl9pPr>
-          </a:lstStyle>
-          <a:p>
-            <a:pPr eaLnBrk="1" hangingPunct="1"/>
-            <a:fld id="{B046B2FB-515E-4123-AE4F-C91642D8B114}" type="slidenum">
-              <a:rPr lang="en-US" altLang="en-US" smtClean="0"/>
-              <a:pPr eaLnBrk="1" hangingPunct="1"/>
-              <a:t>67</a:t>
-            </a:fld>
-            <a:endParaRPr lang="en-US" altLang="en-US" dirty="0"/>
-          </a:p>
-        </p:txBody>
-      </p:sp>
-    </p:spTree>
-    <p:extLst>
-      <p:ext uri="{BB962C8B-B14F-4D97-AF65-F5344CB8AC3E}">
-        <p14:creationId xmlns:p14="http://schemas.microsoft.com/office/powerpoint/2010/main" val="2816081655"/>
-      </p:ext>
-    </p:extLst>
-  </p:cSld>
-  <p:clrMapOvr>
-    <a:masterClrMapping/>
-  </p:clrMapOvr>
-</p:notes>
-</file>
-
-<file path=ppt/notesSlides/notesSlide65.xml><?xml version="1.0" encoding="utf-8"?>
-<p:notes xmlns:a="http://schemas.openxmlformats.org/drawingml/2006/main" xmlns:r="http://schemas.openxmlformats.org/officeDocument/2006/relationships" xmlns:p="http://schemas.openxmlformats.org/presentationml/2006/main">
-  <p:cSld>
-    <p:spTree>
-      <p:nvGrpSpPr>
-        <p:cNvPr id="1" name=""/>
-        <p:cNvGrpSpPr/>
-        <p:nvPr/>
-      </p:nvGrpSpPr>
-      <p:grpSpPr>
-        <a:xfrm>
-          <a:off x="0" y="0"/>
-          <a:ext cx="0" cy="0"/>
-          <a:chOff x="0" y="0"/>
-          <a:chExt cx="0" cy="0"/>
-        </a:xfrm>
-      </p:grpSpPr>
-      <p:sp>
-        <p:nvSpPr>
-          <p:cNvPr id="80898" name="Slide Image Placeholder 1"/>
-          <p:cNvSpPr>
-            <a:spLocks noGrp="1" noRot="1" noChangeAspect="1" noTextEdit="1"/>
-          </p:cNvSpPr>
-          <p:nvPr>
-            <p:ph type="sldImg"/>
-          </p:nvPr>
-        </p:nvSpPr>
-        <p:spPr>
-          <a:ln/>
-        </p:spPr>
-      </p:sp>
-      <p:sp>
-        <p:nvSpPr>
-          <p:cNvPr id="80899" name="Notes Placeholder 2"/>
-          <p:cNvSpPr>
-            <a:spLocks noGrp="1"/>
-          </p:cNvSpPr>
-          <p:nvPr>
-            <p:ph type="body" idx="1"/>
-          </p:nvPr>
-        </p:nvSpPr>
-        <p:spPr>
-          <a:noFill/>
-          <a:ln/>
-          <a:extLst>
-            <a:ext uri="{909E8E84-426E-40DD-AFC4-6F175D3DCCD1}">
-              <a14:hiddenFill xmlns:a14="http://schemas.microsoft.com/office/drawing/2010/main">
-                <a:solidFill>
-                  <a:srgbClr val="FFFFFF"/>
-                </a:solidFill>
-              </a14:hiddenFill>
-            </a:ext>
-            <a:ext uri="{91240B29-F687-4F45-9708-019B960494DF}">
-              <a14:hiddenLine xmlns:a14="http://schemas.microsoft.com/office/drawing/2010/main" w="9525">
-                <a:solidFill>
-                  <a:srgbClr val="000000"/>
-                </a:solidFill>
-                <a:miter lim="800000"/>
-                <a:headEnd/>
-                <a:tailEnd/>
-              </a14:hiddenLine>
-            </a:ext>
-          </a:extLst>
-        </p:spPr>
-        <p:txBody>
-          <a:bodyPr/>
-          <a:lstStyle/>
-          <a:p>
-            <a:endParaRPr lang="en-US" altLang="en-US" dirty="0"/>
-          </a:p>
-        </p:txBody>
-      </p:sp>
-      <p:sp>
-        <p:nvSpPr>
-          <p:cNvPr id="80900" name="Slide Number Placeholder 3"/>
-          <p:cNvSpPr>
-            <a:spLocks noGrp="1"/>
-          </p:cNvSpPr>
-          <p:nvPr>
-            <p:ph type="sldNum" sz="quarter" idx="5"/>
-          </p:nvPr>
-        </p:nvSpPr>
-        <p:spPr>
-          <a:noFill/>
-          <a:ln/>
-          <a:extLst>
-            <a:ext uri="{909E8E84-426E-40DD-AFC4-6F175D3DCCD1}">
-              <a14:hiddenFill xmlns:a14="http://schemas.microsoft.com/office/drawing/2010/main">
-                <a:solidFill>
-                  <a:srgbClr val="FFFFFF"/>
-                </a:solidFill>
-              </a14:hiddenFill>
-            </a:ext>
-            <a:ext uri="{91240B29-F687-4F45-9708-019B960494DF}">
-              <a14:hiddenLine xmlns:a14="http://schemas.microsoft.com/office/drawing/2010/main" w="9525">
-                <a:solidFill>
-                  <a:srgbClr val="000000"/>
-                </a:solidFill>
-                <a:miter lim="800000"/>
-                <a:headEnd/>
-                <a:tailEnd/>
-              </a14:hiddenLine>
-            </a:ext>
-          </a:extLst>
-        </p:spPr>
-        <p:txBody>
-          <a:bodyPr/>
-          <a:lstStyle>
-            <a:lvl1pPr eaLnBrk="0" hangingPunct="0">
-              <a:defRPr>
-                <a:solidFill>
-                  <a:schemeClr val="tx1"/>
-                </a:solidFill>
-                <a:latin typeface="Arial" charset="0"/>
-              </a:defRPr>
-            </a:lvl1pPr>
-            <a:lvl2pPr marL="742950" indent="-285750" eaLnBrk="0" hangingPunct="0">
-              <a:defRPr>
-                <a:solidFill>
-                  <a:schemeClr val="tx1"/>
-                </a:solidFill>
-                <a:latin typeface="Arial" charset="0"/>
-              </a:defRPr>
-            </a:lvl2pPr>
-            <a:lvl3pPr marL="1143000" indent="-228600" eaLnBrk="0" hangingPunct="0">
-              <a:defRPr>
-                <a:solidFill>
-                  <a:schemeClr val="tx1"/>
-                </a:solidFill>
-                <a:latin typeface="Arial" charset="0"/>
-              </a:defRPr>
-            </a:lvl3pPr>
-            <a:lvl4pPr marL="1600200" indent="-228600" eaLnBrk="0" hangingPunct="0">
-              <a:defRPr>
-                <a:solidFill>
-                  <a:schemeClr val="tx1"/>
-                </a:solidFill>
-                <a:latin typeface="Arial" charset="0"/>
-              </a:defRPr>
-            </a:lvl4pPr>
-            <a:lvl5pPr marL="2057400" indent="-228600" eaLnBrk="0" hangingPunct="0">
-              <a:defRPr>
-                <a:solidFill>
-                  <a:schemeClr val="tx1"/>
-                </a:solidFill>
-                <a:latin typeface="Arial" charset="0"/>
-              </a:defRPr>
-            </a:lvl5pPr>
-            <a:lvl6pPr marL="2514600" indent="-228600" eaLnBrk="0" fontAlgn="base" hangingPunct="0">
-              <a:spcBef>
-                <a:spcPct val="0"/>
-              </a:spcBef>
-              <a:spcAft>
-                <a:spcPct val="0"/>
-              </a:spcAft>
-              <a:defRPr>
-                <a:solidFill>
-                  <a:schemeClr val="tx1"/>
-                </a:solidFill>
-                <a:latin typeface="Arial" charset="0"/>
-              </a:defRPr>
-            </a:lvl6pPr>
-            <a:lvl7pPr marL="2971800" indent="-228600" eaLnBrk="0" fontAlgn="base" hangingPunct="0">
-              <a:spcBef>
-                <a:spcPct val="0"/>
-              </a:spcBef>
-              <a:spcAft>
-                <a:spcPct val="0"/>
-              </a:spcAft>
-              <a:defRPr>
-                <a:solidFill>
-                  <a:schemeClr val="tx1"/>
-                </a:solidFill>
-                <a:latin typeface="Arial" charset="0"/>
-              </a:defRPr>
-            </a:lvl7pPr>
-            <a:lvl8pPr marL="3429000" indent="-228600" eaLnBrk="0" fontAlgn="base" hangingPunct="0">
-              <a:spcBef>
-                <a:spcPct val="0"/>
-              </a:spcBef>
-              <a:spcAft>
-                <a:spcPct val="0"/>
-              </a:spcAft>
-              <a:defRPr>
-                <a:solidFill>
-                  <a:schemeClr val="tx1"/>
-                </a:solidFill>
-                <a:latin typeface="Arial" charset="0"/>
-              </a:defRPr>
-            </a:lvl8pPr>
-            <a:lvl9pPr marL="3886200" indent="-228600" eaLnBrk="0" fontAlgn="base" hangingPunct="0">
-              <a:spcBef>
-                <a:spcPct val="0"/>
-              </a:spcBef>
-              <a:spcAft>
-                <a:spcPct val="0"/>
-              </a:spcAft>
-              <a:defRPr>
-                <a:solidFill>
-                  <a:schemeClr val="tx1"/>
-                </a:solidFill>
-                <a:latin typeface="Arial" charset="0"/>
-              </a:defRPr>
-            </a:lvl9pPr>
-          </a:lstStyle>
-          <a:p>
-            <a:pPr eaLnBrk="1" hangingPunct="1"/>
-            <a:fld id="{86296FF1-8F41-4D2D-B422-5FDAE8E6DC63}" type="slidenum">
-              <a:rPr lang="en-US" altLang="en-US" smtClean="0"/>
-              <a:pPr eaLnBrk="1" hangingPunct="1"/>
-              <a:t>68</a:t>
-            </a:fld>
-            <a:endParaRPr lang="en-US" altLang="en-US" dirty="0"/>
-          </a:p>
-        </p:txBody>
-      </p:sp>
-    </p:spTree>
-    <p:extLst>
-      <p:ext uri="{BB962C8B-B14F-4D97-AF65-F5344CB8AC3E}">
-        <p14:creationId xmlns:p14="http://schemas.microsoft.com/office/powerpoint/2010/main" val="83263402"/>
-      </p:ext>
-    </p:extLst>
-  </p:cSld>
-  <p:clrMapOvr>
-    <a:masterClrMapping/>
-  </p:clrMapOvr>
-</p:notes>
-</file>
-
-<file path=ppt/notesSlides/notesSlide66.xml><?xml version="1.0" encoding="utf-8"?>
-<p:notes xmlns:a="http://schemas.openxmlformats.org/drawingml/2006/main" xmlns:r="http://schemas.openxmlformats.org/officeDocument/2006/relationships" xmlns:p="http://schemas.openxmlformats.org/presentationml/2006/main">
-  <p:cSld>
-    <p:spTree>
-      <p:nvGrpSpPr>
-        <p:cNvPr id="1" name=""/>
-        <p:cNvGrpSpPr/>
-        <p:nvPr/>
-      </p:nvGrpSpPr>
-      <p:grpSpPr>
-        <a:xfrm>
-          <a:off x="0" y="0"/>
-          <a:ext cx="0" cy="0"/>
-          <a:chOff x="0" y="0"/>
-          <a:chExt cx="0" cy="0"/>
-        </a:xfrm>
-      </p:grpSpPr>
-      <p:sp>
-        <p:nvSpPr>
-          <p:cNvPr id="81922" name="Slide Image Placeholder 1"/>
-          <p:cNvSpPr>
-            <a:spLocks noGrp="1" noRot="1" noChangeAspect="1" noTextEdit="1"/>
-          </p:cNvSpPr>
-          <p:nvPr>
-            <p:ph type="sldImg"/>
-          </p:nvPr>
-        </p:nvSpPr>
-        <p:spPr>
-          <a:ln/>
-        </p:spPr>
-      </p:sp>
-      <p:sp>
-        <p:nvSpPr>
-          <p:cNvPr id="81923" name="Notes Placeholder 2"/>
-          <p:cNvSpPr>
-            <a:spLocks noGrp="1"/>
-          </p:cNvSpPr>
-          <p:nvPr>
-            <p:ph type="body" idx="1"/>
-          </p:nvPr>
-        </p:nvSpPr>
-        <p:spPr>
-          <a:noFill/>
-          <a:ln/>
-          <a:extLst>
-            <a:ext uri="{909E8E84-426E-40DD-AFC4-6F175D3DCCD1}">
-              <a14:hiddenFill xmlns:a14="http://schemas.microsoft.com/office/drawing/2010/main">
-                <a:solidFill>
-                  <a:srgbClr val="FFFFFF"/>
-                </a:solidFill>
-              </a14:hiddenFill>
-            </a:ext>
-            <a:ext uri="{91240B29-F687-4F45-9708-019B960494DF}">
-              <a14:hiddenLine xmlns:a14="http://schemas.microsoft.com/office/drawing/2010/main" w="9525">
-                <a:solidFill>
-                  <a:srgbClr val="000000"/>
-                </a:solidFill>
-                <a:miter lim="800000"/>
-                <a:headEnd/>
-                <a:tailEnd/>
-              </a14:hiddenLine>
-            </a:ext>
-          </a:extLst>
-        </p:spPr>
-        <p:txBody>
-          <a:bodyPr/>
-          <a:lstStyle/>
-          <a:p>
-            <a:endParaRPr lang="en-US" altLang="en-US" dirty="0"/>
-          </a:p>
-        </p:txBody>
-      </p:sp>
-      <p:sp>
-        <p:nvSpPr>
-          <p:cNvPr id="81924" name="Slide Number Placeholder 3"/>
-          <p:cNvSpPr>
-            <a:spLocks noGrp="1"/>
-          </p:cNvSpPr>
-          <p:nvPr>
-            <p:ph type="sldNum" sz="quarter" idx="5"/>
-          </p:nvPr>
-        </p:nvSpPr>
-        <p:spPr>
-          <a:noFill/>
-          <a:ln/>
-          <a:extLst>
-            <a:ext uri="{909E8E84-426E-40DD-AFC4-6F175D3DCCD1}">
-              <a14:hiddenFill xmlns:a14="http://schemas.microsoft.com/office/drawing/2010/main">
-                <a:solidFill>
-                  <a:srgbClr val="FFFFFF"/>
-                </a:solidFill>
-              </a14:hiddenFill>
-            </a:ext>
-            <a:ext uri="{91240B29-F687-4F45-9708-019B960494DF}">
-              <a14:hiddenLine xmlns:a14="http://schemas.microsoft.com/office/drawing/2010/main" w="9525">
-                <a:solidFill>
-                  <a:srgbClr val="000000"/>
-                </a:solidFill>
-                <a:miter lim="800000"/>
-                <a:headEnd/>
-                <a:tailEnd/>
-              </a14:hiddenLine>
-            </a:ext>
-          </a:extLst>
-        </p:spPr>
-        <p:txBody>
-          <a:bodyPr/>
-          <a:lstStyle>
-            <a:lvl1pPr eaLnBrk="0" hangingPunct="0">
-              <a:defRPr>
-                <a:solidFill>
-                  <a:schemeClr val="tx1"/>
-                </a:solidFill>
-                <a:latin typeface="Arial" charset="0"/>
-              </a:defRPr>
-            </a:lvl1pPr>
-            <a:lvl2pPr marL="742950" indent="-285750" eaLnBrk="0" hangingPunct="0">
-              <a:defRPr>
-                <a:solidFill>
-                  <a:schemeClr val="tx1"/>
-                </a:solidFill>
-                <a:latin typeface="Arial" charset="0"/>
-              </a:defRPr>
-            </a:lvl2pPr>
-            <a:lvl3pPr marL="1143000" indent="-228600" eaLnBrk="0" hangingPunct="0">
-              <a:defRPr>
-                <a:solidFill>
-                  <a:schemeClr val="tx1"/>
-                </a:solidFill>
-                <a:latin typeface="Arial" charset="0"/>
-              </a:defRPr>
-            </a:lvl3pPr>
-            <a:lvl4pPr marL="1600200" indent="-228600" eaLnBrk="0" hangingPunct="0">
-              <a:defRPr>
-                <a:solidFill>
-                  <a:schemeClr val="tx1"/>
-                </a:solidFill>
-                <a:latin typeface="Arial" charset="0"/>
-              </a:defRPr>
-            </a:lvl4pPr>
-            <a:lvl5pPr marL="2057400" indent="-228600" eaLnBrk="0" hangingPunct="0">
-              <a:defRPr>
-                <a:solidFill>
-                  <a:schemeClr val="tx1"/>
-                </a:solidFill>
-                <a:latin typeface="Arial" charset="0"/>
-              </a:defRPr>
-            </a:lvl5pPr>
-            <a:lvl6pPr marL="2514600" indent="-228600" eaLnBrk="0" fontAlgn="base" hangingPunct="0">
-              <a:spcBef>
-                <a:spcPct val="0"/>
-              </a:spcBef>
-              <a:spcAft>
-                <a:spcPct val="0"/>
-              </a:spcAft>
-              <a:defRPr>
-                <a:solidFill>
-                  <a:schemeClr val="tx1"/>
-                </a:solidFill>
-                <a:latin typeface="Arial" charset="0"/>
-              </a:defRPr>
-            </a:lvl6pPr>
-            <a:lvl7pPr marL="2971800" indent="-228600" eaLnBrk="0" fontAlgn="base" hangingPunct="0">
-              <a:spcBef>
-                <a:spcPct val="0"/>
-              </a:spcBef>
-              <a:spcAft>
-                <a:spcPct val="0"/>
-              </a:spcAft>
-              <a:defRPr>
-                <a:solidFill>
-                  <a:schemeClr val="tx1"/>
-                </a:solidFill>
-                <a:latin typeface="Arial" charset="0"/>
-              </a:defRPr>
-            </a:lvl7pPr>
-            <a:lvl8pPr marL="3429000" indent="-228600" eaLnBrk="0" fontAlgn="base" hangingPunct="0">
-              <a:spcBef>
-                <a:spcPct val="0"/>
-              </a:spcBef>
-              <a:spcAft>
-                <a:spcPct val="0"/>
-              </a:spcAft>
-              <a:defRPr>
-                <a:solidFill>
-                  <a:schemeClr val="tx1"/>
-                </a:solidFill>
-                <a:latin typeface="Arial" charset="0"/>
-              </a:defRPr>
-            </a:lvl8pPr>
-            <a:lvl9pPr marL="3886200" indent="-228600" eaLnBrk="0" fontAlgn="base" hangingPunct="0">
-              <a:spcBef>
-                <a:spcPct val="0"/>
-              </a:spcBef>
-              <a:spcAft>
-                <a:spcPct val="0"/>
-              </a:spcAft>
-              <a:defRPr>
-                <a:solidFill>
-                  <a:schemeClr val="tx1"/>
-                </a:solidFill>
-                <a:latin typeface="Arial" charset="0"/>
-              </a:defRPr>
-            </a:lvl9pPr>
-          </a:lstStyle>
-          <a:p>
-            <a:pPr eaLnBrk="1" hangingPunct="1"/>
-            <a:fld id="{68744133-FEDE-43A3-B93D-E5D61D22301E}" type="slidenum">
-              <a:rPr lang="en-US" altLang="en-US" smtClean="0"/>
-              <a:pPr eaLnBrk="1" hangingPunct="1"/>
-              <a:t>69</a:t>
-            </a:fld>
-            <a:endParaRPr lang="en-US" altLang="en-US" dirty="0"/>
-          </a:p>
-        </p:txBody>
-      </p:sp>
-    </p:spTree>
-    <p:extLst>
-      <p:ext uri="{BB962C8B-B14F-4D97-AF65-F5344CB8AC3E}">
-        <p14:creationId xmlns:p14="http://schemas.microsoft.com/office/powerpoint/2010/main" val="2057086685"/>
-      </p:ext>
-    </p:extLst>
-  </p:cSld>
-  <p:clrMapOvr>
-    <a:masterClrMapping/>
-  </p:clrMapOvr>
-</p:notes>
-</file>
-
-<file path=ppt/notesSlides/notesSlide67.xml><?xml version="1.0" encoding="utf-8"?>
-<p:notes xmlns:a="http://schemas.openxmlformats.org/drawingml/2006/main" xmlns:r="http://schemas.openxmlformats.org/officeDocument/2006/relationships" xmlns:p="http://schemas.openxmlformats.org/presentationml/2006/main">
-  <p:cSld>
-    <p:spTree>
-      <p:nvGrpSpPr>
-        <p:cNvPr id="1" name=""/>
-        <p:cNvGrpSpPr/>
-        <p:nvPr/>
-      </p:nvGrpSpPr>
-      <p:grpSpPr>
-        <a:xfrm>
-          <a:off x="0" y="0"/>
-          <a:ext cx="0" cy="0"/>
-          <a:chOff x="0" y="0"/>
-          <a:chExt cx="0" cy="0"/>
-        </a:xfrm>
-      </p:grpSpPr>
-      <p:sp>
-        <p:nvSpPr>
-          <p:cNvPr id="82946" name="Slide Image Placeholder 1"/>
-          <p:cNvSpPr>
-            <a:spLocks noGrp="1" noRot="1" noChangeAspect="1" noTextEdit="1"/>
-          </p:cNvSpPr>
-          <p:nvPr>
-            <p:ph type="sldImg"/>
-          </p:nvPr>
-        </p:nvSpPr>
-        <p:spPr>
-          <a:ln/>
-        </p:spPr>
-      </p:sp>
-      <p:sp>
-        <p:nvSpPr>
-          <p:cNvPr id="82947" name="Notes Placeholder 2"/>
-          <p:cNvSpPr>
-            <a:spLocks noGrp="1"/>
-          </p:cNvSpPr>
-          <p:nvPr>
-            <p:ph type="body" idx="1"/>
-          </p:nvPr>
-        </p:nvSpPr>
-        <p:spPr>
-          <a:noFill/>
-          <a:ln/>
-          <a:extLst>
-            <a:ext uri="{909E8E84-426E-40DD-AFC4-6F175D3DCCD1}">
-              <a14:hiddenFill xmlns:a14="http://schemas.microsoft.com/office/drawing/2010/main">
-                <a:solidFill>
-                  <a:srgbClr val="FFFFFF"/>
-                </a:solidFill>
-              </a14:hiddenFill>
-            </a:ext>
-            <a:ext uri="{91240B29-F687-4F45-9708-019B960494DF}">
-              <a14:hiddenLine xmlns:a14="http://schemas.microsoft.com/office/drawing/2010/main" w="9525">
-                <a:solidFill>
-                  <a:srgbClr val="000000"/>
-                </a:solidFill>
-                <a:miter lim="800000"/>
-                <a:headEnd/>
-                <a:tailEnd/>
-              </a14:hiddenLine>
-            </a:ext>
-          </a:extLst>
-        </p:spPr>
-        <p:txBody>
-          <a:bodyPr/>
-          <a:lstStyle/>
-          <a:p>
-            <a:endParaRPr lang="en-US" altLang="en-US" dirty="0"/>
-          </a:p>
-        </p:txBody>
-      </p:sp>
-      <p:sp>
-        <p:nvSpPr>
-          <p:cNvPr id="82948" name="Slide Number Placeholder 3"/>
-          <p:cNvSpPr>
-            <a:spLocks noGrp="1"/>
-          </p:cNvSpPr>
-          <p:nvPr>
-            <p:ph type="sldNum" sz="quarter" idx="5"/>
-          </p:nvPr>
-        </p:nvSpPr>
-        <p:spPr>
-          <a:noFill/>
-          <a:ln/>
-          <a:extLst>
-            <a:ext uri="{909E8E84-426E-40DD-AFC4-6F175D3DCCD1}">
-              <a14:hiddenFill xmlns:a14="http://schemas.microsoft.com/office/drawing/2010/main">
-                <a:solidFill>
-                  <a:srgbClr val="FFFFFF"/>
-                </a:solidFill>
-              </a14:hiddenFill>
-            </a:ext>
-            <a:ext uri="{91240B29-F687-4F45-9708-019B960494DF}">
-              <a14:hiddenLine xmlns:a14="http://schemas.microsoft.com/office/drawing/2010/main" w="9525">
-                <a:solidFill>
-                  <a:srgbClr val="000000"/>
-                </a:solidFill>
-                <a:miter lim="800000"/>
-                <a:headEnd/>
-                <a:tailEnd/>
-              </a14:hiddenLine>
-            </a:ext>
-          </a:extLst>
-        </p:spPr>
-        <p:txBody>
-          <a:bodyPr/>
-          <a:lstStyle>
-            <a:lvl1pPr eaLnBrk="0" hangingPunct="0">
-              <a:defRPr>
-                <a:solidFill>
-                  <a:schemeClr val="tx1"/>
-                </a:solidFill>
-                <a:latin typeface="Arial" charset="0"/>
-              </a:defRPr>
-            </a:lvl1pPr>
-            <a:lvl2pPr marL="742950" indent="-285750" eaLnBrk="0" hangingPunct="0">
-              <a:defRPr>
-                <a:solidFill>
-                  <a:schemeClr val="tx1"/>
-                </a:solidFill>
-                <a:latin typeface="Arial" charset="0"/>
-              </a:defRPr>
-            </a:lvl2pPr>
-            <a:lvl3pPr marL="1143000" indent="-228600" eaLnBrk="0" hangingPunct="0">
-              <a:defRPr>
-                <a:solidFill>
-                  <a:schemeClr val="tx1"/>
-                </a:solidFill>
-                <a:latin typeface="Arial" charset="0"/>
-              </a:defRPr>
-            </a:lvl3pPr>
-            <a:lvl4pPr marL="1600200" indent="-228600" eaLnBrk="0" hangingPunct="0">
-              <a:defRPr>
-                <a:solidFill>
-                  <a:schemeClr val="tx1"/>
-                </a:solidFill>
-                <a:latin typeface="Arial" charset="0"/>
-              </a:defRPr>
-            </a:lvl4pPr>
-            <a:lvl5pPr marL="2057400" indent="-228600" eaLnBrk="0" hangingPunct="0">
-              <a:defRPr>
-                <a:solidFill>
-                  <a:schemeClr val="tx1"/>
-                </a:solidFill>
-                <a:latin typeface="Arial" charset="0"/>
-              </a:defRPr>
-            </a:lvl5pPr>
-            <a:lvl6pPr marL="2514600" indent="-228600" eaLnBrk="0" fontAlgn="base" hangingPunct="0">
-              <a:spcBef>
-                <a:spcPct val="0"/>
-              </a:spcBef>
-              <a:spcAft>
-                <a:spcPct val="0"/>
-              </a:spcAft>
-              <a:defRPr>
-                <a:solidFill>
-                  <a:schemeClr val="tx1"/>
-                </a:solidFill>
-                <a:latin typeface="Arial" charset="0"/>
-              </a:defRPr>
-            </a:lvl6pPr>
-            <a:lvl7pPr marL="2971800" indent="-228600" eaLnBrk="0" fontAlgn="base" hangingPunct="0">
-              <a:spcBef>
-                <a:spcPct val="0"/>
-              </a:spcBef>
-              <a:spcAft>
-                <a:spcPct val="0"/>
-              </a:spcAft>
-              <a:defRPr>
-                <a:solidFill>
-                  <a:schemeClr val="tx1"/>
-                </a:solidFill>
-                <a:latin typeface="Arial" charset="0"/>
-              </a:defRPr>
-            </a:lvl7pPr>
-            <a:lvl8pPr marL="3429000" indent="-228600" eaLnBrk="0" fontAlgn="base" hangingPunct="0">
-              <a:spcBef>
-                <a:spcPct val="0"/>
-              </a:spcBef>
-              <a:spcAft>
-                <a:spcPct val="0"/>
-              </a:spcAft>
-              <a:defRPr>
-                <a:solidFill>
-                  <a:schemeClr val="tx1"/>
-                </a:solidFill>
-                <a:latin typeface="Arial" charset="0"/>
-              </a:defRPr>
-            </a:lvl8pPr>
-            <a:lvl9pPr marL="3886200" indent="-228600" eaLnBrk="0" fontAlgn="base" hangingPunct="0">
-              <a:spcBef>
-                <a:spcPct val="0"/>
-              </a:spcBef>
-              <a:spcAft>
-                <a:spcPct val="0"/>
-              </a:spcAft>
-              <a:defRPr>
-                <a:solidFill>
-                  <a:schemeClr val="tx1"/>
-                </a:solidFill>
-                <a:latin typeface="Arial" charset="0"/>
-              </a:defRPr>
-            </a:lvl9pPr>
-          </a:lstStyle>
-          <a:p>
-            <a:pPr eaLnBrk="1" hangingPunct="1"/>
-            <a:fld id="{56D4FA70-045C-4FCB-BA35-A720928EFAAD}" type="slidenum">
-              <a:rPr lang="en-US" altLang="en-US" smtClean="0"/>
-              <a:pPr eaLnBrk="1" hangingPunct="1"/>
-              <a:t>70</a:t>
-            </a:fld>
-            <a:endParaRPr lang="en-US" altLang="en-US" dirty="0"/>
-          </a:p>
-        </p:txBody>
-      </p:sp>
-    </p:spTree>
-    <p:extLst>
-      <p:ext uri="{BB962C8B-B14F-4D97-AF65-F5344CB8AC3E}">
-        <p14:creationId xmlns:p14="http://schemas.microsoft.com/office/powerpoint/2010/main" val="3056875909"/>
-      </p:ext>
-    </p:extLst>
-  </p:cSld>
-  <p:clrMapOvr>
-    <a:masterClrMapping/>
-  </p:clrMapOvr>
-</p:notes>
-</file>
-
-<file path=ppt/notesSlides/notesSlide68.xml><?xml version="1.0" encoding="utf-8"?>
-<p:notes xmlns:a="http://schemas.openxmlformats.org/drawingml/2006/main" xmlns:r="http://schemas.openxmlformats.org/officeDocument/2006/relationships" xmlns:p="http://schemas.openxmlformats.org/presentationml/2006/main">
-  <p:cSld>
-    <p:spTree>
-      <p:nvGrpSpPr>
-        <p:cNvPr id="1" name=""/>
-        <p:cNvGrpSpPr/>
-        <p:nvPr/>
-      </p:nvGrpSpPr>
-      <p:grpSpPr>
-        <a:xfrm>
-          <a:off x="0" y="0"/>
-          <a:ext cx="0" cy="0"/>
-          <a:chOff x="0" y="0"/>
-          <a:chExt cx="0" cy="0"/>
-        </a:xfrm>
-      </p:grpSpPr>
-      <p:sp>
-        <p:nvSpPr>
-          <p:cNvPr id="83970" name="Slide Image Placeholder 1"/>
-          <p:cNvSpPr>
-            <a:spLocks noGrp="1" noRot="1" noChangeAspect="1" noTextEdit="1"/>
-          </p:cNvSpPr>
-          <p:nvPr>
-            <p:ph type="sldImg"/>
-          </p:nvPr>
-        </p:nvSpPr>
-        <p:spPr>
-          <a:ln/>
-        </p:spPr>
-      </p:sp>
-      <p:sp>
-        <p:nvSpPr>
-          <p:cNvPr id="83971" name="Notes Placeholder 2"/>
-          <p:cNvSpPr>
-            <a:spLocks noGrp="1"/>
-          </p:cNvSpPr>
-          <p:nvPr>
-            <p:ph type="body" idx="1"/>
-          </p:nvPr>
-        </p:nvSpPr>
-        <p:spPr>
-          <a:noFill/>
-          <a:ln/>
-          <a:extLst>
-            <a:ext uri="{909E8E84-426E-40DD-AFC4-6F175D3DCCD1}">
-              <a14:hiddenFill xmlns:a14="http://schemas.microsoft.com/office/drawing/2010/main">
-                <a:solidFill>
-                  <a:srgbClr val="FFFFFF"/>
-                </a:solidFill>
-              </a14:hiddenFill>
-            </a:ext>
-            <a:ext uri="{91240B29-F687-4F45-9708-019B960494DF}">
-              <a14:hiddenLine xmlns:a14="http://schemas.microsoft.com/office/drawing/2010/main" w="9525">
-                <a:solidFill>
-                  <a:srgbClr val="000000"/>
-                </a:solidFill>
-                <a:miter lim="800000"/>
-                <a:headEnd/>
-                <a:tailEnd/>
-              </a14:hiddenLine>
-            </a:ext>
-          </a:extLst>
-        </p:spPr>
-        <p:txBody>
-          <a:bodyPr/>
-          <a:lstStyle/>
-          <a:p>
-            <a:endParaRPr lang="en-US" altLang="en-US" dirty="0"/>
-          </a:p>
-        </p:txBody>
-      </p:sp>
-      <p:sp>
-        <p:nvSpPr>
-          <p:cNvPr id="83972" name="Slide Number Placeholder 3"/>
-          <p:cNvSpPr>
-            <a:spLocks noGrp="1"/>
-          </p:cNvSpPr>
-          <p:nvPr>
-            <p:ph type="sldNum" sz="quarter" idx="5"/>
-          </p:nvPr>
-        </p:nvSpPr>
-        <p:spPr>
-          <a:noFill/>
-          <a:ln/>
-          <a:extLst>
-            <a:ext uri="{909E8E84-426E-40DD-AFC4-6F175D3DCCD1}">
-              <a14:hiddenFill xmlns:a14="http://schemas.microsoft.com/office/drawing/2010/main">
-                <a:solidFill>
-                  <a:srgbClr val="FFFFFF"/>
-                </a:solidFill>
-              </a14:hiddenFill>
-            </a:ext>
-            <a:ext uri="{91240B29-F687-4F45-9708-019B960494DF}">
-              <a14:hiddenLine xmlns:a14="http://schemas.microsoft.com/office/drawing/2010/main" w="9525">
-                <a:solidFill>
-                  <a:srgbClr val="000000"/>
-                </a:solidFill>
-                <a:miter lim="800000"/>
-                <a:headEnd/>
-                <a:tailEnd/>
-              </a14:hiddenLine>
-            </a:ext>
-          </a:extLst>
-        </p:spPr>
-        <p:txBody>
-          <a:bodyPr/>
-          <a:lstStyle>
-            <a:lvl1pPr eaLnBrk="0" hangingPunct="0">
-              <a:defRPr>
-                <a:solidFill>
-                  <a:schemeClr val="tx1"/>
-                </a:solidFill>
-                <a:latin typeface="Arial" charset="0"/>
-              </a:defRPr>
-            </a:lvl1pPr>
-            <a:lvl2pPr marL="742950" indent="-285750" eaLnBrk="0" hangingPunct="0">
-              <a:defRPr>
-                <a:solidFill>
-                  <a:schemeClr val="tx1"/>
-                </a:solidFill>
-                <a:latin typeface="Arial" charset="0"/>
-              </a:defRPr>
-            </a:lvl2pPr>
-            <a:lvl3pPr marL="1143000" indent="-228600" eaLnBrk="0" hangingPunct="0">
-              <a:defRPr>
-                <a:solidFill>
-                  <a:schemeClr val="tx1"/>
-                </a:solidFill>
-                <a:latin typeface="Arial" charset="0"/>
-              </a:defRPr>
-            </a:lvl3pPr>
-            <a:lvl4pPr marL="1600200" indent="-228600" eaLnBrk="0" hangingPunct="0">
-              <a:defRPr>
-                <a:solidFill>
-                  <a:schemeClr val="tx1"/>
-                </a:solidFill>
-                <a:latin typeface="Arial" charset="0"/>
-              </a:defRPr>
-            </a:lvl4pPr>
-            <a:lvl5pPr marL="2057400" indent="-228600" eaLnBrk="0" hangingPunct="0">
-              <a:defRPr>
-                <a:solidFill>
-                  <a:schemeClr val="tx1"/>
-                </a:solidFill>
-                <a:latin typeface="Arial" charset="0"/>
-              </a:defRPr>
-            </a:lvl5pPr>
-            <a:lvl6pPr marL="2514600" indent="-228600" eaLnBrk="0" fontAlgn="base" hangingPunct="0">
-              <a:spcBef>
-                <a:spcPct val="0"/>
-              </a:spcBef>
-              <a:spcAft>
-                <a:spcPct val="0"/>
-              </a:spcAft>
-              <a:defRPr>
-                <a:solidFill>
-                  <a:schemeClr val="tx1"/>
-                </a:solidFill>
-                <a:latin typeface="Arial" charset="0"/>
-              </a:defRPr>
-            </a:lvl6pPr>
-            <a:lvl7pPr marL="2971800" indent="-228600" eaLnBrk="0" fontAlgn="base" hangingPunct="0">
-              <a:spcBef>
-                <a:spcPct val="0"/>
-              </a:spcBef>
-              <a:spcAft>
-                <a:spcPct val="0"/>
-              </a:spcAft>
-              <a:defRPr>
-                <a:solidFill>
-                  <a:schemeClr val="tx1"/>
-                </a:solidFill>
-                <a:latin typeface="Arial" charset="0"/>
-              </a:defRPr>
-            </a:lvl7pPr>
-            <a:lvl8pPr marL="3429000" indent="-228600" eaLnBrk="0" fontAlgn="base" hangingPunct="0">
-              <a:spcBef>
-                <a:spcPct val="0"/>
-              </a:spcBef>
-              <a:spcAft>
-                <a:spcPct val="0"/>
-              </a:spcAft>
-              <a:defRPr>
-                <a:solidFill>
-                  <a:schemeClr val="tx1"/>
-                </a:solidFill>
-                <a:latin typeface="Arial" charset="0"/>
-              </a:defRPr>
-            </a:lvl8pPr>
-            <a:lvl9pPr marL="3886200" indent="-228600" eaLnBrk="0" fontAlgn="base" hangingPunct="0">
-              <a:spcBef>
-                <a:spcPct val="0"/>
-              </a:spcBef>
-              <a:spcAft>
-                <a:spcPct val="0"/>
-              </a:spcAft>
-              <a:defRPr>
-                <a:solidFill>
-                  <a:schemeClr val="tx1"/>
-                </a:solidFill>
-                <a:latin typeface="Arial" charset="0"/>
-              </a:defRPr>
-            </a:lvl9pPr>
-          </a:lstStyle>
-          <a:p>
-            <a:pPr eaLnBrk="1" hangingPunct="1"/>
-            <a:fld id="{0F6A795F-FC48-4C5F-ACC8-2848AE12054C}" type="slidenum">
-              <a:rPr lang="en-US" altLang="en-US" smtClean="0"/>
-              <a:pPr eaLnBrk="1" hangingPunct="1"/>
-              <a:t>71</a:t>
-            </a:fld>
-            <a:endParaRPr lang="en-US" altLang="en-US" dirty="0"/>
-          </a:p>
-        </p:txBody>
-      </p:sp>
-    </p:spTree>
-    <p:extLst>
-      <p:ext uri="{BB962C8B-B14F-4D97-AF65-F5344CB8AC3E}">
-        <p14:creationId xmlns:p14="http://schemas.microsoft.com/office/powerpoint/2010/main" val="3971198402"/>
-      </p:ext>
-    </p:extLst>
-  </p:cSld>
-  <p:clrMapOvr>
-    <a:masterClrMapping/>
-  </p:clrMapOvr>
-</p:notes>
-</file>
-
-<file path=ppt/notesSlides/notesSlide69.xml><?xml version="1.0" encoding="utf-8"?>
-<p:notes xmlns:a="http://schemas.openxmlformats.org/drawingml/2006/main" xmlns:r="http://schemas.openxmlformats.org/officeDocument/2006/relationships" xmlns:p="http://schemas.openxmlformats.org/presentationml/2006/main">
-  <p:cSld>
-    <p:spTree>
-      <p:nvGrpSpPr>
-        <p:cNvPr id="1" name=""/>
-        <p:cNvGrpSpPr/>
-        <p:nvPr/>
-      </p:nvGrpSpPr>
-      <p:grpSpPr>
-        <a:xfrm>
-          <a:off x="0" y="0"/>
-          <a:ext cx="0" cy="0"/>
-          <a:chOff x="0" y="0"/>
-          <a:chExt cx="0" cy="0"/>
-        </a:xfrm>
-      </p:grpSpPr>
-      <p:sp>
-        <p:nvSpPr>
-          <p:cNvPr id="84994" name="Slide Image Placeholder 1"/>
-          <p:cNvSpPr>
-            <a:spLocks noGrp="1" noRot="1" noChangeAspect="1" noTextEdit="1"/>
-          </p:cNvSpPr>
-          <p:nvPr>
-            <p:ph type="sldImg"/>
-          </p:nvPr>
-        </p:nvSpPr>
-        <p:spPr>
-          <a:ln/>
-        </p:spPr>
-      </p:sp>
-      <p:sp>
-        <p:nvSpPr>
-          <p:cNvPr id="84995" name="Notes Placeholder 2"/>
-          <p:cNvSpPr>
-            <a:spLocks noGrp="1"/>
-          </p:cNvSpPr>
-          <p:nvPr>
-            <p:ph type="body" idx="1"/>
-          </p:nvPr>
-        </p:nvSpPr>
-        <p:spPr>
-          <a:noFill/>
-          <a:ln/>
-          <a:extLst>
-            <a:ext uri="{909E8E84-426E-40DD-AFC4-6F175D3DCCD1}">
-              <a14:hiddenFill xmlns:a14="http://schemas.microsoft.com/office/drawing/2010/main">
-                <a:solidFill>
-                  <a:srgbClr val="FFFFFF"/>
-                </a:solidFill>
-              </a14:hiddenFill>
-            </a:ext>
-            <a:ext uri="{91240B29-F687-4F45-9708-019B960494DF}">
-              <a14:hiddenLine xmlns:a14="http://schemas.microsoft.com/office/drawing/2010/main" w="9525">
-                <a:solidFill>
-                  <a:srgbClr val="000000"/>
-                </a:solidFill>
-                <a:miter lim="800000"/>
-                <a:headEnd/>
-                <a:tailEnd/>
-              </a14:hiddenLine>
-            </a:ext>
-          </a:extLst>
-        </p:spPr>
-        <p:txBody>
-          <a:bodyPr/>
-          <a:lstStyle/>
-          <a:p>
-            <a:endParaRPr lang="en-US" altLang="en-US" dirty="0"/>
-          </a:p>
-        </p:txBody>
-      </p:sp>
-      <p:sp>
-        <p:nvSpPr>
-          <p:cNvPr id="84996" name="Slide Number Placeholder 3"/>
-          <p:cNvSpPr>
-            <a:spLocks noGrp="1"/>
-          </p:cNvSpPr>
-          <p:nvPr>
-            <p:ph type="sldNum" sz="quarter" idx="5"/>
-          </p:nvPr>
-        </p:nvSpPr>
-        <p:spPr>
-          <a:noFill/>
-          <a:ln/>
-          <a:extLst>
-            <a:ext uri="{909E8E84-426E-40DD-AFC4-6F175D3DCCD1}">
-              <a14:hiddenFill xmlns:a14="http://schemas.microsoft.com/office/drawing/2010/main">
-                <a:solidFill>
-                  <a:srgbClr val="FFFFFF"/>
-                </a:solidFill>
-              </a14:hiddenFill>
-            </a:ext>
-            <a:ext uri="{91240B29-F687-4F45-9708-019B960494DF}">
-              <a14:hiddenLine xmlns:a14="http://schemas.microsoft.com/office/drawing/2010/main" w="9525">
-                <a:solidFill>
-                  <a:srgbClr val="000000"/>
-                </a:solidFill>
-                <a:miter lim="800000"/>
-                <a:headEnd/>
-                <a:tailEnd/>
-              </a14:hiddenLine>
-            </a:ext>
-          </a:extLst>
-        </p:spPr>
-        <p:txBody>
-          <a:bodyPr/>
-          <a:lstStyle>
-            <a:lvl1pPr eaLnBrk="0" hangingPunct="0">
-              <a:defRPr>
-                <a:solidFill>
-                  <a:schemeClr val="tx1"/>
-                </a:solidFill>
-                <a:latin typeface="Arial" charset="0"/>
-              </a:defRPr>
-            </a:lvl1pPr>
-            <a:lvl2pPr marL="742950" indent="-285750" eaLnBrk="0" hangingPunct="0">
-              <a:defRPr>
-                <a:solidFill>
-                  <a:schemeClr val="tx1"/>
-                </a:solidFill>
-                <a:latin typeface="Arial" charset="0"/>
-              </a:defRPr>
-            </a:lvl2pPr>
-            <a:lvl3pPr marL="1143000" indent="-228600" eaLnBrk="0" hangingPunct="0">
-              <a:defRPr>
-                <a:solidFill>
-                  <a:schemeClr val="tx1"/>
-                </a:solidFill>
-                <a:latin typeface="Arial" charset="0"/>
-              </a:defRPr>
-            </a:lvl3pPr>
-            <a:lvl4pPr marL="1600200" indent="-228600" eaLnBrk="0" hangingPunct="0">
-              <a:defRPr>
-                <a:solidFill>
-                  <a:schemeClr val="tx1"/>
-                </a:solidFill>
-                <a:latin typeface="Arial" charset="0"/>
-              </a:defRPr>
-            </a:lvl4pPr>
-            <a:lvl5pPr marL="2057400" indent="-228600" eaLnBrk="0" hangingPunct="0">
-              <a:defRPr>
-                <a:solidFill>
-                  <a:schemeClr val="tx1"/>
-                </a:solidFill>
-                <a:latin typeface="Arial" charset="0"/>
-              </a:defRPr>
-            </a:lvl5pPr>
-            <a:lvl6pPr marL="2514600" indent="-228600" eaLnBrk="0" fontAlgn="base" hangingPunct="0">
-              <a:spcBef>
-                <a:spcPct val="0"/>
-              </a:spcBef>
-              <a:spcAft>
-                <a:spcPct val="0"/>
-              </a:spcAft>
-              <a:defRPr>
-                <a:solidFill>
-                  <a:schemeClr val="tx1"/>
-                </a:solidFill>
-                <a:latin typeface="Arial" charset="0"/>
-              </a:defRPr>
-            </a:lvl6pPr>
-            <a:lvl7pPr marL="2971800" indent="-228600" eaLnBrk="0" fontAlgn="base" hangingPunct="0">
-              <a:spcBef>
-                <a:spcPct val="0"/>
-              </a:spcBef>
-              <a:spcAft>
-                <a:spcPct val="0"/>
-              </a:spcAft>
-              <a:defRPr>
-                <a:solidFill>
-                  <a:schemeClr val="tx1"/>
-                </a:solidFill>
-                <a:latin typeface="Arial" charset="0"/>
-              </a:defRPr>
-            </a:lvl7pPr>
-            <a:lvl8pPr marL="3429000" indent="-228600" eaLnBrk="0" fontAlgn="base" hangingPunct="0">
-              <a:spcBef>
-                <a:spcPct val="0"/>
-              </a:spcBef>
-              <a:spcAft>
-                <a:spcPct val="0"/>
-              </a:spcAft>
-              <a:defRPr>
-                <a:solidFill>
-                  <a:schemeClr val="tx1"/>
-                </a:solidFill>
-                <a:latin typeface="Arial" charset="0"/>
-              </a:defRPr>
-            </a:lvl8pPr>
-            <a:lvl9pPr marL="3886200" indent="-228600" eaLnBrk="0" fontAlgn="base" hangingPunct="0">
-              <a:spcBef>
-                <a:spcPct val="0"/>
-              </a:spcBef>
-              <a:spcAft>
-                <a:spcPct val="0"/>
-              </a:spcAft>
-              <a:defRPr>
-                <a:solidFill>
-                  <a:schemeClr val="tx1"/>
-                </a:solidFill>
-                <a:latin typeface="Arial" charset="0"/>
-              </a:defRPr>
-            </a:lvl9pPr>
-          </a:lstStyle>
-          <a:p>
-            <a:pPr eaLnBrk="1" hangingPunct="1"/>
-            <a:fld id="{81CDD00F-867F-4360-8668-9FC7BA7021F8}" type="slidenum">
-              <a:rPr lang="en-US" altLang="en-US" smtClean="0"/>
-              <a:pPr eaLnBrk="1" hangingPunct="1"/>
-              <a:t>72</a:t>
-            </a:fld>
-            <a:endParaRPr lang="en-US" altLang="en-US" dirty="0"/>
-          </a:p>
-        </p:txBody>
-      </p:sp>
-    </p:spTree>
-    <p:extLst>
-      <p:ext uri="{BB962C8B-B14F-4D97-AF65-F5344CB8AC3E}">
-        <p14:creationId xmlns:p14="http://schemas.microsoft.com/office/powerpoint/2010/main" val="4090819817"/>
-      </p:ext>
-    </p:extLst>
-  </p:cSld>
-  <p:clrMapOvr>
-    <a:masterClrMapping/>
-  </p:clrMapOvr>
-</p:notes>
-</file>
-
 <file path=ppt/notesSlides/notesSlide7.xml><?xml version="1.0" encoding="utf-8"?>
 <p:notes xmlns:a="http://schemas.openxmlformats.org/drawingml/2006/main" xmlns:r="http://schemas.openxmlformats.org/officeDocument/2006/relationships" xmlns:p="http://schemas.openxmlformats.org/presentationml/2006/main">
   <p:cSld>
@@ -15608,2296 +13459,6 @@
     <p:extLst>
       <p:ext uri="{BB962C8B-B14F-4D97-AF65-F5344CB8AC3E}">
         <p14:creationId xmlns:p14="http://schemas.microsoft.com/office/powerpoint/2010/main" val="1816064045"/>
-      </p:ext>
-    </p:extLst>
-  </p:cSld>
-  <p:clrMapOvr>
-    <a:masterClrMapping/>
-  </p:clrMapOvr>
-</p:notes>
-</file>
-
-<file path=ppt/notesSlides/notesSlide70.xml><?xml version="1.0" encoding="utf-8"?>
-<p:notes xmlns:a="http://schemas.openxmlformats.org/drawingml/2006/main" xmlns:r="http://schemas.openxmlformats.org/officeDocument/2006/relationships" xmlns:p="http://schemas.openxmlformats.org/presentationml/2006/main">
-  <p:cSld>
-    <p:spTree>
-      <p:nvGrpSpPr>
-        <p:cNvPr id="1" name=""/>
-        <p:cNvGrpSpPr/>
-        <p:nvPr/>
-      </p:nvGrpSpPr>
-      <p:grpSpPr>
-        <a:xfrm>
-          <a:off x="0" y="0"/>
-          <a:ext cx="0" cy="0"/>
-          <a:chOff x="0" y="0"/>
-          <a:chExt cx="0" cy="0"/>
-        </a:xfrm>
-      </p:grpSpPr>
-      <p:sp>
-        <p:nvSpPr>
-          <p:cNvPr id="89090" name="Slide Image Placeholder 1"/>
-          <p:cNvSpPr>
-            <a:spLocks noGrp="1" noRot="1" noChangeAspect="1" noTextEdit="1"/>
-          </p:cNvSpPr>
-          <p:nvPr>
-            <p:ph type="sldImg"/>
-          </p:nvPr>
-        </p:nvSpPr>
-        <p:spPr>
-          <a:ln/>
-        </p:spPr>
-      </p:sp>
-      <p:sp>
-        <p:nvSpPr>
-          <p:cNvPr id="89091" name="Notes Placeholder 2"/>
-          <p:cNvSpPr>
-            <a:spLocks noGrp="1"/>
-          </p:cNvSpPr>
-          <p:nvPr>
-            <p:ph type="body" idx="1"/>
-          </p:nvPr>
-        </p:nvSpPr>
-        <p:spPr>
-          <a:noFill/>
-          <a:ln/>
-          <a:extLst>
-            <a:ext uri="{909E8E84-426E-40DD-AFC4-6F175D3DCCD1}">
-              <a14:hiddenFill xmlns:a14="http://schemas.microsoft.com/office/drawing/2010/main">
-                <a:solidFill>
-                  <a:srgbClr val="FFFFFF"/>
-                </a:solidFill>
-              </a14:hiddenFill>
-            </a:ext>
-            <a:ext uri="{91240B29-F687-4F45-9708-019B960494DF}">
-              <a14:hiddenLine xmlns:a14="http://schemas.microsoft.com/office/drawing/2010/main" w="9525">
-                <a:solidFill>
-                  <a:srgbClr val="000000"/>
-                </a:solidFill>
-                <a:miter lim="800000"/>
-                <a:headEnd/>
-                <a:tailEnd/>
-              </a14:hiddenLine>
-            </a:ext>
-          </a:extLst>
-        </p:spPr>
-        <p:txBody>
-          <a:bodyPr/>
-          <a:lstStyle/>
-          <a:p>
-            <a:endParaRPr lang="en-US" altLang="en-US" dirty="0"/>
-          </a:p>
-        </p:txBody>
-      </p:sp>
-      <p:sp>
-        <p:nvSpPr>
-          <p:cNvPr id="89092" name="Slide Number Placeholder 3"/>
-          <p:cNvSpPr>
-            <a:spLocks noGrp="1"/>
-          </p:cNvSpPr>
-          <p:nvPr>
-            <p:ph type="sldNum" sz="quarter" idx="5"/>
-          </p:nvPr>
-        </p:nvSpPr>
-        <p:spPr>
-          <a:noFill/>
-          <a:ln/>
-          <a:extLst>
-            <a:ext uri="{909E8E84-426E-40DD-AFC4-6F175D3DCCD1}">
-              <a14:hiddenFill xmlns:a14="http://schemas.microsoft.com/office/drawing/2010/main">
-                <a:solidFill>
-                  <a:srgbClr val="FFFFFF"/>
-                </a:solidFill>
-              </a14:hiddenFill>
-            </a:ext>
-            <a:ext uri="{91240B29-F687-4F45-9708-019B960494DF}">
-              <a14:hiddenLine xmlns:a14="http://schemas.microsoft.com/office/drawing/2010/main" w="9525">
-                <a:solidFill>
-                  <a:srgbClr val="000000"/>
-                </a:solidFill>
-                <a:miter lim="800000"/>
-                <a:headEnd/>
-                <a:tailEnd/>
-              </a14:hiddenLine>
-            </a:ext>
-          </a:extLst>
-        </p:spPr>
-        <p:txBody>
-          <a:bodyPr/>
-          <a:lstStyle>
-            <a:lvl1pPr eaLnBrk="0" hangingPunct="0">
-              <a:defRPr>
-                <a:solidFill>
-                  <a:schemeClr val="tx1"/>
-                </a:solidFill>
-                <a:latin typeface="Arial" charset="0"/>
-              </a:defRPr>
-            </a:lvl1pPr>
-            <a:lvl2pPr marL="742950" indent="-285750" eaLnBrk="0" hangingPunct="0">
-              <a:defRPr>
-                <a:solidFill>
-                  <a:schemeClr val="tx1"/>
-                </a:solidFill>
-                <a:latin typeface="Arial" charset="0"/>
-              </a:defRPr>
-            </a:lvl2pPr>
-            <a:lvl3pPr marL="1143000" indent="-228600" eaLnBrk="0" hangingPunct="0">
-              <a:defRPr>
-                <a:solidFill>
-                  <a:schemeClr val="tx1"/>
-                </a:solidFill>
-                <a:latin typeface="Arial" charset="0"/>
-              </a:defRPr>
-            </a:lvl3pPr>
-            <a:lvl4pPr marL="1600200" indent="-228600" eaLnBrk="0" hangingPunct="0">
-              <a:defRPr>
-                <a:solidFill>
-                  <a:schemeClr val="tx1"/>
-                </a:solidFill>
-                <a:latin typeface="Arial" charset="0"/>
-              </a:defRPr>
-            </a:lvl4pPr>
-            <a:lvl5pPr marL="2057400" indent="-228600" eaLnBrk="0" hangingPunct="0">
-              <a:defRPr>
-                <a:solidFill>
-                  <a:schemeClr val="tx1"/>
-                </a:solidFill>
-                <a:latin typeface="Arial" charset="0"/>
-              </a:defRPr>
-            </a:lvl5pPr>
-            <a:lvl6pPr marL="2514600" indent="-228600" eaLnBrk="0" fontAlgn="base" hangingPunct="0">
-              <a:spcBef>
-                <a:spcPct val="0"/>
-              </a:spcBef>
-              <a:spcAft>
-                <a:spcPct val="0"/>
-              </a:spcAft>
-              <a:defRPr>
-                <a:solidFill>
-                  <a:schemeClr val="tx1"/>
-                </a:solidFill>
-                <a:latin typeface="Arial" charset="0"/>
-              </a:defRPr>
-            </a:lvl6pPr>
-            <a:lvl7pPr marL="2971800" indent="-228600" eaLnBrk="0" fontAlgn="base" hangingPunct="0">
-              <a:spcBef>
-                <a:spcPct val="0"/>
-              </a:spcBef>
-              <a:spcAft>
-                <a:spcPct val="0"/>
-              </a:spcAft>
-              <a:defRPr>
-                <a:solidFill>
-                  <a:schemeClr val="tx1"/>
-                </a:solidFill>
-                <a:latin typeface="Arial" charset="0"/>
-              </a:defRPr>
-            </a:lvl7pPr>
-            <a:lvl8pPr marL="3429000" indent="-228600" eaLnBrk="0" fontAlgn="base" hangingPunct="0">
-              <a:spcBef>
-                <a:spcPct val="0"/>
-              </a:spcBef>
-              <a:spcAft>
-                <a:spcPct val="0"/>
-              </a:spcAft>
-              <a:defRPr>
-                <a:solidFill>
-                  <a:schemeClr val="tx1"/>
-                </a:solidFill>
-                <a:latin typeface="Arial" charset="0"/>
-              </a:defRPr>
-            </a:lvl8pPr>
-            <a:lvl9pPr marL="3886200" indent="-228600" eaLnBrk="0" fontAlgn="base" hangingPunct="0">
-              <a:spcBef>
-                <a:spcPct val="0"/>
-              </a:spcBef>
-              <a:spcAft>
-                <a:spcPct val="0"/>
-              </a:spcAft>
-              <a:defRPr>
-                <a:solidFill>
-                  <a:schemeClr val="tx1"/>
-                </a:solidFill>
-                <a:latin typeface="Arial" charset="0"/>
-              </a:defRPr>
-            </a:lvl9pPr>
-          </a:lstStyle>
-          <a:p>
-            <a:pPr eaLnBrk="1" hangingPunct="1"/>
-            <a:fld id="{994F3FC5-20DA-4D5D-AEC0-9C34B51E6248}" type="slidenum">
-              <a:rPr lang="en-US" altLang="en-US" smtClean="0"/>
-              <a:pPr eaLnBrk="1" hangingPunct="1"/>
-              <a:t>73</a:t>
-            </a:fld>
-            <a:endParaRPr lang="en-US" altLang="en-US" dirty="0"/>
-          </a:p>
-        </p:txBody>
-      </p:sp>
-    </p:spTree>
-    <p:extLst>
-      <p:ext uri="{BB962C8B-B14F-4D97-AF65-F5344CB8AC3E}">
-        <p14:creationId xmlns:p14="http://schemas.microsoft.com/office/powerpoint/2010/main" val="4213928493"/>
-      </p:ext>
-    </p:extLst>
-  </p:cSld>
-  <p:clrMapOvr>
-    <a:masterClrMapping/>
-  </p:clrMapOvr>
-</p:notes>
-</file>
-
-<file path=ppt/notesSlides/notesSlide71.xml><?xml version="1.0" encoding="utf-8"?>
-<p:notes xmlns:a="http://schemas.openxmlformats.org/drawingml/2006/main" xmlns:r="http://schemas.openxmlformats.org/officeDocument/2006/relationships" xmlns:p="http://schemas.openxmlformats.org/presentationml/2006/main">
-  <p:cSld>
-    <p:spTree>
-      <p:nvGrpSpPr>
-        <p:cNvPr id="1" name=""/>
-        <p:cNvGrpSpPr/>
-        <p:nvPr/>
-      </p:nvGrpSpPr>
-      <p:grpSpPr>
-        <a:xfrm>
-          <a:off x="0" y="0"/>
-          <a:ext cx="0" cy="0"/>
-          <a:chOff x="0" y="0"/>
-          <a:chExt cx="0" cy="0"/>
-        </a:xfrm>
-      </p:grpSpPr>
-      <p:sp>
-        <p:nvSpPr>
-          <p:cNvPr id="35842" name="Slide Image Placeholder 1"/>
-          <p:cNvSpPr>
-            <a:spLocks noGrp="1" noRot="1" noChangeAspect="1" noTextEdit="1"/>
-          </p:cNvSpPr>
-          <p:nvPr>
-            <p:ph type="sldImg"/>
-          </p:nvPr>
-        </p:nvSpPr>
-        <p:spPr>
-          <a:ln/>
-        </p:spPr>
-      </p:sp>
-      <p:sp>
-        <p:nvSpPr>
-          <p:cNvPr id="35843" name="Notes Placeholder 2"/>
-          <p:cNvSpPr>
-            <a:spLocks noGrp="1"/>
-          </p:cNvSpPr>
-          <p:nvPr>
-            <p:ph type="body" idx="1"/>
-          </p:nvPr>
-        </p:nvSpPr>
-        <p:spPr>
-          <a:noFill/>
-          <a:ln/>
-          <a:extLst>
-            <a:ext uri="{909E8E84-426E-40DD-AFC4-6F175D3DCCD1}">
-              <a14:hiddenFill xmlns:a14="http://schemas.microsoft.com/office/drawing/2010/main">
-                <a:solidFill>
-                  <a:srgbClr val="FFFFFF"/>
-                </a:solidFill>
-              </a14:hiddenFill>
-            </a:ext>
-            <a:ext uri="{91240B29-F687-4F45-9708-019B960494DF}">
-              <a14:hiddenLine xmlns:a14="http://schemas.microsoft.com/office/drawing/2010/main" w="9525">
-                <a:solidFill>
-                  <a:srgbClr val="000000"/>
-                </a:solidFill>
-                <a:miter lim="800000"/>
-                <a:headEnd/>
-                <a:tailEnd/>
-              </a14:hiddenLine>
-            </a:ext>
-          </a:extLst>
-        </p:spPr>
-        <p:txBody>
-          <a:bodyPr/>
-          <a:lstStyle/>
-          <a:p>
-            <a:endParaRPr lang="en-US" altLang="en-US" dirty="0"/>
-          </a:p>
-        </p:txBody>
-      </p:sp>
-      <p:sp>
-        <p:nvSpPr>
-          <p:cNvPr id="35844" name="Slide Number Placeholder 3"/>
-          <p:cNvSpPr>
-            <a:spLocks noGrp="1"/>
-          </p:cNvSpPr>
-          <p:nvPr>
-            <p:ph type="sldNum" sz="quarter" idx="5"/>
-          </p:nvPr>
-        </p:nvSpPr>
-        <p:spPr>
-          <a:noFill/>
-          <a:ln/>
-          <a:extLst>
-            <a:ext uri="{909E8E84-426E-40DD-AFC4-6F175D3DCCD1}">
-              <a14:hiddenFill xmlns:a14="http://schemas.microsoft.com/office/drawing/2010/main">
-                <a:solidFill>
-                  <a:srgbClr val="FFFFFF"/>
-                </a:solidFill>
-              </a14:hiddenFill>
-            </a:ext>
-            <a:ext uri="{91240B29-F687-4F45-9708-019B960494DF}">
-              <a14:hiddenLine xmlns:a14="http://schemas.microsoft.com/office/drawing/2010/main" w="9525">
-                <a:solidFill>
-                  <a:srgbClr val="000000"/>
-                </a:solidFill>
-                <a:miter lim="800000"/>
-                <a:headEnd/>
-                <a:tailEnd/>
-              </a14:hiddenLine>
-            </a:ext>
-          </a:extLst>
-        </p:spPr>
-        <p:txBody>
-          <a:bodyPr/>
-          <a:lstStyle>
-            <a:lvl1pPr eaLnBrk="0" hangingPunct="0">
-              <a:defRPr>
-                <a:solidFill>
-                  <a:schemeClr val="tx1"/>
-                </a:solidFill>
-                <a:latin typeface="Arial" charset="0"/>
-              </a:defRPr>
-            </a:lvl1pPr>
-            <a:lvl2pPr marL="742950" indent="-285750" eaLnBrk="0" hangingPunct="0">
-              <a:defRPr>
-                <a:solidFill>
-                  <a:schemeClr val="tx1"/>
-                </a:solidFill>
-                <a:latin typeface="Arial" charset="0"/>
-              </a:defRPr>
-            </a:lvl2pPr>
-            <a:lvl3pPr marL="1143000" indent="-228600" eaLnBrk="0" hangingPunct="0">
-              <a:defRPr>
-                <a:solidFill>
-                  <a:schemeClr val="tx1"/>
-                </a:solidFill>
-                <a:latin typeface="Arial" charset="0"/>
-              </a:defRPr>
-            </a:lvl3pPr>
-            <a:lvl4pPr marL="1600200" indent="-228600" eaLnBrk="0" hangingPunct="0">
-              <a:defRPr>
-                <a:solidFill>
-                  <a:schemeClr val="tx1"/>
-                </a:solidFill>
-                <a:latin typeface="Arial" charset="0"/>
-              </a:defRPr>
-            </a:lvl4pPr>
-            <a:lvl5pPr marL="2057400" indent="-228600" eaLnBrk="0" hangingPunct="0">
-              <a:defRPr>
-                <a:solidFill>
-                  <a:schemeClr val="tx1"/>
-                </a:solidFill>
-                <a:latin typeface="Arial" charset="0"/>
-              </a:defRPr>
-            </a:lvl5pPr>
-            <a:lvl6pPr marL="2514600" indent="-228600" eaLnBrk="0" fontAlgn="base" hangingPunct="0">
-              <a:spcBef>
-                <a:spcPct val="0"/>
-              </a:spcBef>
-              <a:spcAft>
-                <a:spcPct val="0"/>
-              </a:spcAft>
-              <a:defRPr>
-                <a:solidFill>
-                  <a:schemeClr val="tx1"/>
-                </a:solidFill>
-                <a:latin typeface="Arial" charset="0"/>
-              </a:defRPr>
-            </a:lvl6pPr>
-            <a:lvl7pPr marL="2971800" indent="-228600" eaLnBrk="0" fontAlgn="base" hangingPunct="0">
-              <a:spcBef>
-                <a:spcPct val="0"/>
-              </a:spcBef>
-              <a:spcAft>
-                <a:spcPct val="0"/>
-              </a:spcAft>
-              <a:defRPr>
-                <a:solidFill>
-                  <a:schemeClr val="tx1"/>
-                </a:solidFill>
-                <a:latin typeface="Arial" charset="0"/>
-              </a:defRPr>
-            </a:lvl7pPr>
-            <a:lvl8pPr marL="3429000" indent="-228600" eaLnBrk="0" fontAlgn="base" hangingPunct="0">
-              <a:spcBef>
-                <a:spcPct val="0"/>
-              </a:spcBef>
-              <a:spcAft>
-                <a:spcPct val="0"/>
-              </a:spcAft>
-              <a:defRPr>
-                <a:solidFill>
-                  <a:schemeClr val="tx1"/>
-                </a:solidFill>
-                <a:latin typeface="Arial" charset="0"/>
-              </a:defRPr>
-            </a:lvl8pPr>
-            <a:lvl9pPr marL="3886200" indent="-228600" eaLnBrk="0" fontAlgn="base" hangingPunct="0">
-              <a:spcBef>
-                <a:spcPct val="0"/>
-              </a:spcBef>
-              <a:spcAft>
-                <a:spcPct val="0"/>
-              </a:spcAft>
-              <a:defRPr>
-                <a:solidFill>
-                  <a:schemeClr val="tx1"/>
-                </a:solidFill>
-                <a:latin typeface="Arial" charset="0"/>
-              </a:defRPr>
-            </a:lvl9pPr>
-          </a:lstStyle>
-          <a:p>
-            <a:pPr eaLnBrk="1" hangingPunct="1"/>
-            <a:fld id="{A93F5D5A-0506-4807-A80E-97AFCD8C655E}" type="slidenum">
-              <a:rPr lang="en-US" altLang="en-US" smtClean="0"/>
-              <a:pPr eaLnBrk="1" hangingPunct="1"/>
-              <a:t>75</a:t>
-            </a:fld>
-            <a:endParaRPr lang="en-US" altLang="en-US" dirty="0"/>
-          </a:p>
-        </p:txBody>
-      </p:sp>
-    </p:spTree>
-    <p:extLst>
-      <p:ext uri="{BB962C8B-B14F-4D97-AF65-F5344CB8AC3E}">
-        <p14:creationId xmlns:p14="http://schemas.microsoft.com/office/powerpoint/2010/main" val="1635262166"/>
-      </p:ext>
-    </p:extLst>
-  </p:cSld>
-  <p:clrMapOvr>
-    <a:masterClrMapping/>
-  </p:clrMapOvr>
-</p:notes>
-</file>
-
-<file path=ppt/notesSlides/notesSlide72.xml><?xml version="1.0" encoding="utf-8"?>
-<p:notes xmlns:a="http://schemas.openxmlformats.org/drawingml/2006/main" xmlns:r="http://schemas.openxmlformats.org/officeDocument/2006/relationships" xmlns:p="http://schemas.openxmlformats.org/presentationml/2006/main">
-  <p:cSld>
-    <p:spTree>
-      <p:nvGrpSpPr>
-        <p:cNvPr id="1" name=""/>
-        <p:cNvGrpSpPr/>
-        <p:nvPr/>
-      </p:nvGrpSpPr>
-      <p:grpSpPr>
-        <a:xfrm>
-          <a:off x="0" y="0"/>
-          <a:ext cx="0" cy="0"/>
-          <a:chOff x="0" y="0"/>
-          <a:chExt cx="0" cy="0"/>
-        </a:xfrm>
-      </p:grpSpPr>
-      <p:sp>
-        <p:nvSpPr>
-          <p:cNvPr id="37890" name="Slide Image Placeholder 1"/>
-          <p:cNvSpPr>
-            <a:spLocks noGrp="1" noRot="1" noChangeAspect="1" noTextEdit="1"/>
-          </p:cNvSpPr>
-          <p:nvPr>
-            <p:ph type="sldImg"/>
-          </p:nvPr>
-        </p:nvSpPr>
-        <p:spPr>
-          <a:ln/>
-        </p:spPr>
-      </p:sp>
-      <p:sp>
-        <p:nvSpPr>
-          <p:cNvPr id="37891" name="Notes Placeholder 2"/>
-          <p:cNvSpPr>
-            <a:spLocks noGrp="1"/>
-          </p:cNvSpPr>
-          <p:nvPr>
-            <p:ph type="body" idx="1"/>
-          </p:nvPr>
-        </p:nvSpPr>
-        <p:spPr>
-          <a:noFill/>
-          <a:ln/>
-          <a:extLst>
-            <a:ext uri="{909E8E84-426E-40DD-AFC4-6F175D3DCCD1}">
-              <a14:hiddenFill xmlns:a14="http://schemas.microsoft.com/office/drawing/2010/main">
-                <a:solidFill>
-                  <a:srgbClr val="FFFFFF"/>
-                </a:solidFill>
-              </a14:hiddenFill>
-            </a:ext>
-            <a:ext uri="{91240B29-F687-4F45-9708-019B960494DF}">
-              <a14:hiddenLine xmlns:a14="http://schemas.microsoft.com/office/drawing/2010/main" w="9525">
-                <a:solidFill>
-                  <a:srgbClr val="000000"/>
-                </a:solidFill>
-                <a:miter lim="800000"/>
-                <a:headEnd/>
-                <a:tailEnd/>
-              </a14:hiddenLine>
-            </a:ext>
-          </a:extLst>
-        </p:spPr>
-        <p:txBody>
-          <a:bodyPr/>
-          <a:lstStyle/>
-          <a:p>
-            <a:endParaRPr lang="en-US" altLang="en-US" dirty="0"/>
-          </a:p>
-        </p:txBody>
-      </p:sp>
-      <p:sp>
-        <p:nvSpPr>
-          <p:cNvPr id="37892" name="Slide Number Placeholder 3"/>
-          <p:cNvSpPr>
-            <a:spLocks noGrp="1"/>
-          </p:cNvSpPr>
-          <p:nvPr>
-            <p:ph type="sldNum" sz="quarter" idx="5"/>
-          </p:nvPr>
-        </p:nvSpPr>
-        <p:spPr>
-          <a:noFill/>
-          <a:ln/>
-          <a:extLst>
-            <a:ext uri="{909E8E84-426E-40DD-AFC4-6F175D3DCCD1}">
-              <a14:hiddenFill xmlns:a14="http://schemas.microsoft.com/office/drawing/2010/main">
-                <a:solidFill>
-                  <a:srgbClr val="FFFFFF"/>
-                </a:solidFill>
-              </a14:hiddenFill>
-            </a:ext>
-            <a:ext uri="{91240B29-F687-4F45-9708-019B960494DF}">
-              <a14:hiddenLine xmlns:a14="http://schemas.microsoft.com/office/drawing/2010/main" w="9525">
-                <a:solidFill>
-                  <a:srgbClr val="000000"/>
-                </a:solidFill>
-                <a:miter lim="800000"/>
-                <a:headEnd/>
-                <a:tailEnd/>
-              </a14:hiddenLine>
-            </a:ext>
-          </a:extLst>
-        </p:spPr>
-        <p:txBody>
-          <a:bodyPr/>
-          <a:lstStyle>
-            <a:lvl1pPr eaLnBrk="0" hangingPunct="0">
-              <a:defRPr>
-                <a:solidFill>
-                  <a:schemeClr val="tx1"/>
-                </a:solidFill>
-                <a:latin typeface="Arial" charset="0"/>
-              </a:defRPr>
-            </a:lvl1pPr>
-            <a:lvl2pPr marL="742950" indent="-285750" eaLnBrk="0" hangingPunct="0">
-              <a:defRPr>
-                <a:solidFill>
-                  <a:schemeClr val="tx1"/>
-                </a:solidFill>
-                <a:latin typeface="Arial" charset="0"/>
-              </a:defRPr>
-            </a:lvl2pPr>
-            <a:lvl3pPr marL="1143000" indent="-228600" eaLnBrk="0" hangingPunct="0">
-              <a:defRPr>
-                <a:solidFill>
-                  <a:schemeClr val="tx1"/>
-                </a:solidFill>
-                <a:latin typeface="Arial" charset="0"/>
-              </a:defRPr>
-            </a:lvl3pPr>
-            <a:lvl4pPr marL="1600200" indent="-228600" eaLnBrk="0" hangingPunct="0">
-              <a:defRPr>
-                <a:solidFill>
-                  <a:schemeClr val="tx1"/>
-                </a:solidFill>
-                <a:latin typeface="Arial" charset="0"/>
-              </a:defRPr>
-            </a:lvl4pPr>
-            <a:lvl5pPr marL="2057400" indent="-228600" eaLnBrk="0" hangingPunct="0">
-              <a:defRPr>
-                <a:solidFill>
-                  <a:schemeClr val="tx1"/>
-                </a:solidFill>
-                <a:latin typeface="Arial" charset="0"/>
-              </a:defRPr>
-            </a:lvl5pPr>
-            <a:lvl6pPr marL="2514600" indent="-228600" eaLnBrk="0" fontAlgn="base" hangingPunct="0">
-              <a:spcBef>
-                <a:spcPct val="0"/>
-              </a:spcBef>
-              <a:spcAft>
-                <a:spcPct val="0"/>
-              </a:spcAft>
-              <a:defRPr>
-                <a:solidFill>
-                  <a:schemeClr val="tx1"/>
-                </a:solidFill>
-                <a:latin typeface="Arial" charset="0"/>
-              </a:defRPr>
-            </a:lvl6pPr>
-            <a:lvl7pPr marL="2971800" indent="-228600" eaLnBrk="0" fontAlgn="base" hangingPunct="0">
-              <a:spcBef>
-                <a:spcPct val="0"/>
-              </a:spcBef>
-              <a:spcAft>
-                <a:spcPct val="0"/>
-              </a:spcAft>
-              <a:defRPr>
-                <a:solidFill>
-                  <a:schemeClr val="tx1"/>
-                </a:solidFill>
-                <a:latin typeface="Arial" charset="0"/>
-              </a:defRPr>
-            </a:lvl7pPr>
-            <a:lvl8pPr marL="3429000" indent="-228600" eaLnBrk="0" fontAlgn="base" hangingPunct="0">
-              <a:spcBef>
-                <a:spcPct val="0"/>
-              </a:spcBef>
-              <a:spcAft>
-                <a:spcPct val="0"/>
-              </a:spcAft>
-              <a:defRPr>
-                <a:solidFill>
-                  <a:schemeClr val="tx1"/>
-                </a:solidFill>
-                <a:latin typeface="Arial" charset="0"/>
-              </a:defRPr>
-            </a:lvl8pPr>
-            <a:lvl9pPr marL="3886200" indent="-228600" eaLnBrk="0" fontAlgn="base" hangingPunct="0">
-              <a:spcBef>
-                <a:spcPct val="0"/>
-              </a:spcBef>
-              <a:spcAft>
-                <a:spcPct val="0"/>
-              </a:spcAft>
-              <a:defRPr>
-                <a:solidFill>
-                  <a:schemeClr val="tx1"/>
-                </a:solidFill>
-                <a:latin typeface="Arial" charset="0"/>
-              </a:defRPr>
-            </a:lvl9pPr>
-          </a:lstStyle>
-          <a:p>
-            <a:pPr eaLnBrk="1" hangingPunct="1"/>
-            <a:fld id="{99281966-EF5F-4E4D-A866-1FA4140C0A4D}" type="slidenum">
-              <a:rPr lang="en-US" altLang="en-US" smtClean="0"/>
-              <a:pPr eaLnBrk="1" hangingPunct="1"/>
-              <a:t>76</a:t>
-            </a:fld>
-            <a:endParaRPr lang="en-US" altLang="en-US" dirty="0"/>
-          </a:p>
-        </p:txBody>
-      </p:sp>
-    </p:spTree>
-    <p:extLst>
-      <p:ext uri="{BB962C8B-B14F-4D97-AF65-F5344CB8AC3E}">
-        <p14:creationId xmlns:p14="http://schemas.microsoft.com/office/powerpoint/2010/main" val="3850010843"/>
-      </p:ext>
-    </p:extLst>
-  </p:cSld>
-  <p:clrMapOvr>
-    <a:masterClrMapping/>
-  </p:clrMapOvr>
-</p:notes>
-</file>
-
-<file path=ppt/notesSlides/notesSlide73.xml><?xml version="1.0" encoding="utf-8"?>
-<p:notes xmlns:a="http://schemas.openxmlformats.org/drawingml/2006/main" xmlns:r="http://schemas.openxmlformats.org/officeDocument/2006/relationships" xmlns:p="http://schemas.openxmlformats.org/presentationml/2006/main">
-  <p:cSld>
-    <p:spTree>
-      <p:nvGrpSpPr>
-        <p:cNvPr id="1" name=""/>
-        <p:cNvGrpSpPr/>
-        <p:nvPr/>
-      </p:nvGrpSpPr>
-      <p:grpSpPr>
-        <a:xfrm>
-          <a:off x="0" y="0"/>
-          <a:ext cx="0" cy="0"/>
-          <a:chOff x="0" y="0"/>
-          <a:chExt cx="0" cy="0"/>
-        </a:xfrm>
-      </p:grpSpPr>
-      <p:sp>
-        <p:nvSpPr>
-          <p:cNvPr id="38914" name="Slide Image Placeholder 1"/>
-          <p:cNvSpPr>
-            <a:spLocks noGrp="1" noRot="1" noChangeAspect="1" noTextEdit="1"/>
-          </p:cNvSpPr>
-          <p:nvPr>
-            <p:ph type="sldImg"/>
-          </p:nvPr>
-        </p:nvSpPr>
-        <p:spPr>
-          <a:ln/>
-        </p:spPr>
-      </p:sp>
-      <p:sp>
-        <p:nvSpPr>
-          <p:cNvPr id="38915" name="Notes Placeholder 2"/>
-          <p:cNvSpPr>
-            <a:spLocks noGrp="1"/>
-          </p:cNvSpPr>
-          <p:nvPr>
-            <p:ph type="body" idx="1"/>
-          </p:nvPr>
-        </p:nvSpPr>
-        <p:spPr>
-          <a:noFill/>
-          <a:ln/>
-          <a:extLst>
-            <a:ext uri="{909E8E84-426E-40DD-AFC4-6F175D3DCCD1}">
-              <a14:hiddenFill xmlns:a14="http://schemas.microsoft.com/office/drawing/2010/main">
-                <a:solidFill>
-                  <a:srgbClr val="FFFFFF"/>
-                </a:solidFill>
-              </a14:hiddenFill>
-            </a:ext>
-            <a:ext uri="{91240B29-F687-4F45-9708-019B960494DF}">
-              <a14:hiddenLine xmlns:a14="http://schemas.microsoft.com/office/drawing/2010/main" w="9525">
-                <a:solidFill>
-                  <a:srgbClr val="000000"/>
-                </a:solidFill>
-                <a:miter lim="800000"/>
-                <a:headEnd/>
-                <a:tailEnd/>
-              </a14:hiddenLine>
-            </a:ext>
-          </a:extLst>
-        </p:spPr>
-        <p:txBody>
-          <a:bodyPr/>
-          <a:lstStyle/>
-          <a:p>
-            <a:endParaRPr lang="en-US" altLang="en-US" dirty="0"/>
-          </a:p>
-        </p:txBody>
-      </p:sp>
-      <p:sp>
-        <p:nvSpPr>
-          <p:cNvPr id="38916" name="Slide Number Placeholder 3"/>
-          <p:cNvSpPr>
-            <a:spLocks noGrp="1"/>
-          </p:cNvSpPr>
-          <p:nvPr>
-            <p:ph type="sldNum" sz="quarter" idx="5"/>
-          </p:nvPr>
-        </p:nvSpPr>
-        <p:spPr>
-          <a:noFill/>
-          <a:ln/>
-          <a:extLst>
-            <a:ext uri="{909E8E84-426E-40DD-AFC4-6F175D3DCCD1}">
-              <a14:hiddenFill xmlns:a14="http://schemas.microsoft.com/office/drawing/2010/main">
-                <a:solidFill>
-                  <a:srgbClr val="FFFFFF"/>
-                </a:solidFill>
-              </a14:hiddenFill>
-            </a:ext>
-            <a:ext uri="{91240B29-F687-4F45-9708-019B960494DF}">
-              <a14:hiddenLine xmlns:a14="http://schemas.microsoft.com/office/drawing/2010/main" w="9525">
-                <a:solidFill>
-                  <a:srgbClr val="000000"/>
-                </a:solidFill>
-                <a:miter lim="800000"/>
-                <a:headEnd/>
-                <a:tailEnd/>
-              </a14:hiddenLine>
-            </a:ext>
-          </a:extLst>
-        </p:spPr>
-        <p:txBody>
-          <a:bodyPr/>
-          <a:lstStyle>
-            <a:lvl1pPr eaLnBrk="0" hangingPunct="0">
-              <a:defRPr>
-                <a:solidFill>
-                  <a:schemeClr val="tx1"/>
-                </a:solidFill>
-                <a:latin typeface="Arial" charset="0"/>
-              </a:defRPr>
-            </a:lvl1pPr>
-            <a:lvl2pPr marL="742950" indent="-285750" eaLnBrk="0" hangingPunct="0">
-              <a:defRPr>
-                <a:solidFill>
-                  <a:schemeClr val="tx1"/>
-                </a:solidFill>
-                <a:latin typeface="Arial" charset="0"/>
-              </a:defRPr>
-            </a:lvl2pPr>
-            <a:lvl3pPr marL="1143000" indent="-228600" eaLnBrk="0" hangingPunct="0">
-              <a:defRPr>
-                <a:solidFill>
-                  <a:schemeClr val="tx1"/>
-                </a:solidFill>
-                <a:latin typeface="Arial" charset="0"/>
-              </a:defRPr>
-            </a:lvl3pPr>
-            <a:lvl4pPr marL="1600200" indent="-228600" eaLnBrk="0" hangingPunct="0">
-              <a:defRPr>
-                <a:solidFill>
-                  <a:schemeClr val="tx1"/>
-                </a:solidFill>
-                <a:latin typeface="Arial" charset="0"/>
-              </a:defRPr>
-            </a:lvl4pPr>
-            <a:lvl5pPr marL="2057400" indent="-228600" eaLnBrk="0" hangingPunct="0">
-              <a:defRPr>
-                <a:solidFill>
-                  <a:schemeClr val="tx1"/>
-                </a:solidFill>
-                <a:latin typeface="Arial" charset="0"/>
-              </a:defRPr>
-            </a:lvl5pPr>
-            <a:lvl6pPr marL="2514600" indent="-228600" eaLnBrk="0" fontAlgn="base" hangingPunct="0">
-              <a:spcBef>
-                <a:spcPct val="0"/>
-              </a:spcBef>
-              <a:spcAft>
-                <a:spcPct val="0"/>
-              </a:spcAft>
-              <a:defRPr>
-                <a:solidFill>
-                  <a:schemeClr val="tx1"/>
-                </a:solidFill>
-                <a:latin typeface="Arial" charset="0"/>
-              </a:defRPr>
-            </a:lvl6pPr>
-            <a:lvl7pPr marL="2971800" indent="-228600" eaLnBrk="0" fontAlgn="base" hangingPunct="0">
-              <a:spcBef>
-                <a:spcPct val="0"/>
-              </a:spcBef>
-              <a:spcAft>
-                <a:spcPct val="0"/>
-              </a:spcAft>
-              <a:defRPr>
-                <a:solidFill>
-                  <a:schemeClr val="tx1"/>
-                </a:solidFill>
-                <a:latin typeface="Arial" charset="0"/>
-              </a:defRPr>
-            </a:lvl7pPr>
-            <a:lvl8pPr marL="3429000" indent="-228600" eaLnBrk="0" fontAlgn="base" hangingPunct="0">
-              <a:spcBef>
-                <a:spcPct val="0"/>
-              </a:spcBef>
-              <a:spcAft>
-                <a:spcPct val="0"/>
-              </a:spcAft>
-              <a:defRPr>
-                <a:solidFill>
-                  <a:schemeClr val="tx1"/>
-                </a:solidFill>
-                <a:latin typeface="Arial" charset="0"/>
-              </a:defRPr>
-            </a:lvl8pPr>
-            <a:lvl9pPr marL="3886200" indent="-228600" eaLnBrk="0" fontAlgn="base" hangingPunct="0">
-              <a:spcBef>
-                <a:spcPct val="0"/>
-              </a:spcBef>
-              <a:spcAft>
-                <a:spcPct val="0"/>
-              </a:spcAft>
-              <a:defRPr>
-                <a:solidFill>
-                  <a:schemeClr val="tx1"/>
-                </a:solidFill>
-                <a:latin typeface="Arial" charset="0"/>
-              </a:defRPr>
-            </a:lvl9pPr>
-          </a:lstStyle>
-          <a:p>
-            <a:pPr eaLnBrk="1" hangingPunct="1"/>
-            <a:fld id="{5247C382-A4CC-47A8-AADE-70F747235732}" type="slidenum">
-              <a:rPr lang="en-US" altLang="en-US" smtClean="0"/>
-              <a:pPr eaLnBrk="1" hangingPunct="1"/>
-              <a:t>77</a:t>
-            </a:fld>
-            <a:endParaRPr lang="en-US" altLang="en-US" dirty="0"/>
-          </a:p>
-        </p:txBody>
-      </p:sp>
-    </p:spTree>
-    <p:extLst>
-      <p:ext uri="{BB962C8B-B14F-4D97-AF65-F5344CB8AC3E}">
-        <p14:creationId xmlns:p14="http://schemas.microsoft.com/office/powerpoint/2010/main" val="95081276"/>
-      </p:ext>
-    </p:extLst>
-  </p:cSld>
-  <p:clrMapOvr>
-    <a:masterClrMapping/>
-  </p:clrMapOvr>
-</p:notes>
-</file>
-
-<file path=ppt/notesSlides/notesSlide74.xml><?xml version="1.0" encoding="utf-8"?>
-<p:notes xmlns:a="http://schemas.openxmlformats.org/drawingml/2006/main" xmlns:r="http://schemas.openxmlformats.org/officeDocument/2006/relationships" xmlns:p="http://schemas.openxmlformats.org/presentationml/2006/main">
-  <p:cSld>
-    <p:spTree>
-      <p:nvGrpSpPr>
-        <p:cNvPr id="1" name=""/>
-        <p:cNvGrpSpPr/>
-        <p:nvPr/>
-      </p:nvGrpSpPr>
-      <p:grpSpPr>
-        <a:xfrm>
-          <a:off x="0" y="0"/>
-          <a:ext cx="0" cy="0"/>
-          <a:chOff x="0" y="0"/>
-          <a:chExt cx="0" cy="0"/>
-        </a:xfrm>
-      </p:grpSpPr>
-      <p:sp>
-        <p:nvSpPr>
-          <p:cNvPr id="41986" name="Slide Image Placeholder 1"/>
-          <p:cNvSpPr>
-            <a:spLocks noGrp="1" noRot="1" noChangeAspect="1" noTextEdit="1"/>
-          </p:cNvSpPr>
-          <p:nvPr>
-            <p:ph type="sldImg"/>
-          </p:nvPr>
-        </p:nvSpPr>
-        <p:spPr>
-          <a:ln/>
-        </p:spPr>
-      </p:sp>
-      <p:sp>
-        <p:nvSpPr>
-          <p:cNvPr id="41987" name="Notes Placeholder 2"/>
-          <p:cNvSpPr>
-            <a:spLocks noGrp="1"/>
-          </p:cNvSpPr>
-          <p:nvPr>
-            <p:ph type="body" idx="1"/>
-          </p:nvPr>
-        </p:nvSpPr>
-        <p:spPr>
-          <a:noFill/>
-          <a:ln/>
-          <a:extLst>
-            <a:ext uri="{909E8E84-426E-40DD-AFC4-6F175D3DCCD1}">
-              <a14:hiddenFill xmlns:a14="http://schemas.microsoft.com/office/drawing/2010/main">
-                <a:solidFill>
-                  <a:srgbClr val="FFFFFF"/>
-                </a:solidFill>
-              </a14:hiddenFill>
-            </a:ext>
-            <a:ext uri="{91240B29-F687-4F45-9708-019B960494DF}">
-              <a14:hiddenLine xmlns:a14="http://schemas.microsoft.com/office/drawing/2010/main" w="9525">
-                <a:solidFill>
-                  <a:srgbClr val="000000"/>
-                </a:solidFill>
-                <a:miter lim="800000"/>
-                <a:headEnd/>
-                <a:tailEnd/>
-              </a14:hiddenLine>
-            </a:ext>
-          </a:extLst>
-        </p:spPr>
-        <p:txBody>
-          <a:bodyPr/>
-          <a:lstStyle/>
-          <a:p>
-            <a:endParaRPr lang="en-US" altLang="en-US" dirty="0"/>
-          </a:p>
-        </p:txBody>
-      </p:sp>
-      <p:sp>
-        <p:nvSpPr>
-          <p:cNvPr id="41988" name="Slide Number Placeholder 3"/>
-          <p:cNvSpPr>
-            <a:spLocks noGrp="1"/>
-          </p:cNvSpPr>
-          <p:nvPr>
-            <p:ph type="sldNum" sz="quarter" idx="5"/>
-          </p:nvPr>
-        </p:nvSpPr>
-        <p:spPr>
-          <a:noFill/>
-          <a:ln/>
-          <a:extLst>
-            <a:ext uri="{909E8E84-426E-40DD-AFC4-6F175D3DCCD1}">
-              <a14:hiddenFill xmlns:a14="http://schemas.microsoft.com/office/drawing/2010/main">
-                <a:solidFill>
-                  <a:srgbClr val="FFFFFF"/>
-                </a:solidFill>
-              </a14:hiddenFill>
-            </a:ext>
-            <a:ext uri="{91240B29-F687-4F45-9708-019B960494DF}">
-              <a14:hiddenLine xmlns:a14="http://schemas.microsoft.com/office/drawing/2010/main" w="9525">
-                <a:solidFill>
-                  <a:srgbClr val="000000"/>
-                </a:solidFill>
-                <a:miter lim="800000"/>
-                <a:headEnd/>
-                <a:tailEnd/>
-              </a14:hiddenLine>
-            </a:ext>
-          </a:extLst>
-        </p:spPr>
-        <p:txBody>
-          <a:bodyPr/>
-          <a:lstStyle>
-            <a:lvl1pPr eaLnBrk="0" hangingPunct="0">
-              <a:defRPr>
-                <a:solidFill>
-                  <a:schemeClr val="tx1"/>
-                </a:solidFill>
-                <a:latin typeface="Arial" charset="0"/>
-              </a:defRPr>
-            </a:lvl1pPr>
-            <a:lvl2pPr marL="742950" indent="-285750" eaLnBrk="0" hangingPunct="0">
-              <a:defRPr>
-                <a:solidFill>
-                  <a:schemeClr val="tx1"/>
-                </a:solidFill>
-                <a:latin typeface="Arial" charset="0"/>
-              </a:defRPr>
-            </a:lvl2pPr>
-            <a:lvl3pPr marL="1143000" indent="-228600" eaLnBrk="0" hangingPunct="0">
-              <a:defRPr>
-                <a:solidFill>
-                  <a:schemeClr val="tx1"/>
-                </a:solidFill>
-                <a:latin typeface="Arial" charset="0"/>
-              </a:defRPr>
-            </a:lvl3pPr>
-            <a:lvl4pPr marL="1600200" indent="-228600" eaLnBrk="0" hangingPunct="0">
-              <a:defRPr>
-                <a:solidFill>
-                  <a:schemeClr val="tx1"/>
-                </a:solidFill>
-                <a:latin typeface="Arial" charset="0"/>
-              </a:defRPr>
-            </a:lvl4pPr>
-            <a:lvl5pPr marL="2057400" indent="-228600" eaLnBrk="0" hangingPunct="0">
-              <a:defRPr>
-                <a:solidFill>
-                  <a:schemeClr val="tx1"/>
-                </a:solidFill>
-                <a:latin typeface="Arial" charset="0"/>
-              </a:defRPr>
-            </a:lvl5pPr>
-            <a:lvl6pPr marL="2514600" indent="-228600" eaLnBrk="0" fontAlgn="base" hangingPunct="0">
-              <a:spcBef>
-                <a:spcPct val="0"/>
-              </a:spcBef>
-              <a:spcAft>
-                <a:spcPct val="0"/>
-              </a:spcAft>
-              <a:defRPr>
-                <a:solidFill>
-                  <a:schemeClr val="tx1"/>
-                </a:solidFill>
-                <a:latin typeface="Arial" charset="0"/>
-              </a:defRPr>
-            </a:lvl6pPr>
-            <a:lvl7pPr marL="2971800" indent="-228600" eaLnBrk="0" fontAlgn="base" hangingPunct="0">
-              <a:spcBef>
-                <a:spcPct val="0"/>
-              </a:spcBef>
-              <a:spcAft>
-                <a:spcPct val="0"/>
-              </a:spcAft>
-              <a:defRPr>
-                <a:solidFill>
-                  <a:schemeClr val="tx1"/>
-                </a:solidFill>
-                <a:latin typeface="Arial" charset="0"/>
-              </a:defRPr>
-            </a:lvl7pPr>
-            <a:lvl8pPr marL="3429000" indent="-228600" eaLnBrk="0" fontAlgn="base" hangingPunct="0">
-              <a:spcBef>
-                <a:spcPct val="0"/>
-              </a:spcBef>
-              <a:spcAft>
-                <a:spcPct val="0"/>
-              </a:spcAft>
-              <a:defRPr>
-                <a:solidFill>
-                  <a:schemeClr val="tx1"/>
-                </a:solidFill>
-                <a:latin typeface="Arial" charset="0"/>
-              </a:defRPr>
-            </a:lvl8pPr>
-            <a:lvl9pPr marL="3886200" indent="-228600" eaLnBrk="0" fontAlgn="base" hangingPunct="0">
-              <a:spcBef>
-                <a:spcPct val="0"/>
-              </a:spcBef>
-              <a:spcAft>
-                <a:spcPct val="0"/>
-              </a:spcAft>
-              <a:defRPr>
-                <a:solidFill>
-                  <a:schemeClr val="tx1"/>
-                </a:solidFill>
-                <a:latin typeface="Arial" charset="0"/>
-              </a:defRPr>
-            </a:lvl9pPr>
-          </a:lstStyle>
-          <a:p>
-            <a:pPr eaLnBrk="1" hangingPunct="1"/>
-            <a:fld id="{8B50A97C-3E3E-4D89-B4A6-FFAD71FD31C1}" type="slidenum">
-              <a:rPr lang="en-US" altLang="en-US" smtClean="0"/>
-              <a:pPr eaLnBrk="1" hangingPunct="1"/>
-              <a:t>78</a:t>
-            </a:fld>
-            <a:endParaRPr lang="en-US" altLang="en-US" dirty="0"/>
-          </a:p>
-        </p:txBody>
-      </p:sp>
-    </p:spTree>
-    <p:extLst>
-      <p:ext uri="{BB962C8B-B14F-4D97-AF65-F5344CB8AC3E}">
-        <p14:creationId xmlns:p14="http://schemas.microsoft.com/office/powerpoint/2010/main" val="1317546794"/>
-      </p:ext>
-    </p:extLst>
-  </p:cSld>
-  <p:clrMapOvr>
-    <a:masterClrMapping/>
-  </p:clrMapOvr>
-</p:notes>
-</file>
-
-<file path=ppt/notesSlides/notesSlide75.xml><?xml version="1.0" encoding="utf-8"?>
-<p:notes xmlns:a="http://schemas.openxmlformats.org/drawingml/2006/main" xmlns:r="http://schemas.openxmlformats.org/officeDocument/2006/relationships" xmlns:p="http://schemas.openxmlformats.org/presentationml/2006/main">
-  <p:cSld>
-    <p:spTree>
-      <p:nvGrpSpPr>
-        <p:cNvPr id="1" name=""/>
-        <p:cNvGrpSpPr/>
-        <p:nvPr/>
-      </p:nvGrpSpPr>
-      <p:grpSpPr>
-        <a:xfrm>
-          <a:off x="0" y="0"/>
-          <a:ext cx="0" cy="0"/>
-          <a:chOff x="0" y="0"/>
-          <a:chExt cx="0" cy="0"/>
-        </a:xfrm>
-      </p:grpSpPr>
-      <p:sp>
-        <p:nvSpPr>
-          <p:cNvPr id="44034" name="Slide Image Placeholder 1"/>
-          <p:cNvSpPr>
-            <a:spLocks noGrp="1" noRot="1" noChangeAspect="1" noTextEdit="1"/>
-          </p:cNvSpPr>
-          <p:nvPr>
-            <p:ph type="sldImg"/>
-          </p:nvPr>
-        </p:nvSpPr>
-        <p:spPr>
-          <a:ln/>
-        </p:spPr>
-      </p:sp>
-      <p:sp>
-        <p:nvSpPr>
-          <p:cNvPr id="44035" name="Notes Placeholder 2"/>
-          <p:cNvSpPr>
-            <a:spLocks noGrp="1"/>
-          </p:cNvSpPr>
-          <p:nvPr>
-            <p:ph type="body" idx="1"/>
-          </p:nvPr>
-        </p:nvSpPr>
-        <p:spPr>
-          <a:noFill/>
-          <a:ln/>
-          <a:extLst>
-            <a:ext uri="{909E8E84-426E-40DD-AFC4-6F175D3DCCD1}">
-              <a14:hiddenFill xmlns:a14="http://schemas.microsoft.com/office/drawing/2010/main">
-                <a:solidFill>
-                  <a:srgbClr val="FFFFFF"/>
-                </a:solidFill>
-              </a14:hiddenFill>
-            </a:ext>
-            <a:ext uri="{91240B29-F687-4F45-9708-019B960494DF}">
-              <a14:hiddenLine xmlns:a14="http://schemas.microsoft.com/office/drawing/2010/main" w="9525">
-                <a:solidFill>
-                  <a:srgbClr val="000000"/>
-                </a:solidFill>
-                <a:miter lim="800000"/>
-                <a:headEnd/>
-                <a:tailEnd/>
-              </a14:hiddenLine>
-            </a:ext>
-          </a:extLst>
-        </p:spPr>
-        <p:txBody>
-          <a:bodyPr/>
-          <a:lstStyle/>
-          <a:p>
-            <a:endParaRPr lang="en-US" altLang="en-US" dirty="0"/>
-          </a:p>
-        </p:txBody>
-      </p:sp>
-      <p:sp>
-        <p:nvSpPr>
-          <p:cNvPr id="44036" name="Slide Number Placeholder 3"/>
-          <p:cNvSpPr>
-            <a:spLocks noGrp="1"/>
-          </p:cNvSpPr>
-          <p:nvPr>
-            <p:ph type="sldNum" sz="quarter" idx="5"/>
-          </p:nvPr>
-        </p:nvSpPr>
-        <p:spPr>
-          <a:noFill/>
-          <a:ln/>
-          <a:extLst>
-            <a:ext uri="{909E8E84-426E-40DD-AFC4-6F175D3DCCD1}">
-              <a14:hiddenFill xmlns:a14="http://schemas.microsoft.com/office/drawing/2010/main">
-                <a:solidFill>
-                  <a:srgbClr val="FFFFFF"/>
-                </a:solidFill>
-              </a14:hiddenFill>
-            </a:ext>
-            <a:ext uri="{91240B29-F687-4F45-9708-019B960494DF}">
-              <a14:hiddenLine xmlns:a14="http://schemas.microsoft.com/office/drawing/2010/main" w="9525">
-                <a:solidFill>
-                  <a:srgbClr val="000000"/>
-                </a:solidFill>
-                <a:miter lim="800000"/>
-                <a:headEnd/>
-                <a:tailEnd/>
-              </a14:hiddenLine>
-            </a:ext>
-          </a:extLst>
-        </p:spPr>
-        <p:txBody>
-          <a:bodyPr/>
-          <a:lstStyle>
-            <a:lvl1pPr eaLnBrk="0" hangingPunct="0">
-              <a:defRPr>
-                <a:solidFill>
-                  <a:schemeClr val="tx1"/>
-                </a:solidFill>
-                <a:latin typeface="Arial" charset="0"/>
-              </a:defRPr>
-            </a:lvl1pPr>
-            <a:lvl2pPr marL="742950" indent="-285750" eaLnBrk="0" hangingPunct="0">
-              <a:defRPr>
-                <a:solidFill>
-                  <a:schemeClr val="tx1"/>
-                </a:solidFill>
-                <a:latin typeface="Arial" charset="0"/>
-              </a:defRPr>
-            </a:lvl2pPr>
-            <a:lvl3pPr marL="1143000" indent="-228600" eaLnBrk="0" hangingPunct="0">
-              <a:defRPr>
-                <a:solidFill>
-                  <a:schemeClr val="tx1"/>
-                </a:solidFill>
-                <a:latin typeface="Arial" charset="0"/>
-              </a:defRPr>
-            </a:lvl3pPr>
-            <a:lvl4pPr marL="1600200" indent="-228600" eaLnBrk="0" hangingPunct="0">
-              <a:defRPr>
-                <a:solidFill>
-                  <a:schemeClr val="tx1"/>
-                </a:solidFill>
-                <a:latin typeface="Arial" charset="0"/>
-              </a:defRPr>
-            </a:lvl4pPr>
-            <a:lvl5pPr marL="2057400" indent="-228600" eaLnBrk="0" hangingPunct="0">
-              <a:defRPr>
-                <a:solidFill>
-                  <a:schemeClr val="tx1"/>
-                </a:solidFill>
-                <a:latin typeface="Arial" charset="0"/>
-              </a:defRPr>
-            </a:lvl5pPr>
-            <a:lvl6pPr marL="2514600" indent="-228600" eaLnBrk="0" fontAlgn="base" hangingPunct="0">
-              <a:spcBef>
-                <a:spcPct val="0"/>
-              </a:spcBef>
-              <a:spcAft>
-                <a:spcPct val="0"/>
-              </a:spcAft>
-              <a:defRPr>
-                <a:solidFill>
-                  <a:schemeClr val="tx1"/>
-                </a:solidFill>
-                <a:latin typeface="Arial" charset="0"/>
-              </a:defRPr>
-            </a:lvl6pPr>
-            <a:lvl7pPr marL="2971800" indent="-228600" eaLnBrk="0" fontAlgn="base" hangingPunct="0">
-              <a:spcBef>
-                <a:spcPct val="0"/>
-              </a:spcBef>
-              <a:spcAft>
-                <a:spcPct val="0"/>
-              </a:spcAft>
-              <a:defRPr>
-                <a:solidFill>
-                  <a:schemeClr val="tx1"/>
-                </a:solidFill>
-                <a:latin typeface="Arial" charset="0"/>
-              </a:defRPr>
-            </a:lvl7pPr>
-            <a:lvl8pPr marL="3429000" indent="-228600" eaLnBrk="0" fontAlgn="base" hangingPunct="0">
-              <a:spcBef>
-                <a:spcPct val="0"/>
-              </a:spcBef>
-              <a:spcAft>
-                <a:spcPct val="0"/>
-              </a:spcAft>
-              <a:defRPr>
-                <a:solidFill>
-                  <a:schemeClr val="tx1"/>
-                </a:solidFill>
-                <a:latin typeface="Arial" charset="0"/>
-              </a:defRPr>
-            </a:lvl8pPr>
-            <a:lvl9pPr marL="3886200" indent="-228600" eaLnBrk="0" fontAlgn="base" hangingPunct="0">
-              <a:spcBef>
-                <a:spcPct val="0"/>
-              </a:spcBef>
-              <a:spcAft>
-                <a:spcPct val="0"/>
-              </a:spcAft>
-              <a:defRPr>
-                <a:solidFill>
-                  <a:schemeClr val="tx1"/>
-                </a:solidFill>
-                <a:latin typeface="Arial" charset="0"/>
-              </a:defRPr>
-            </a:lvl9pPr>
-          </a:lstStyle>
-          <a:p>
-            <a:pPr eaLnBrk="1" hangingPunct="1"/>
-            <a:fld id="{4BD3F926-A6FA-4C2B-812C-34094DEA08E4}" type="slidenum">
-              <a:rPr lang="en-US" altLang="en-US" smtClean="0"/>
-              <a:pPr eaLnBrk="1" hangingPunct="1"/>
-              <a:t>79</a:t>
-            </a:fld>
-            <a:endParaRPr lang="en-US" altLang="en-US" dirty="0"/>
-          </a:p>
-        </p:txBody>
-      </p:sp>
-    </p:spTree>
-    <p:extLst>
-      <p:ext uri="{BB962C8B-B14F-4D97-AF65-F5344CB8AC3E}">
-        <p14:creationId xmlns:p14="http://schemas.microsoft.com/office/powerpoint/2010/main" val="3755850184"/>
-      </p:ext>
-    </p:extLst>
-  </p:cSld>
-  <p:clrMapOvr>
-    <a:masterClrMapping/>
-  </p:clrMapOvr>
-</p:notes>
-</file>
-
-<file path=ppt/notesSlides/notesSlide76.xml><?xml version="1.0" encoding="utf-8"?>
-<p:notes xmlns:a="http://schemas.openxmlformats.org/drawingml/2006/main" xmlns:r="http://schemas.openxmlformats.org/officeDocument/2006/relationships" xmlns:p="http://schemas.openxmlformats.org/presentationml/2006/main">
-  <p:cSld>
-    <p:spTree>
-      <p:nvGrpSpPr>
-        <p:cNvPr id="1" name=""/>
-        <p:cNvGrpSpPr/>
-        <p:nvPr/>
-      </p:nvGrpSpPr>
-      <p:grpSpPr>
-        <a:xfrm>
-          <a:off x="0" y="0"/>
-          <a:ext cx="0" cy="0"/>
-          <a:chOff x="0" y="0"/>
-          <a:chExt cx="0" cy="0"/>
-        </a:xfrm>
-      </p:grpSpPr>
-      <p:sp>
-        <p:nvSpPr>
-          <p:cNvPr id="47106" name="Slide Image Placeholder 1"/>
-          <p:cNvSpPr>
-            <a:spLocks noGrp="1" noRot="1" noChangeAspect="1" noTextEdit="1"/>
-          </p:cNvSpPr>
-          <p:nvPr>
-            <p:ph type="sldImg"/>
-          </p:nvPr>
-        </p:nvSpPr>
-        <p:spPr>
-          <a:ln/>
-        </p:spPr>
-      </p:sp>
-      <p:sp>
-        <p:nvSpPr>
-          <p:cNvPr id="47107" name="Notes Placeholder 2"/>
-          <p:cNvSpPr>
-            <a:spLocks noGrp="1"/>
-          </p:cNvSpPr>
-          <p:nvPr>
-            <p:ph type="body" idx="1"/>
-          </p:nvPr>
-        </p:nvSpPr>
-        <p:spPr>
-          <a:noFill/>
-          <a:ln/>
-          <a:extLst>
-            <a:ext uri="{909E8E84-426E-40DD-AFC4-6F175D3DCCD1}">
-              <a14:hiddenFill xmlns:a14="http://schemas.microsoft.com/office/drawing/2010/main">
-                <a:solidFill>
-                  <a:srgbClr val="FFFFFF"/>
-                </a:solidFill>
-              </a14:hiddenFill>
-            </a:ext>
-            <a:ext uri="{91240B29-F687-4F45-9708-019B960494DF}">
-              <a14:hiddenLine xmlns:a14="http://schemas.microsoft.com/office/drawing/2010/main" w="9525">
-                <a:solidFill>
-                  <a:srgbClr val="000000"/>
-                </a:solidFill>
-                <a:miter lim="800000"/>
-                <a:headEnd/>
-                <a:tailEnd/>
-              </a14:hiddenLine>
-            </a:ext>
-          </a:extLst>
-        </p:spPr>
-        <p:txBody>
-          <a:bodyPr/>
-          <a:lstStyle/>
-          <a:p>
-            <a:endParaRPr lang="en-US" altLang="en-US" dirty="0"/>
-          </a:p>
-        </p:txBody>
-      </p:sp>
-      <p:sp>
-        <p:nvSpPr>
-          <p:cNvPr id="47108" name="Slide Number Placeholder 3"/>
-          <p:cNvSpPr>
-            <a:spLocks noGrp="1"/>
-          </p:cNvSpPr>
-          <p:nvPr>
-            <p:ph type="sldNum" sz="quarter" idx="5"/>
-          </p:nvPr>
-        </p:nvSpPr>
-        <p:spPr>
-          <a:noFill/>
-          <a:ln/>
-          <a:extLst>
-            <a:ext uri="{909E8E84-426E-40DD-AFC4-6F175D3DCCD1}">
-              <a14:hiddenFill xmlns:a14="http://schemas.microsoft.com/office/drawing/2010/main">
-                <a:solidFill>
-                  <a:srgbClr val="FFFFFF"/>
-                </a:solidFill>
-              </a14:hiddenFill>
-            </a:ext>
-            <a:ext uri="{91240B29-F687-4F45-9708-019B960494DF}">
-              <a14:hiddenLine xmlns:a14="http://schemas.microsoft.com/office/drawing/2010/main" w="9525">
-                <a:solidFill>
-                  <a:srgbClr val="000000"/>
-                </a:solidFill>
-                <a:miter lim="800000"/>
-                <a:headEnd/>
-                <a:tailEnd/>
-              </a14:hiddenLine>
-            </a:ext>
-          </a:extLst>
-        </p:spPr>
-        <p:txBody>
-          <a:bodyPr/>
-          <a:lstStyle>
-            <a:lvl1pPr eaLnBrk="0" hangingPunct="0">
-              <a:defRPr>
-                <a:solidFill>
-                  <a:schemeClr val="tx1"/>
-                </a:solidFill>
-                <a:latin typeface="Arial" charset="0"/>
-              </a:defRPr>
-            </a:lvl1pPr>
-            <a:lvl2pPr marL="742950" indent="-285750" eaLnBrk="0" hangingPunct="0">
-              <a:defRPr>
-                <a:solidFill>
-                  <a:schemeClr val="tx1"/>
-                </a:solidFill>
-                <a:latin typeface="Arial" charset="0"/>
-              </a:defRPr>
-            </a:lvl2pPr>
-            <a:lvl3pPr marL="1143000" indent="-228600" eaLnBrk="0" hangingPunct="0">
-              <a:defRPr>
-                <a:solidFill>
-                  <a:schemeClr val="tx1"/>
-                </a:solidFill>
-                <a:latin typeface="Arial" charset="0"/>
-              </a:defRPr>
-            </a:lvl3pPr>
-            <a:lvl4pPr marL="1600200" indent="-228600" eaLnBrk="0" hangingPunct="0">
-              <a:defRPr>
-                <a:solidFill>
-                  <a:schemeClr val="tx1"/>
-                </a:solidFill>
-                <a:latin typeface="Arial" charset="0"/>
-              </a:defRPr>
-            </a:lvl4pPr>
-            <a:lvl5pPr marL="2057400" indent="-228600" eaLnBrk="0" hangingPunct="0">
-              <a:defRPr>
-                <a:solidFill>
-                  <a:schemeClr val="tx1"/>
-                </a:solidFill>
-                <a:latin typeface="Arial" charset="0"/>
-              </a:defRPr>
-            </a:lvl5pPr>
-            <a:lvl6pPr marL="2514600" indent="-228600" eaLnBrk="0" fontAlgn="base" hangingPunct="0">
-              <a:spcBef>
-                <a:spcPct val="0"/>
-              </a:spcBef>
-              <a:spcAft>
-                <a:spcPct val="0"/>
-              </a:spcAft>
-              <a:defRPr>
-                <a:solidFill>
-                  <a:schemeClr val="tx1"/>
-                </a:solidFill>
-                <a:latin typeface="Arial" charset="0"/>
-              </a:defRPr>
-            </a:lvl6pPr>
-            <a:lvl7pPr marL="2971800" indent="-228600" eaLnBrk="0" fontAlgn="base" hangingPunct="0">
-              <a:spcBef>
-                <a:spcPct val="0"/>
-              </a:spcBef>
-              <a:spcAft>
-                <a:spcPct val="0"/>
-              </a:spcAft>
-              <a:defRPr>
-                <a:solidFill>
-                  <a:schemeClr val="tx1"/>
-                </a:solidFill>
-                <a:latin typeface="Arial" charset="0"/>
-              </a:defRPr>
-            </a:lvl7pPr>
-            <a:lvl8pPr marL="3429000" indent="-228600" eaLnBrk="0" fontAlgn="base" hangingPunct="0">
-              <a:spcBef>
-                <a:spcPct val="0"/>
-              </a:spcBef>
-              <a:spcAft>
-                <a:spcPct val="0"/>
-              </a:spcAft>
-              <a:defRPr>
-                <a:solidFill>
-                  <a:schemeClr val="tx1"/>
-                </a:solidFill>
-                <a:latin typeface="Arial" charset="0"/>
-              </a:defRPr>
-            </a:lvl8pPr>
-            <a:lvl9pPr marL="3886200" indent="-228600" eaLnBrk="0" fontAlgn="base" hangingPunct="0">
-              <a:spcBef>
-                <a:spcPct val="0"/>
-              </a:spcBef>
-              <a:spcAft>
-                <a:spcPct val="0"/>
-              </a:spcAft>
-              <a:defRPr>
-                <a:solidFill>
-                  <a:schemeClr val="tx1"/>
-                </a:solidFill>
-                <a:latin typeface="Arial" charset="0"/>
-              </a:defRPr>
-            </a:lvl9pPr>
-          </a:lstStyle>
-          <a:p>
-            <a:pPr eaLnBrk="1" hangingPunct="1"/>
-            <a:fld id="{3FC600B6-B982-4096-8EDA-00DC9AB92827}" type="slidenum">
-              <a:rPr lang="en-US" altLang="en-US" smtClean="0"/>
-              <a:pPr eaLnBrk="1" hangingPunct="1"/>
-              <a:t>81</a:t>
-            </a:fld>
-            <a:endParaRPr lang="en-US" altLang="en-US" dirty="0"/>
-          </a:p>
-        </p:txBody>
-      </p:sp>
-    </p:spTree>
-    <p:extLst>
-      <p:ext uri="{BB962C8B-B14F-4D97-AF65-F5344CB8AC3E}">
-        <p14:creationId xmlns:p14="http://schemas.microsoft.com/office/powerpoint/2010/main" val="396565491"/>
-      </p:ext>
-    </p:extLst>
-  </p:cSld>
-  <p:clrMapOvr>
-    <a:masterClrMapping/>
-  </p:clrMapOvr>
-</p:notes>
-</file>
-
-<file path=ppt/notesSlides/notesSlide77.xml><?xml version="1.0" encoding="utf-8"?>
-<p:notes xmlns:a="http://schemas.openxmlformats.org/drawingml/2006/main" xmlns:r="http://schemas.openxmlformats.org/officeDocument/2006/relationships" xmlns:p="http://schemas.openxmlformats.org/presentationml/2006/main">
-  <p:cSld>
-    <p:spTree>
-      <p:nvGrpSpPr>
-        <p:cNvPr id="1" name=""/>
-        <p:cNvGrpSpPr/>
-        <p:nvPr/>
-      </p:nvGrpSpPr>
-      <p:grpSpPr>
-        <a:xfrm>
-          <a:off x="0" y="0"/>
-          <a:ext cx="0" cy="0"/>
-          <a:chOff x="0" y="0"/>
-          <a:chExt cx="0" cy="0"/>
-        </a:xfrm>
-      </p:grpSpPr>
-      <p:sp>
-        <p:nvSpPr>
-          <p:cNvPr id="49154" name="Slide Image Placeholder 1"/>
-          <p:cNvSpPr>
-            <a:spLocks noGrp="1" noRot="1" noChangeAspect="1" noTextEdit="1"/>
-          </p:cNvSpPr>
-          <p:nvPr>
-            <p:ph type="sldImg"/>
-          </p:nvPr>
-        </p:nvSpPr>
-        <p:spPr>
-          <a:ln/>
-        </p:spPr>
-      </p:sp>
-      <p:sp>
-        <p:nvSpPr>
-          <p:cNvPr id="49155" name="Notes Placeholder 2"/>
-          <p:cNvSpPr>
-            <a:spLocks noGrp="1"/>
-          </p:cNvSpPr>
-          <p:nvPr>
-            <p:ph type="body" idx="1"/>
-          </p:nvPr>
-        </p:nvSpPr>
-        <p:spPr>
-          <a:noFill/>
-          <a:ln/>
-          <a:extLst>
-            <a:ext uri="{909E8E84-426E-40DD-AFC4-6F175D3DCCD1}">
-              <a14:hiddenFill xmlns:a14="http://schemas.microsoft.com/office/drawing/2010/main">
-                <a:solidFill>
-                  <a:srgbClr val="FFFFFF"/>
-                </a:solidFill>
-              </a14:hiddenFill>
-            </a:ext>
-            <a:ext uri="{91240B29-F687-4F45-9708-019B960494DF}">
-              <a14:hiddenLine xmlns:a14="http://schemas.microsoft.com/office/drawing/2010/main" w="9525">
-                <a:solidFill>
-                  <a:srgbClr val="000000"/>
-                </a:solidFill>
-                <a:miter lim="800000"/>
-                <a:headEnd/>
-                <a:tailEnd/>
-              </a14:hiddenLine>
-            </a:ext>
-          </a:extLst>
-        </p:spPr>
-        <p:txBody>
-          <a:bodyPr/>
-          <a:lstStyle/>
-          <a:p>
-            <a:endParaRPr lang="en-US" altLang="en-US" dirty="0"/>
-          </a:p>
-        </p:txBody>
-      </p:sp>
-      <p:sp>
-        <p:nvSpPr>
-          <p:cNvPr id="49156" name="Slide Number Placeholder 3"/>
-          <p:cNvSpPr>
-            <a:spLocks noGrp="1"/>
-          </p:cNvSpPr>
-          <p:nvPr>
-            <p:ph type="sldNum" sz="quarter" idx="5"/>
-          </p:nvPr>
-        </p:nvSpPr>
-        <p:spPr>
-          <a:noFill/>
-          <a:ln/>
-          <a:extLst>
-            <a:ext uri="{909E8E84-426E-40DD-AFC4-6F175D3DCCD1}">
-              <a14:hiddenFill xmlns:a14="http://schemas.microsoft.com/office/drawing/2010/main">
-                <a:solidFill>
-                  <a:srgbClr val="FFFFFF"/>
-                </a:solidFill>
-              </a14:hiddenFill>
-            </a:ext>
-            <a:ext uri="{91240B29-F687-4F45-9708-019B960494DF}">
-              <a14:hiddenLine xmlns:a14="http://schemas.microsoft.com/office/drawing/2010/main" w="9525">
-                <a:solidFill>
-                  <a:srgbClr val="000000"/>
-                </a:solidFill>
-                <a:miter lim="800000"/>
-                <a:headEnd/>
-                <a:tailEnd/>
-              </a14:hiddenLine>
-            </a:ext>
-          </a:extLst>
-        </p:spPr>
-        <p:txBody>
-          <a:bodyPr/>
-          <a:lstStyle>
-            <a:lvl1pPr eaLnBrk="0" hangingPunct="0">
-              <a:defRPr>
-                <a:solidFill>
-                  <a:schemeClr val="tx1"/>
-                </a:solidFill>
-                <a:latin typeface="Arial" charset="0"/>
-              </a:defRPr>
-            </a:lvl1pPr>
-            <a:lvl2pPr marL="742950" indent="-285750" eaLnBrk="0" hangingPunct="0">
-              <a:defRPr>
-                <a:solidFill>
-                  <a:schemeClr val="tx1"/>
-                </a:solidFill>
-                <a:latin typeface="Arial" charset="0"/>
-              </a:defRPr>
-            </a:lvl2pPr>
-            <a:lvl3pPr marL="1143000" indent="-228600" eaLnBrk="0" hangingPunct="0">
-              <a:defRPr>
-                <a:solidFill>
-                  <a:schemeClr val="tx1"/>
-                </a:solidFill>
-                <a:latin typeface="Arial" charset="0"/>
-              </a:defRPr>
-            </a:lvl3pPr>
-            <a:lvl4pPr marL="1600200" indent="-228600" eaLnBrk="0" hangingPunct="0">
-              <a:defRPr>
-                <a:solidFill>
-                  <a:schemeClr val="tx1"/>
-                </a:solidFill>
-                <a:latin typeface="Arial" charset="0"/>
-              </a:defRPr>
-            </a:lvl4pPr>
-            <a:lvl5pPr marL="2057400" indent="-228600" eaLnBrk="0" hangingPunct="0">
-              <a:defRPr>
-                <a:solidFill>
-                  <a:schemeClr val="tx1"/>
-                </a:solidFill>
-                <a:latin typeface="Arial" charset="0"/>
-              </a:defRPr>
-            </a:lvl5pPr>
-            <a:lvl6pPr marL="2514600" indent="-228600" eaLnBrk="0" fontAlgn="base" hangingPunct="0">
-              <a:spcBef>
-                <a:spcPct val="0"/>
-              </a:spcBef>
-              <a:spcAft>
-                <a:spcPct val="0"/>
-              </a:spcAft>
-              <a:defRPr>
-                <a:solidFill>
-                  <a:schemeClr val="tx1"/>
-                </a:solidFill>
-                <a:latin typeface="Arial" charset="0"/>
-              </a:defRPr>
-            </a:lvl6pPr>
-            <a:lvl7pPr marL="2971800" indent="-228600" eaLnBrk="0" fontAlgn="base" hangingPunct="0">
-              <a:spcBef>
-                <a:spcPct val="0"/>
-              </a:spcBef>
-              <a:spcAft>
-                <a:spcPct val="0"/>
-              </a:spcAft>
-              <a:defRPr>
-                <a:solidFill>
-                  <a:schemeClr val="tx1"/>
-                </a:solidFill>
-                <a:latin typeface="Arial" charset="0"/>
-              </a:defRPr>
-            </a:lvl7pPr>
-            <a:lvl8pPr marL="3429000" indent="-228600" eaLnBrk="0" fontAlgn="base" hangingPunct="0">
-              <a:spcBef>
-                <a:spcPct val="0"/>
-              </a:spcBef>
-              <a:spcAft>
-                <a:spcPct val="0"/>
-              </a:spcAft>
-              <a:defRPr>
-                <a:solidFill>
-                  <a:schemeClr val="tx1"/>
-                </a:solidFill>
-                <a:latin typeface="Arial" charset="0"/>
-              </a:defRPr>
-            </a:lvl8pPr>
-            <a:lvl9pPr marL="3886200" indent="-228600" eaLnBrk="0" fontAlgn="base" hangingPunct="0">
-              <a:spcBef>
-                <a:spcPct val="0"/>
-              </a:spcBef>
-              <a:spcAft>
-                <a:spcPct val="0"/>
-              </a:spcAft>
-              <a:defRPr>
-                <a:solidFill>
-                  <a:schemeClr val="tx1"/>
-                </a:solidFill>
-                <a:latin typeface="Arial" charset="0"/>
-              </a:defRPr>
-            </a:lvl9pPr>
-          </a:lstStyle>
-          <a:p>
-            <a:pPr eaLnBrk="1" hangingPunct="1"/>
-            <a:fld id="{497DBF03-13BF-441E-8556-78FFD3853865}" type="slidenum">
-              <a:rPr lang="en-US" altLang="en-US" smtClean="0"/>
-              <a:pPr eaLnBrk="1" hangingPunct="1"/>
-              <a:t>82</a:t>
-            </a:fld>
-            <a:endParaRPr lang="en-US" altLang="en-US" dirty="0"/>
-          </a:p>
-        </p:txBody>
-      </p:sp>
-    </p:spTree>
-    <p:extLst>
-      <p:ext uri="{BB962C8B-B14F-4D97-AF65-F5344CB8AC3E}">
-        <p14:creationId xmlns:p14="http://schemas.microsoft.com/office/powerpoint/2010/main" val="1901894362"/>
-      </p:ext>
-    </p:extLst>
-  </p:cSld>
-  <p:clrMapOvr>
-    <a:masterClrMapping/>
-  </p:clrMapOvr>
-</p:notes>
-</file>
-
-<file path=ppt/notesSlides/notesSlide78.xml><?xml version="1.0" encoding="utf-8"?>
-<p:notes xmlns:a="http://schemas.openxmlformats.org/drawingml/2006/main" xmlns:r="http://schemas.openxmlformats.org/officeDocument/2006/relationships" xmlns:p="http://schemas.openxmlformats.org/presentationml/2006/main">
-  <p:cSld>
-    <p:spTree>
-      <p:nvGrpSpPr>
-        <p:cNvPr id="1" name=""/>
-        <p:cNvGrpSpPr/>
-        <p:nvPr/>
-      </p:nvGrpSpPr>
-      <p:grpSpPr>
-        <a:xfrm>
-          <a:off x="0" y="0"/>
-          <a:ext cx="0" cy="0"/>
-          <a:chOff x="0" y="0"/>
-          <a:chExt cx="0" cy="0"/>
-        </a:xfrm>
-      </p:grpSpPr>
-      <p:sp>
-        <p:nvSpPr>
-          <p:cNvPr id="50178" name="Slide Image Placeholder 1"/>
-          <p:cNvSpPr>
-            <a:spLocks noGrp="1" noRot="1" noChangeAspect="1" noTextEdit="1"/>
-          </p:cNvSpPr>
-          <p:nvPr>
-            <p:ph type="sldImg"/>
-          </p:nvPr>
-        </p:nvSpPr>
-        <p:spPr>
-          <a:ln/>
-        </p:spPr>
-      </p:sp>
-      <p:sp>
-        <p:nvSpPr>
-          <p:cNvPr id="50179" name="Notes Placeholder 2"/>
-          <p:cNvSpPr>
-            <a:spLocks noGrp="1"/>
-          </p:cNvSpPr>
-          <p:nvPr>
-            <p:ph type="body" idx="1"/>
-          </p:nvPr>
-        </p:nvSpPr>
-        <p:spPr>
-          <a:noFill/>
-          <a:ln/>
-          <a:extLst>
-            <a:ext uri="{909E8E84-426E-40DD-AFC4-6F175D3DCCD1}">
-              <a14:hiddenFill xmlns:a14="http://schemas.microsoft.com/office/drawing/2010/main">
-                <a:solidFill>
-                  <a:srgbClr val="FFFFFF"/>
-                </a:solidFill>
-              </a14:hiddenFill>
-            </a:ext>
-            <a:ext uri="{91240B29-F687-4F45-9708-019B960494DF}">
-              <a14:hiddenLine xmlns:a14="http://schemas.microsoft.com/office/drawing/2010/main" w="9525">
-                <a:solidFill>
-                  <a:srgbClr val="000000"/>
-                </a:solidFill>
-                <a:miter lim="800000"/>
-                <a:headEnd/>
-                <a:tailEnd/>
-              </a14:hiddenLine>
-            </a:ext>
-          </a:extLst>
-        </p:spPr>
-        <p:txBody>
-          <a:bodyPr/>
-          <a:lstStyle/>
-          <a:p>
-            <a:endParaRPr lang="en-US" altLang="en-US" dirty="0"/>
-          </a:p>
-        </p:txBody>
-      </p:sp>
-      <p:sp>
-        <p:nvSpPr>
-          <p:cNvPr id="50180" name="Slide Number Placeholder 3"/>
-          <p:cNvSpPr>
-            <a:spLocks noGrp="1"/>
-          </p:cNvSpPr>
-          <p:nvPr>
-            <p:ph type="sldNum" sz="quarter" idx="5"/>
-          </p:nvPr>
-        </p:nvSpPr>
-        <p:spPr>
-          <a:noFill/>
-          <a:ln/>
-          <a:extLst>
-            <a:ext uri="{909E8E84-426E-40DD-AFC4-6F175D3DCCD1}">
-              <a14:hiddenFill xmlns:a14="http://schemas.microsoft.com/office/drawing/2010/main">
-                <a:solidFill>
-                  <a:srgbClr val="FFFFFF"/>
-                </a:solidFill>
-              </a14:hiddenFill>
-            </a:ext>
-            <a:ext uri="{91240B29-F687-4F45-9708-019B960494DF}">
-              <a14:hiddenLine xmlns:a14="http://schemas.microsoft.com/office/drawing/2010/main" w="9525">
-                <a:solidFill>
-                  <a:srgbClr val="000000"/>
-                </a:solidFill>
-                <a:miter lim="800000"/>
-                <a:headEnd/>
-                <a:tailEnd/>
-              </a14:hiddenLine>
-            </a:ext>
-          </a:extLst>
-        </p:spPr>
-        <p:txBody>
-          <a:bodyPr/>
-          <a:lstStyle>
-            <a:lvl1pPr eaLnBrk="0" hangingPunct="0">
-              <a:defRPr>
-                <a:solidFill>
-                  <a:schemeClr val="tx1"/>
-                </a:solidFill>
-                <a:latin typeface="Arial" charset="0"/>
-              </a:defRPr>
-            </a:lvl1pPr>
-            <a:lvl2pPr marL="742950" indent="-285750" eaLnBrk="0" hangingPunct="0">
-              <a:defRPr>
-                <a:solidFill>
-                  <a:schemeClr val="tx1"/>
-                </a:solidFill>
-                <a:latin typeface="Arial" charset="0"/>
-              </a:defRPr>
-            </a:lvl2pPr>
-            <a:lvl3pPr marL="1143000" indent="-228600" eaLnBrk="0" hangingPunct="0">
-              <a:defRPr>
-                <a:solidFill>
-                  <a:schemeClr val="tx1"/>
-                </a:solidFill>
-                <a:latin typeface="Arial" charset="0"/>
-              </a:defRPr>
-            </a:lvl3pPr>
-            <a:lvl4pPr marL="1600200" indent="-228600" eaLnBrk="0" hangingPunct="0">
-              <a:defRPr>
-                <a:solidFill>
-                  <a:schemeClr val="tx1"/>
-                </a:solidFill>
-                <a:latin typeface="Arial" charset="0"/>
-              </a:defRPr>
-            </a:lvl4pPr>
-            <a:lvl5pPr marL="2057400" indent="-228600" eaLnBrk="0" hangingPunct="0">
-              <a:defRPr>
-                <a:solidFill>
-                  <a:schemeClr val="tx1"/>
-                </a:solidFill>
-                <a:latin typeface="Arial" charset="0"/>
-              </a:defRPr>
-            </a:lvl5pPr>
-            <a:lvl6pPr marL="2514600" indent="-228600" eaLnBrk="0" fontAlgn="base" hangingPunct="0">
-              <a:spcBef>
-                <a:spcPct val="0"/>
-              </a:spcBef>
-              <a:spcAft>
-                <a:spcPct val="0"/>
-              </a:spcAft>
-              <a:defRPr>
-                <a:solidFill>
-                  <a:schemeClr val="tx1"/>
-                </a:solidFill>
-                <a:latin typeface="Arial" charset="0"/>
-              </a:defRPr>
-            </a:lvl6pPr>
-            <a:lvl7pPr marL="2971800" indent="-228600" eaLnBrk="0" fontAlgn="base" hangingPunct="0">
-              <a:spcBef>
-                <a:spcPct val="0"/>
-              </a:spcBef>
-              <a:spcAft>
-                <a:spcPct val="0"/>
-              </a:spcAft>
-              <a:defRPr>
-                <a:solidFill>
-                  <a:schemeClr val="tx1"/>
-                </a:solidFill>
-                <a:latin typeface="Arial" charset="0"/>
-              </a:defRPr>
-            </a:lvl7pPr>
-            <a:lvl8pPr marL="3429000" indent="-228600" eaLnBrk="0" fontAlgn="base" hangingPunct="0">
-              <a:spcBef>
-                <a:spcPct val="0"/>
-              </a:spcBef>
-              <a:spcAft>
-                <a:spcPct val="0"/>
-              </a:spcAft>
-              <a:defRPr>
-                <a:solidFill>
-                  <a:schemeClr val="tx1"/>
-                </a:solidFill>
-                <a:latin typeface="Arial" charset="0"/>
-              </a:defRPr>
-            </a:lvl8pPr>
-            <a:lvl9pPr marL="3886200" indent="-228600" eaLnBrk="0" fontAlgn="base" hangingPunct="0">
-              <a:spcBef>
-                <a:spcPct val="0"/>
-              </a:spcBef>
-              <a:spcAft>
-                <a:spcPct val="0"/>
-              </a:spcAft>
-              <a:defRPr>
-                <a:solidFill>
-                  <a:schemeClr val="tx1"/>
-                </a:solidFill>
-                <a:latin typeface="Arial" charset="0"/>
-              </a:defRPr>
-            </a:lvl9pPr>
-          </a:lstStyle>
-          <a:p>
-            <a:pPr eaLnBrk="1" hangingPunct="1"/>
-            <a:fld id="{11F390D9-9702-459E-8533-2C4D9952A3CF}" type="slidenum">
-              <a:rPr lang="en-US" altLang="en-US" smtClean="0"/>
-              <a:pPr eaLnBrk="1" hangingPunct="1"/>
-              <a:t>83</a:t>
-            </a:fld>
-            <a:endParaRPr lang="en-US" altLang="en-US" dirty="0"/>
-          </a:p>
-        </p:txBody>
-      </p:sp>
-    </p:spTree>
-    <p:extLst>
-      <p:ext uri="{BB962C8B-B14F-4D97-AF65-F5344CB8AC3E}">
-        <p14:creationId xmlns:p14="http://schemas.microsoft.com/office/powerpoint/2010/main" val="2590569513"/>
-      </p:ext>
-    </p:extLst>
-  </p:cSld>
-  <p:clrMapOvr>
-    <a:masterClrMapping/>
-  </p:clrMapOvr>
-</p:notes>
-</file>
-
-<file path=ppt/notesSlides/notesSlide79.xml><?xml version="1.0" encoding="utf-8"?>
-<p:notes xmlns:a="http://schemas.openxmlformats.org/drawingml/2006/main" xmlns:r="http://schemas.openxmlformats.org/officeDocument/2006/relationships" xmlns:p="http://schemas.openxmlformats.org/presentationml/2006/main">
-  <p:cSld>
-    <p:spTree>
-      <p:nvGrpSpPr>
-        <p:cNvPr id="1" name=""/>
-        <p:cNvGrpSpPr/>
-        <p:nvPr/>
-      </p:nvGrpSpPr>
-      <p:grpSpPr>
-        <a:xfrm>
-          <a:off x="0" y="0"/>
-          <a:ext cx="0" cy="0"/>
-          <a:chOff x="0" y="0"/>
-          <a:chExt cx="0" cy="0"/>
-        </a:xfrm>
-      </p:grpSpPr>
-      <p:sp>
-        <p:nvSpPr>
-          <p:cNvPr id="54274" name="Slide Image Placeholder 1"/>
-          <p:cNvSpPr>
-            <a:spLocks noGrp="1" noRot="1" noChangeAspect="1" noTextEdit="1"/>
-          </p:cNvSpPr>
-          <p:nvPr>
-            <p:ph type="sldImg"/>
-          </p:nvPr>
-        </p:nvSpPr>
-        <p:spPr>
-          <a:ln/>
-        </p:spPr>
-      </p:sp>
-      <p:sp>
-        <p:nvSpPr>
-          <p:cNvPr id="54275" name="Notes Placeholder 2"/>
-          <p:cNvSpPr>
-            <a:spLocks noGrp="1"/>
-          </p:cNvSpPr>
-          <p:nvPr>
-            <p:ph type="body" idx="1"/>
-          </p:nvPr>
-        </p:nvSpPr>
-        <p:spPr>
-          <a:noFill/>
-          <a:ln/>
-          <a:extLst>
-            <a:ext uri="{909E8E84-426E-40DD-AFC4-6F175D3DCCD1}">
-              <a14:hiddenFill xmlns:a14="http://schemas.microsoft.com/office/drawing/2010/main">
-                <a:solidFill>
-                  <a:srgbClr val="FFFFFF"/>
-                </a:solidFill>
-              </a14:hiddenFill>
-            </a:ext>
-            <a:ext uri="{91240B29-F687-4F45-9708-019B960494DF}">
-              <a14:hiddenLine xmlns:a14="http://schemas.microsoft.com/office/drawing/2010/main" w="9525">
-                <a:solidFill>
-                  <a:srgbClr val="000000"/>
-                </a:solidFill>
-                <a:miter lim="800000"/>
-                <a:headEnd/>
-                <a:tailEnd/>
-              </a14:hiddenLine>
-            </a:ext>
-          </a:extLst>
-        </p:spPr>
-        <p:txBody>
-          <a:bodyPr/>
-          <a:lstStyle/>
-          <a:p>
-            <a:endParaRPr lang="en-US" altLang="en-US" dirty="0"/>
-          </a:p>
-        </p:txBody>
-      </p:sp>
-      <p:sp>
-        <p:nvSpPr>
-          <p:cNvPr id="54276" name="Slide Number Placeholder 3"/>
-          <p:cNvSpPr>
-            <a:spLocks noGrp="1"/>
-          </p:cNvSpPr>
-          <p:nvPr>
-            <p:ph type="sldNum" sz="quarter" idx="5"/>
-          </p:nvPr>
-        </p:nvSpPr>
-        <p:spPr>
-          <a:noFill/>
-          <a:ln/>
-          <a:extLst>
-            <a:ext uri="{909E8E84-426E-40DD-AFC4-6F175D3DCCD1}">
-              <a14:hiddenFill xmlns:a14="http://schemas.microsoft.com/office/drawing/2010/main">
-                <a:solidFill>
-                  <a:srgbClr val="FFFFFF"/>
-                </a:solidFill>
-              </a14:hiddenFill>
-            </a:ext>
-            <a:ext uri="{91240B29-F687-4F45-9708-019B960494DF}">
-              <a14:hiddenLine xmlns:a14="http://schemas.microsoft.com/office/drawing/2010/main" w="9525">
-                <a:solidFill>
-                  <a:srgbClr val="000000"/>
-                </a:solidFill>
-                <a:miter lim="800000"/>
-                <a:headEnd/>
-                <a:tailEnd/>
-              </a14:hiddenLine>
-            </a:ext>
-          </a:extLst>
-        </p:spPr>
-        <p:txBody>
-          <a:bodyPr/>
-          <a:lstStyle>
-            <a:lvl1pPr eaLnBrk="0" hangingPunct="0">
-              <a:defRPr>
-                <a:solidFill>
-                  <a:schemeClr val="tx1"/>
-                </a:solidFill>
-                <a:latin typeface="Arial" charset="0"/>
-              </a:defRPr>
-            </a:lvl1pPr>
-            <a:lvl2pPr marL="742950" indent="-285750" eaLnBrk="0" hangingPunct="0">
-              <a:defRPr>
-                <a:solidFill>
-                  <a:schemeClr val="tx1"/>
-                </a:solidFill>
-                <a:latin typeface="Arial" charset="0"/>
-              </a:defRPr>
-            </a:lvl2pPr>
-            <a:lvl3pPr marL="1143000" indent="-228600" eaLnBrk="0" hangingPunct="0">
-              <a:defRPr>
-                <a:solidFill>
-                  <a:schemeClr val="tx1"/>
-                </a:solidFill>
-                <a:latin typeface="Arial" charset="0"/>
-              </a:defRPr>
-            </a:lvl3pPr>
-            <a:lvl4pPr marL="1600200" indent="-228600" eaLnBrk="0" hangingPunct="0">
-              <a:defRPr>
-                <a:solidFill>
-                  <a:schemeClr val="tx1"/>
-                </a:solidFill>
-                <a:latin typeface="Arial" charset="0"/>
-              </a:defRPr>
-            </a:lvl4pPr>
-            <a:lvl5pPr marL="2057400" indent="-228600" eaLnBrk="0" hangingPunct="0">
-              <a:defRPr>
-                <a:solidFill>
-                  <a:schemeClr val="tx1"/>
-                </a:solidFill>
-                <a:latin typeface="Arial" charset="0"/>
-              </a:defRPr>
-            </a:lvl5pPr>
-            <a:lvl6pPr marL="2514600" indent="-228600" eaLnBrk="0" fontAlgn="base" hangingPunct="0">
-              <a:spcBef>
-                <a:spcPct val="0"/>
-              </a:spcBef>
-              <a:spcAft>
-                <a:spcPct val="0"/>
-              </a:spcAft>
-              <a:defRPr>
-                <a:solidFill>
-                  <a:schemeClr val="tx1"/>
-                </a:solidFill>
-                <a:latin typeface="Arial" charset="0"/>
-              </a:defRPr>
-            </a:lvl6pPr>
-            <a:lvl7pPr marL="2971800" indent="-228600" eaLnBrk="0" fontAlgn="base" hangingPunct="0">
-              <a:spcBef>
-                <a:spcPct val="0"/>
-              </a:spcBef>
-              <a:spcAft>
-                <a:spcPct val="0"/>
-              </a:spcAft>
-              <a:defRPr>
-                <a:solidFill>
-                  <a:schemeClr val="tx1"/>
-                </a:solidFill>
-                <a:latin typeface="Arial" charset="0"/>
-              </a:defRPr>
-            </a:lvl7pPr>
-            <a:lvl8pPr marL="3429000" indent="-228600" eaLnBrk="0" fontAlgn="base" hangingPunct="0">
-              <a:spcBef>
-                <a:spcPct val="0"/>
-              </a:spcBef>
-              <a:spcAft>
-                <a:spcPct val="0"/>
-              </a:spcAft>
-              <a:defRPr>
-                <a:solidFill>
-                  <a:schemeClr val="tx1"/>
-                </a:solidFill>
-                <a:latin typeface="Arial" charset="0"/>
-              </a:defRPr>
-            </a:lvl8pPr>
-            <a:lvl9pPr marL="3886200" indent="-228600" eaLnBrk="0" fontAlgn="base" hangingPunct="0">
-              <a:spcBef>
-                <a:spcPct val="0"/>
-              </a:spcBef>
-              <a:spcAft>
-                <a:spcPct val="0"/>
-              </a:spcAft>
-              <a:defRPr>
-                <a:solidFill>
-                  <a:schemeClr val="tx1"/>
-                </a:solidFill>
-                <a:latin typeface="Arial" charset="0"/>
-              </a:defRPr>
-            </a:lvl9pPr>
-          </a:lstStyle>
-          <a:p>
-            <a:pPr eaLnBrk="1" hangingPunct="1"/>
-            <a:fld id="{85E1DFC4-6281-4806-8B3E-D3EFD71FBE71}" type="slidenum">
-              <a:rPr lang="en-US" altLang="en-US" smtClean="0"/>
-              <a:pPr eaLnBrk="1" hangingPunct="1"/>
-              <a:t>84</a:t>
-            </a:fld>
-            <a:endParaRPr lang="en-US" altLang="en-US" dirty="0"/>
-          </a:p>
-        </p:txBody>
-      </p:sp>
-    </p:spTree>
-    <p:extLst>
-      <p:ext uri="{BB962C8B-B14F-4D97-AF65-F5344CB8AC3E}">
-        <p14:creationId xmlns:p14="http://schemas.microsoft.com/office/powerpoint/2010/main" val="1705886508"/>
       </p:ext>
     </p:extLst>
   </p:cSld>
@@ -18129,753 +13690,6 @@
     <p:extLst>
       <p:ext uri="{BB962C8B-B14F-4D97-AF65-F5344CB8AC3E}">
         <p14:creationId xmlns:p14="http://schemas.microsoft.com/office/powerpoint/2010/main" val="124025590"/>
-      </p:ext>
-    </p:extLst>
-  </p:cSld>
-  <p:clrMapOvr>
-    <a:masterClrMapping/>
-  </p:clrMapOvr>
-</p:notes>
-</file>
-
-<file path=ppt/notesSlides/notesSlide80.xml><?xml version="1.0" encoding="utf-8"?>
-<p:notes xmlns:a="http://schemas.openxmlformats.org/drawingml/2006/main" xmlns:r="http://schemas.openxmlformats.org/officeDocument/2006/relationships" xmlns:p="http://schemas.openxmlformats.org/presentationml/2006/main">
-  <p:cSld>
-    <p:spTree>
-      <p:nvGrpSpPr>
-        <p:cNvPr id="1" name=""/>
-        <p:cNvGrpSpPr/>
-        <p:nvPr/>
-      </p:nvGrpSpPr>
-      <p:grpSpPr>
-        <a:xfrm>
-          <a:off x="0" y="0"/>
-          <a:ext cx="0" cy="0"/>
-          <a:chOff x="0" y="0"/>
-          <a:chExt cx="0" cy="0"/>
-        </a:xfrm>
-      </p:grpSpPr>
-      <p:sp>
-        <p:nvSpPr>
-          <p:cNvPr id="55298" name="Slide Image Placeholder 1"/>
-          <p:cNvSpPr>
-            <a:spLocks noGrp="1" noRot="1" noChangeAspect="1" noTextEdit="1"/>
-          </p:cNvSpPr>
-          <p:nvPr>
-            <p:ph type="sldImg"/>
-          </p:nvPr>
-        </p:nvSpPr>
-        <p:spPr>
-          <a:ln/>
-        </p:spPr>
-      </p:sp>
-      <p:sp>
-        <p:nvSpPr>
-          <p:cNvPr id="55299" name="Notes Placeholder 2"/>
-          <p:cNvSpPr>
-            <a:spLocks noGrp="1"/>
-          </p:cNvSpPr>
-          <p:nvPr>
-            <p:ph type="body" idx="1"/>
-          </p:nvPr>
-        </p:nvSpPr>
-        <p:spPr>
-          <a:noFill/>
-          <a:ln/>
-          <a:extLst>
-            <a:ext uri="{909E8E84-426E-40DD-AFC4-6F175D3DCCD1}">
-              <a14:hiddenFill xmlns:a14="http://schemas.microsoft.com/office/drawing/2010/main">
-                <a:solidFill>
-                  <a:srgbClr val="FFFFFF"/>
-                </a:solidFill>
-              </a14:hiddenFill>
-            </a:ext>
-            <a:ext uri="{91240B29-F687-4F45-9708-019B960494DF}">
-              <a14:hiddenLine xmlns:a14="http://schemas.microsoft.com/office/drawing/2010/main" w="9525">
-                <a:solidFill>
-                  <a:srgbClr val="000000"/>
-                </a:solidFill>
-                <a:miter lim="800000"/>
-                <a:headEnd/>
-                <a:tailEnd/>
-              </a14:hiddenLine>
-            </a:ext>
-          </a:extLst>
-        </p:spPr>
-        <p:txBody>
-          <a:bodyPr/>
-          <a:lstStyle/>
-          <a:p>
-            <a:r>
-              <a:rPr lang="en-US" altLang="en-US" dirty="0" smtClean="0"/>
-              <a:t>In some cases, it is best to terminate the program when an exception occurs</a:t>
-            </a:r>
-          </a:p>
-          <a:p>
-            <a:r>
-              <a:rPr lang="en-US" altLang="en-US" dirty="0" smtClean="0"/>
-              <a:t>Example: if an input file does not exist when the program executes</a:t>
-            </a:r>
-          </a:p>
-          <a:p>
-            <a:r>
-              <a:rPr lang="en-US" altLang="en-US" dirty="0" smtClean="0"/>
-              <a:t>There is no point in continuing with the program</a:t>
-            </a:r>
-          </a:p>
-          <a:p>
-            <a:r>
-              <a:rPr lang="en-US" altLang="en-US" dirty="0" smtClean="0"/>
-              <a:t>Program can output an appropriate error message and terminate</a:t>
-            </a:r>
-          </a:p>
-          <a:p>
-            <a:endParaRPr lang="lv-LV" altLang="en-US" dirty="0" smtClean="0"/>
-          </a:p>
-          <a:p>
-            <a:r>
-              <a:rPr lang="en-US" altLang="en-US" dirty="0" smtClean="0"/>
-              <a:t>In some cases, you will want to handle the exception and let the program continue</a:t>
-            </a:r>
-          </a:p>
-          <a:p>
-            <a:r>
-              <a:rPr lang="en-US" altLang="en-US" dirty="0" smtClean="0"/>
-              <a:t>Example: a user inputs a letter instead of a number</a:t>
-            </a:r>
-          </a:p>
-          <a:p>
-            <a:r>
-              <a:rPr lang="en-US" altLang="en-US" dirty="0" smtClean="0"/>
-              <a:t>The input stream will enter the fail state</a:t>
-            </a:r>
-          </a:p>
-          <a:p>
-            <a:r>
-              <a:rPr lang="en-US" altLang="en-US" dirty="0" smtClean="0"/>
-              <a:t>Can include the necessary code to keep prompting the user to input a number until the entry is valid</a:t>
-            </a:r>
-          </a:p>
-          <a:p>
-            <a:r>
-              <a:rPr lang="en-US" altLang="en-US" dirty="0" smtClean="0"/>
-              <a:t>In other cases must register the error condition in a log. (Or terminate the program, if it is pointless to continue).</a:t>
-            </a:r>
-          </a:p>
-          <a:p>
-            <a:endParaRPr lang="lv-LV" altLang="en-US" dirty="0" smtClean="0"/>
-          </a:p>
-          <a:p>
-            <a:endParaRPr lang="en-US" altLang="en-US" dirty="0"/>
-          </a:p>
-        </p:txBody>
-      </p:sp>
-      <p:sp>
-        <p:nvSpPr>
-          <p:cNvPr id="55300" name="Slide Number Placeholder 3"/>
-          <p:cNvSpPr>
-            <a:spLocks noGrp="1"/>
-          </p:cNvSpPr>
-          <p:nvPr>
-            <p:ph type="sldNum" sz="quarter" idx="5"/>
-          </p:nvPr>
-        </p:nvSpPr>
-        <p:spPr>
-          <a:noFill/>
-          <a:ln/>
-          <a:extLst>
-            <a:ext uri="{909E8E84-426E-40DD-AFC4-6F175D3DCCD1}">
-              <a14:hiddenFill xmlns:a14="http://schemas.microsoft.com/office/drawing/2010/main">
-                <a:solidFill>
-                  <a:srgbClr val="FFFFFF"/>
-                </a:solidFill>
-              </a14:hiddenFill>
-            </a:ext>
-            <a:ext uri="{91240B29-F687-4F45-9708-019B960494DF}">
-              <a14:hiddenLine xmlns:a14="http://schemas.microsoft.com/office/drawing/2010/main" w="9525">
-                <a:solidFill>
-                  <a:srgbClr val="000000"/>
-                </a:solidFill>
-                <a:miter lim="800000"/>
-                <a:headEnd/>
-                <a:tailEnd/>
-              </a14:hiddenLine>
-            </a:ext>
-          </a:extLst>
-        </p:spPr>
-        <p:txBody>
-          <a:bodyPr/>
-          <a:lstStyle>
-            <a:lvl1pPr eaLnBrk="0" hangingPunct="0">
-              <a:defRPr>
-                <a:solidFill>
-                  <a:schemeClr val="tx1"/>
-                </a:solidFill>
-                <a:latin typeface="Arial" charset="0"/>
-              </a:defRPr>
-            </a:lvl1pPr>
-            <a:lvl2pPr marL="742950" indent="-285750" eaLnBrk="0" hangingPunct="0">
-              <a:defRPr>
-                <a:solidFill>
-                  <a:schemeClr val="tx1"/>
-                </a:solidFill>
-                <a:latin typeface="Arial" charset="0"/>
-              </a:defRPr>
-            </a:lvl2pPr>
-            <a:lvl3pPr marL="1143000" indent="-228600" eaLnBrk="0" hangingPunct="0">
-              <a:defRPr>
-                <a:solidFill>
-                  <a:schemeClr val="tx1"/>
-                </a:solidFill>
-                <a:latin typeface="Arial" charset="0"/>
-              </a:defRPr>
-            </a:lvl3pPr>
-            <a:lvl4pPr marL="1600200" indent="-228600" eaLnBrk="0" hangingPunct="0">
-              <a:defRPr>
-                <a:solidFill>
-                  <a:schemeClr val="tx1"/>
-                </a:solidFill>
-                <a:latin typeface="Arial" charset="0"/>
-              </a:defRPr>
-            </a:lvl4pPr>
-            <a:lvl5pPr marL="2057400" indent="-228600" eaLnBrk="0" hangingPunct="0">
-              <a:defRPr>
-                <a:solidFill>
-                  <a:schemeClr val="tx1"/>
-                </a:solidFill>
-                <a:latin typeface="Arial" charset="0"/>
-              </a:defRPr>
-            </a:lvl5pPr>
-            <a:lvl6pPr marL="2514600" indent="-228600" eaLnBrk="0" fontAlgn="base" hangingPunct="0">
-              <a:spcBef>
-                <a:spcPct val="0"/>
-              </a:spcBef>
-              <a:spcAft>
-                <a:spcPct val="0"/>
-              </a:spcAft>
-              <a:defRPr>
-                <a:solidFill>
-                  <a:schemeClr val="tx1"/>
-                </a:solidFill>
-                <a:latin typeface="Arial" charset="0"/>
-              </a:defRPr>
-            </a:lvl6pPr>
-            <a:lvl7pPr marL="2971800" indent="-228600" eaLnBrk="0" fontAlgn="base" hangingPunct="0">
-              <a:spcBef>
-                <a:spcPct val="0"/>
-              </a:spcBef>
-              <a:spcAft>
-                <a:spcPct val="0"/>
-              </a:spcAft>
-              <a:defRPr>
-                <a:solidFill>
-                  <a:schemeClr val="tx1"/>
-                </a:solidFill>
-                <a:latin typeface="Arial" charset="0"/>
-              </a:defRPr>
-            </a:lvl7pPr>
-            <a:lvl8pPr marL="3429000" indent="-228600" eaLnBrk="0" fontAlgn="base" hangingPunct="0">
-              <a:spcBef>
-                <a:spcPct val="0"/>
-              </a:spcBef>
-              <a:spcAft>
-                <a:spcPct val="0"/>
-              </a:spcAft>
-              <a:defRPr>
-                <a:solidFill>
-                  <a:schemeClr val="tx1"/>
-                </a:solidFill>
-                <a:latin typeface="Arial" charset="0"/>
-              </a:defRPr>
-            </a:lvl8pPr>
-            <a:lvl9pPr marL="3886200" indent="-228600" eaLnBrk="0" fontAlgn="base" hangingPunct="0">
-              <a:spcBef>
-                <a:spcPct val="0"/>
-              </a:spcBef>
-              <a:spcAft>
-                <a:spcPct val="0"/>
-              </a:spcAft>
-              <a:defRPr>
-                <a:solidFill>
-                  <a:schemeClr val="tx1"/>
-                </a:solidFill>
-                <a:latin typeface="Arial" charset="0"/>
-              </a:defRPr>
-            </a:lvl9pPr>
-          </a:lstStyle>
-          <a:p>
-            <a:pPr eaLnBrk="1" hangingPunct="1"/>
-            <a:fld id="{2EBEF6E1-4B62-48ED-A148-050168B9E849}" type="slidenum">
-              <a:rPr lang="en-US" altLang="en-US" smtClean="0"/>
-              <a:pPr eaLnBrk="1" hangingPunct="1"/>
-              <a:t>85</a:t>
-            </a:fld>
-            <a:endParaRPr lang="en-US" altLang="en-US" dirty="0"/>
-          </a:p>
-        </p:txBody>
-      </p:sp>
-    </p:spTree>
-    <p:extLst>
-      <p:ext uri="{BB962C8B-B14F-4D97-AF65-F5344CB8AC3E}">
-        <p14:creationId xmlns:p14="http://schemas.microsoft.com/office/powerpoint/2010/main" val="2695396664"/>
-      </p:ext>
-    </p:extLst>
-  </p:cSld>
-  <p:clrMapOvr>
-    <a:masterClrMapping/>
-  </p:clrMapOvr>
-</p:notes>
-</file>
-
-<file path=ppt/notesSlides/notesSlide81.xml><?xml version="1.0" encoding="utf-8"?>
-<p:notes xmlns:a="http://schemas.openxmlformats.org/drawingml/2006/main" xmlns:r="http://schemas.openxmlformats.org/officeDocument/2006/relationships" xmlns:p="http://schemas.openxmlformats.org/presentationml/2006/main">
-  <p:cSld>
-    <p:spTree>
-      <p:nvGrpSpPr>
-        <p:cNvPr id="1" name=""/>
-        <p:cNvGrpSpPr/>
-        <p:nvPr/>
-      </p:nvGrpSpPr>
-      <p:grpSpPr>
-        <a:xfrm>
-          <a:off x="0" y="0"/>
-          <a:ext cx="0" cy="0"/>
-          <a:chOff x="0" y="0"/>
-          <a:chExt cx="0" cy="0"/>
-        </a:xfrm>
-      </p:grpSpPr>
-      <p:sp>
-        <p:nvSpPr>
-          <p:cNvPr id="59394" name="Slide Image Placeholder 1"/>
-          <p:cNvSpPr>
-            <a:spLocks noGrp="1" noRot="1" noChangeAspect="1" noTextEdit="1"/>
-          </p:cNvSpPr>
-          <p:nvPr>
-            <p:ph type="sldImg"/>
-          </p:nvPr>
-        </p:nvSpPr>
-        <p:spPr>
-          <a:ln/>
-        </p:spPr>
-      </p:sp>
-      <p:sp>
-        <p:nvSpPr>
-          <p:cNvPr id="59395" name="Notes Placeholder 2"/>
-          <p:cNvSpPr>
-            <a:spLocks noGrp="1"/>
-          </p:cNvSpPr>
-          <p:nvPr>
-            <p:ph type="body" idx="1"/>
-          </p:nvPr>
-        </p:nvSpPr>
-        <p:spPr>
-          <a:noFill/>
-          <a:ln/>
-          <a:extLst>
-            <a:ext uri="{909E8E84-426E-40DD-AFC4-6F175D3DCCD1}">
-              <a14:hiddenFill xmlns:a14="http://schemas.microsoft.com/office/drawing/2010/main">
-                <a:solidFill>
-                  <a:srgbClr val="FFFFFF"/>
-                </a:solidFill>
-              </a14:hiddenFill>
-            </a:ext>
-            <a:ext uri="{91240B29-F687-4F45-9708-019B960494DF}">
-              <a14:hiddenLine xmlns:a14="http://schemas.microsoft.com/office/drawing/2010/main" w="9525">
-                <a:solidFill>
-                  <a:srgbClr val="000000"/>
-                </a:solidFill>
-                <a:miter lim="800000"/>
-                <a:headEnd/>
-                <a:tailEnd/>
-              </a14:hiddenLine>
-            </a:ext>
-          </a:extLst>
-        </p:spPr>
-        <p:txBody>
-          <a:bodyPr/>
-          <a:lstStyle/>
-          <a:p>
-            <a:endParaRPr lang="en-US" altLang="en-US" dirty="0"/>
-          </a:p>
-        </p:txBody>
-      </p:sp>
-      <p:sp>
-        <p:nvSpPr>
-          <p:cNvPr id="59396" name="Slide Number Placeholder 3"/>
-          <p:cNvSpPr>
-            <a:spLocks noGrp="1"/>
-          </p:cNvSpPr>
-          <p:nvPr>
-            <p:ph type="sldNum" sz="quarter" idx="5"/>
-          </p:nvPr>
-        </p:nvSpPr>
-        <p:spPr>
-          <a:noFill/>
-          <a:ln/>
-          <a:extLst>
-            <a:ext uri="{909E8E84-426E-40DD-AFC4-6F175D3DCCD1}">
-              <a14:hiddenFill xmlns:a14="http://schemas.microsoft.com/office/drawing/2010/main">
-                <a:solidFill>
-                  <a:srgbClr val="FFFFFF"/>
-                </a:solidFill>
-              </a14:hiddenFill>
-            </a:ext>
-            <a:ext uri="{91240B29-F687-4F45-9708-019B960494DF}">
-              <a14:hiddenLine xmlns:a14="http://schemas.microsoft.com/office/drawing/2010/main" w="9525">
-                <a:solidFill>
-                  <a:srgbClr val="000000"/>
-                </a:solidFill>
-                <a:miter lim="800000"/>
-                <a:headEnd/>
-                <a:tailEnd/>
-              </a14:hiddenLine>
-            </a:ext>
-          </a:extLst>
-        </p:spPr>
-        <p:txBody>
-          <a:bodyPr/>
-          <a:lstStyle>
-            <a:lvl1pPr eaLnBrk="0" hangingPunct="0">
-              <a:defRPr>
-                <a:solidFill>
-                  <a:schemeClr val="tx1"/>
-                </a:solidFill>
-                <a:latin typeface="Arial" charset="0"/>
-              </a:defRPr>
-            </a:lvl1pPr>
-            <a:lvl2pPr marL="742950" indent="-285750" eaLnBrk="0" hangingPunct="0">
-              <a:defRPr>
-                <a:solidFill>
-                  <a:schemeClr val="tx1"/>
-                </a:solidFill>
-                <a:latin typeface="Arial" charset="0"/>
-              </a:defRPr>
-            </a:lvl2pPr>
-            <a:lvl3pPr marL="1143000" indent="-228600" eaLnBrk="0" hangingPunct="0">
-              <a:defRPr>
-                <a:solidFill>
-                  <a:schemeClr val="tx1"/>
-                </a:solidFill>
-                <a:latin typeface="Arial" charset="0"/>
-              </a:defRPr>
-            </a:lvl3pPr>
-            <a:lvl4pPr marL="1600200" indent="-228600" eaLnBrk="0" hangingPunct="0">
-              <a:defRPr>
-                <a:solidFill>
-                  <a:schemeClr val="tx1"/>
-                </a:solidFill>
-                <a:latin typeface="Arial" charset="0"/>
-              </a:defRPr>
-            </a:lvl4pPr>
-            <a:lvl5pPr marL="2057400" indent="-228600" eaLnBrk="0" hangingPunct="0">
-              <a:defRPr>
-                <a:solidFill>
-                  <a:schemeClr val="tx1"/>
-                </a:solidFill>
-                <a:latin typeface="Arial" charset="0"/>
-              </a:defRPr>
-            </a:lvl5pPr>
-            <a:lvl6pPr marL="2514600" indent="-228600" eaLnBrk="0" fontAlgn="base" hangingPunct="0">
-              <a:spcBef>
-                <a:spcPct val="0"/>
-              </a:spcBef>
-              <a:spcAft>
-                <a:spcPct val="0"/>
-              </a:spcAft>
-              <a:defRPr>
-                <a:solidFill>
-                  <a:schemeClr val="tx1"/>
-                </a:solidFill>
-                <a:latin typeface="Arial" charset="0"/>
-              </a:defRPr>
-            </a:lvl6pPr>
-            <a:lvl7pPr marL="2971800" indent="-228600" eaLnBrk="0" fontAlgn="base" hangingPunct="0">
-              <a:spcBef>
-                <a:spcPct val="0"/>
-              </a:spcBef>
-              <a:spcAft>
-                <a:spcPct val="0"/>
-              </a:spcAft>
-              <a:defRPr>
-                <a:solidFill>
-                  <a:schemeClr val="tx1"/>
-                </a:solidFill>
-                <a:latin typeface="Arial" charset="0"/>
-              </a:defRPr>
-            </a:lvl7pPr>
-            <a:lvl8pPr marL="3429000" indent="-228600" eaLnBrk="0" fontAlgn="base" hangingPunct="0">
-              <a:spcBef>
-                <a:spcPct val="0"/>
-              </a:spcBef>
-              <a:spcAft>
-                <a:spcPct val="0"/>
-              </a:spcAft>
-              <a:defRPr>
-                <a:solidFill>
-                  <a:schemeClr val="tx1"/>
-                </a:solidFill>
-                <a:latin typeface="Arial" charset="0"/>
-              </a:defRPr>
-            </a:lvl8pPr>
-            <a:lvl9pPr marL="3886200" indent="-228600" eaLnBrk="0" fontAlgn="base" hangingPunct="0">
-              <a:spcBef>
-                <a:spcPct val="0"/>
-              </a:spcBef>
-              <a:spcAft>
-                <a:spcPct val="0"/>
-              </a:spcAft>
-              <a:defRPr>
-                <a:solidFill>
-                  <a:schemeClr val="tx1"/>
-                </a:solidFill>
-                <a:latin typeface="Arial" charset="0"/>
-              </a:defRPr>
-            </a:lvl9pPr>
-          </a:lstStyle>
-          <a:p>
-            <a:pPr eaLnBrk="1" hangingPunct="1"/>
-            <a:fld id="{A5BCE5EA-6CC5-4EA1-A29B-D7494498FEC6}" type="slidenum">
-              <a:rPr lang="en-US" altLang="en-US" smtClean="0"/>
-              <a:pPr eaLnBrk="1" hangingPunct="1"/>
-              <a:t>86</a:t>
-            </a:fld>
-            <a:endParaRPr lang="en-US" altLang="en-US" dirty="0"/>
-          </a:p>
-        </p:txBody>
-      </p:sp>
-    </p:spTree>
-    <p:extLst>
-      <p:ext uri="{BB962C8B-B14F-4D97-AF65-F5344CB8AC3E}">
-        <p14:creationId xmlns:p14="http://schemas.microsoft.com/office/powerpoint/2010/main" val="3482317139"/>
-      </p:ext>
-    </p:extLst>
-  </p:cSld>
-  <p:clrMapOvr>
-    <a:masterClrMapping/>
-  </p:clrMapOvr>
-</p:notes>
-</file>
-
-<file path=ppt/notesSlides/notesSlide82.xml><?xml version="1.0" encoding="utf-8"?>
-<p:notes xmlns:a="http://schemas.openxmlformats.org/drawingml/2006/main" xmlns:r="http://schemas.openxmlformats.org/officeDocument/2006/relationships" xmlns:p="http://schemas.openxmlformats.org/presentationml/2006/main">
-  <p:cSld>
-    <p:spTree>
-      <p:nvGrpSpPr>
-        <p:cNvPr id="1" name=""/>
-        <p:cNvGrpSpPr/>
-        <p:nvPr/>
-      </p:nvGrpSpPr>
-      <p:grpSpPr>
-        <a:xfrm>
-          <a:off x="0" y="0"/>
-          <a:ext cx="0" cy="0"/>
-          <a:chOff x="0" y="0"/>
-          <a:chExt cx="0" cy="0"/>
-        </a:xfrm>
-      </p:grpSpPr>
-      <p:sp>
-        <p:nvSpPr>
-          <p:cNvPr id="61442" name="Slide Image Placeholder 1"/>
-          <p:cNvSpPr>
-            <a:spLocks noGrp="1" noRot="1" noChangeAspect="1" noTextEdit="1"/>
-          </p:cNvSpPr>
-          <p:nvPr>
-            <p:ph type="sldImg"/>
-          </p:nvPr>
-        </p:nvSpPr>
-        <p:spPr>
-          <a:ln/>
-        </p:spPr>
-      </p:sp>
-      <p:sp>
-        <p:nvSpPr>
-          <p:cNvPr id="61443" name="Notes Placeholder 2"/>
-          <p:cNvSpPr>
-            <a:spLocks noGrp="1"/>
-          </p:cNvSpPr>
-          <p:nvPr>
-            <p:ph type="body" idx="1"/>
-          </p:nvPr>
-        </p:nvSpPr>
-        <p:spPr>
-          <a:noFill/>
-          <a:ln/>
-          <a:extLst>
-            <a:ext uri="{909E8E84-426E-40DD-AFC4-6F175D3DCCD1}">
-              <a14:hiddenFill xmlns:a14="http://schemas.microsoft.com/office/drawing/2010/main">
-                <a:solidFill>
-                  <a:srgbClr val="FFFFFF"/>
-                </a:solidFill>
-              </a14:hiddenFill>
-            </a:ext>
-            <a:ext uri="{91240B29-F687-4F45-9708-019B960494DF}">
-              <a14:hiddenLine xmlns:a14="http://schemas.microsoft.com/office/drawing/2010/main" w="9525">
-                <a:solidFill>
-                  <a:srgbClr val="000000"/>
-                </a:solidFill>
-                <a:miter lim="800000"/>
-                <a:headEnd/>
-                <a:tailEnd/>
-              </a14:hiddenLine>
-            </a:ext>
-          </a:extLst>
-        </p:spPr>
-        <p:txBody>
-          <a:bodyPr/>
-          <a:lstStyle/>
-          <a:p>
-            <a:endParaRPr lang="en-US" altLang="en-US" dirty="0"/>
-          </a:p>
-        </p:txBody>
-      </p:sp>
-      <p:sp>
-        <p:nvSpPr>
-          <p:cNvPr id="61444" name="Slide Number Placeholder 3"/>
-          <p:cNvSpPr>
-            <a:spLocks noGrp="1"/>
-          </p:cNvSpPr>
-          <p:nvPr>
-            <p:ph type="sldNum" sz="quarter" idx="5"/>
-          </p:nvPr>
-        </p:nvSpPr>
-        <p:spPr>
-          <a:noFill/>
-          <a:ln/>
-          <a:extLst>
-            <a:ext uri="{909E8E84-426E-40DD-AFC4-6F175D3DCCD1}">
-              <a14:hiddenFill xmlns:a14="http://schemas.microsoft.com/office/drawing/2010/main">
-                <a:solidFill>
-                  <a:srgbClr val="FFFFFF"/>
-                </a:solidFill>
-              </a14:hiddenFill>
-            </a:ext>
-            <a:ext uri="{91240B29-F687-4F45-9708-019B960494DF}">
-              <a14:hiddenLine xmlns:a14="http://schemas.microsoft.com/office/drawing/2010/main" w="9525">
-                <a:solidFill>
-                  <a:srgbClr val="000000"/>
-                </a:solidFill>
-                <a:miter lim="800000"/>
-                <a:headEnd/>
-                <a:tailEnd/>
-              </a14:hiddenLine>
-            </a:ext>
-          </a:extLst>
-        </p:spPr>
-        <p:txBody>
-          <a:bodyPr/>
-          <a:lstStyle>
-            <a:lvl1pPr eaLnBrk="0" hangingPunct="0">
-              <a:defRPr>
-                <a:solidFill>
-                  <a:schemeClr val="tx1"/>
-                </a:solidFill>
-                <a:latin typeface="Arial" charset="0"/>
-              </a:defRPr>
-            </a:lvl1pPr>
-            <a:lvl2pPr marL="742950" indent="-285750" eaLnBrk="0" hangingPunct="0">
-              <a:defRPr>
-                <a:solidFill>
-                  <a:schemeClr val="tx1"/>
-                </a:solidFill>
-                <a:latin typeface="Arial" charset="0"/>
-              </a:defRPr>
-            </a:lvl2pPr>
-            <a:lvl3pPr marL="1143000" indent="-228600" eaLnBrk="0" hangingPunct="0">
-              <a:defRPr>
-                <a:solidFill>
-                  <a:schemeClr val="tx1"/>
-                </a:solidFill>
-                <a:latin typeface="Arial" charset="0"/>
-              </a:defRPr>
-            </a:lvl3pPr>
-            <a:lvl4pPr marL="1600200" indent="-228600" eaLnBrk="0" hangingPunct="0">
-              <a:defRPr>
-                <a:solidFill>
-                  <a:schemeClr val="tx1"/>
-                </a:solidFill>
-                <a:latin typeface="Arial" charset="0"/>
-              </a:defRPr>
-            </a:lvl4pPr>
-            <a:lvl5pPr marL="2057400" indent="-228600" eaLnBrk="0" hangingPunct="0">
-              <a:defRPr>
-                <a:solidFill>
-                  <a:schemeClr val="tx1"/>
-                </a:solidFill>
-                <a:latin typeface="Arial" charset="0"/>
-              </a:defRPr>
-            </a:lvl5pPr>
-            <a:lvl6pPr marL="2514600" indent="-228600" eaLnBrk="0" fontAlgn="base" hangingPunct="0">
-              <a:spcBef>
-                <a:spcPct val="0"/>
-              </a:spcBef>
-              <a:spcAft>
-                <a:spcPct val="0"/>
-              </a:spcAft>
-              <a:defRPr>
-                <a:solidFill>
-                  <a:schemeClr val="tx1"/>
-                </a:solidFill>
-                <a:latin typeface="Arial" charset="0"/>
-              </a:defRPr>
-            </a:lvl6pPr>
-            <a:lvl7pPr marL="2971800" indent="-228600" eaLnBrk="0" fontAlgn="base" hangingPunct="0">
-              <a:spcBef>
-                <a:spcPct val="0"/>
-              </a:spcBef>
-              <a:spcAft>
-                <a:spcPct val="0"/>
-              </a:spcAft>
-              <a:defRPr>
-                <a:solidFill>
-                  <a:schemeClr val="tx1"/>
-                </a:solidFill>
-                <a:latin typeface="Arial" charset="0"/>
-              </a:defRPr>
-            </a:lvl7pPr>
-            <a:lvl8pPr marL="3429000" indent="-228600" eaLnBrk="0" fontAlgn="base" hangingPunct="0">
-              <a:spcBef>
-                <a:spcPct val="0"/>
-              </a:spcBef>
-              <a:spcAft>
-                <a:spcPct val="0"/>
-              </a:spcAft>
-              <a:defRPr>
-                <a:solidFill>
-                  <a:schemeClr val="tx1"/>
-                </a:solidFill>
-                <a:latin typeface="Arial" charset="0"/>
-              </a:defRPr>
-            </a:lvl8pPr>
-            <a:lvl9pPr marL="3886200" indent="-228600" eaLnBrk="0" fontAlgn="base" hangingPunct="0">
-              <a:spcBef>
-                <a:spcPct val="0"/>
-              </a:spcBef>
-              <a:spcAft>
-                <a:spcPct val="0"/>
-              </a:spcAft>
-              <a:defRPr>
-                <a:solidFill>
-                  <a:schemeClr val="tx1"/>
-                </a:solidFill>
-                <a:latin typeface="Arial" charset="0"/>
-              </a:defRPr>
-            </a:lvl9pPr>
-          </a:lstStyle>
-          <a:p>
-            <a:pPr eaLnBrk="1" hangingPunct="1"/>
-            <a:fld id="{410CD04C-3033-4188-8C69-5E850397CCE6}" type="slidenum">
-              <a:rPr lang="en-US" altLang="en-US" smtClean="0"/>
-              <a:pPr eaLnBrk="1" hangingPunct="1"/>
-              <a:t>87</a:t>
-            </a:fld>
-            <a:endParaRPr lang="en-US" altLang="en-US" dirty="0"/>
-          </a:p>
-        </p:txBody>
-      </p:sp>
-    </p:spTree>
-    <p:extLst>
-      <p:ext uri="{BB962C8B-B14F-4D97-AF65-F5344CB8AC3E}">
-        <p14:creationId xmlns:p14="http://schemas.microsoft.com/office/powerpoint/2010/main" val="2203633553"/>
       </p:ext>
     </p:extLst>
   </p:cSld>
@@ -34925,990 +29739,6 @@
 </p:sld>
 </file>
 
-<file path=ppt/slides/slide63.xml><?xml version="1.0" encoding="utf-8"?>
-<p:sld xmlns:a="http://schemas.openxmlformats.org/drawingml/2006/main" xmlns:r="http://schemas.openxmlformats.org/officeDocument/2006/relationships" xmlns:p="http://schemas.openxmlformats.org/presentationml/2006/main">
-  <p:cSld>
-    <p:spTree>
-      <p:nvGrpSpPr>
-        <p:cNvPr id="1" name=""/>
-        <p:cNvGrpSpPr/>
-        <p:nvPr/>
-      </p:nvGrpSpPr>
-      <p:grpSpPr>
-        <a:xfrm>
-          <a:off x="0" y="0"/>
-          <a:ext cx="0" cy="0"/>
-          <a:chOff x="0" y="0"/>
-          <a:chExt cx="0" cy="0"/>
-        </a:xfrm>
-      </p:grpSpPr>
-      <p:sp>
-        <p:nvSpPr>
-          <p:cNvPr id="4" name="Title 3"/>
-          <p:cNvSpPr>
-            <a:spLocks noGrp="1"/>
-          </p:cNvSpPr>
-          <p:nvPr>
-            <p:ph type="ctrTitle"/>
-          </p:nvPr>
-        </p:nvSpPr>
-        <p:spPr/>
-        <p:txBody>
-          <a:bodyPr/>
-          <a:lstStyle/>
-          <a:p>
-            <a:r>
-              <a:rPr lang="en-US" dirty="0" smtClean="0"/>
-              <a:t>Chapter 13</a:t>
-            </a:r>
-            <a:endParaRPr lang="lv-LV" dirty="0"/>
-          </a:p>
-        </p:txBody>
-      </p:sp>
-      <p:sp>
-        <p:nvSpPr>
-          <p:cNvPr id="5" name="Subtitle 4"/>
-          <p:cNvSpPr>
-            <a:spLocks noGrp="1"/>
-          </p:cNvSpPr>
-          <p:nvPr>
-            <p:ph type="subTitle" idx="1"/>
-          </p:nvPr>
-        </p:nvSpPr>
-        <p:spPr/>
-        <p:txBody>
-          <a:bodyPr/>
-          <a:lstStyle/>
-          <a:p>
-            <a:pPr lvl="0"/>
-            <a:r>
-              <a:rPr lang="en-US" altLang="en-US" dirty="0">
-                <a:solidFill>
-                  <a:srgbClr val="000000">
-                    <a:tint val="75000"/>
-                  </a:srgbClr>
-                </a:solidFill>
-              </a:rPr>
-              <a:t>Classes, Virtual Functions, Abstract Classes, and </a:t>
-            </a:r>
-            <a:r>
-              <a:rPr lang="en-US" altLang="en-US" dirty="0" smtClean="0">
-                <a:solidFill>
-                  <a:srgbClr val="000000">
-                    <a:tint val="75000"/>
-                  </a:srgbClr>
-                </a:solidFill>
-              </a:rPr>
-              <a:t>Lists</a:t>
-            </a:r>
-            <a:endParaRPr lang="en-US" dirty="0">
-              <a:solidFill>
-                <a:srgbClr val="000000">
-                  <a:tint val="75000"/>
-                </a:srgbClr>
-              </a:solidFill>
-            </a:endParaRPr>
-          </a:p>
-        </p:txBody>
-      </p:sp>
-    </p:spTree>
-    <p:extLst>
-      <p:ext uri="{BB962C8B-B14F-4D97-AF65-F5344CB8AC3E}">
-        <p14:creationId xmlns:p14="http://schemas.microsoft.com/office/powerpoint/2010/main" val="3950740718"/>
-      </p:ext>
-    </p:extLst>
-  </p:cSld>
-  <p:clrMapOvr>
-    <a:masterClrMapping/>
-  </p:clrMapOvr>
-  <p:transition spd="slow">
-    <p:wipe/>
-  </p:transition>
-</p:sld>
-</file>
-
-<file path=ppt/slides/slide64.xml><?xml version="1.0" encoding="utf-8"?>
-<p:sld xmlns:a="http://schemas.openxmlformats.org/drawingml/2006/main" xmlns:r="http://schemas.openxmlformats.org/officeDocument/2006/relationships" xmlns:p="http://schemas.openxmlformats.org/presentationml/2006/main">
-  <p:cSld>
-    <p:spTree>
-      <p:nvGrpSpPr>
-        <p:cNvPr id="1" name=""/>
-        <p:cNvGrpSpPr/>
-        <p:nvPr/>
-      </p:nvGrpSpPr>
-      <p:grpSpPr>
-        <a:xfrm>
-          <a:off x="0" y="0"/>
-          <a:ext cx="0" cy="0"/>
-          <a:chOff x="0" y="0"/>
-          <a:chExt cx="0" cy="0"/>
-        </a:xfrm>
-      </p:grpSpPr>
-      <p:sp>
-        <p:nvSpPr>
-          <p:cNvPr id="31746" name="Rectangle 2"/>
-          <p:cNvSpPr>
-            <a:spLocks noGrp="1" noChangeArrowheads="1"/>
-          </p:cNvSpPr>
-          <p:nvPr>
-            <p:ph type="title"/>
-          </p:nvPr>
-        </p:nvSpPr>
-        <p:spPr/>
-        <p:txBody>
-          <a:bodyPr/>
-          <a:lstStyle/>
-          <a:p>
-            <a:r>
-              <a:rPr lang="en-US" altLang="en-US" dirty="0"/>
-              <a:t>Copy </a:t>
-            </a:r>
-            <a:r>
-              <a:rPr lang="en-US" altLang="en-US" dirty="0" err="1" smtClean="0"/>
-              <a:t>Constructo</a:t>
-            </a:r>
-            <a:r>
-              <a:rPr lang="lv-LV" altLang="en-US" dirty="0" smtClean="0"/>
-              <a:t>r</a:t>
-            </a:r>
-            <a:endParaRPr lang="en-US" altLang="en-US" dirty="0"/>
-          </a:p>
-        </p:txBody>
-      </p:sp>
-      <p:sp>
-        <p:nvSpPr>
-          <p:cNvPr id="46085" name="Rectangle 3"/>
-          <p:cNvSpPr>
-            <a:spLocks noGrp="1" noChangeArrowheads="1"/>
-          </p:cNvSpPr>
-          <p:nvPr>
-            <p:ph idx="1"/>
-          </p:nvPr>
-        </p:nvSpPr>
-        <p:spPr/>
-        <p:txBody>
-          <a:bodyPr/>
-          <a:lstStyle/>
-          <a:p>
-            <a:r>
-              <a:rPr lang="lv-LV" dirty="0" smtClean="0"/>
-              <a:t>Called when you pass a parameter; also on </a:t>
-            </a:r>
-            <a:r>
-              <a:rPr lang="lv-LV" sz="2000" b="1" dirty="0" smtClean="0">
-                <a:latin typeface="Courier New" panose="02070309020205020404" pitchFamily="49" charset="0"/>
-                <a:cs typeface="Courier New" panose="02070309020205020404" pitchFamily="49" charset="0"/>
-              </a:rPr>
-              <a:t>myVector.push_back(...) </a:t>
-            </a:r>
-            <a:r>
-              <a:rPr lang="lv-LV" dirty="0" smtClean="0"/>
-              <a:t>etc.</a:t>
-            </a:r>
-          </a:p>
-          <a:p>
-            <a:r>
-              <a:rPr lang="en-US" dirty="0" smtClean="0"/>
-              <a:t>Default </a:t>
-            </a:r>
-            <a:r>
-              <a:rPr lang="en-US" dirty="0"/>
-              <a:t>member-wise initialization:</a:t>
-            </a:r>
-          </a:p>
-          <a:p>
-            <a:pPr lvl="1"/>
-            <a:r>
-              <a:rPr lang="en-US" dirty="0"/>
-              <a:t>Initializing a class object by using the value of an existing object of the same type</a:t>
-            </a:r>
-          </a:p>
-          <a:p>
-            <a:r>
-              <a:rPr lang="en-US" dirty="0"/>
-              <a:t>Example:</a:t>
-            </a:r>
-          </a:p>
-          <a:p>
-            <a:pPr marL="347663" indent="0">
-              <a:buNone/>
-            </a:pPr>
-            <a:r>
-              <a:rPr lang="en-US" dirty="0"/>
-              <a:t>  </a:t>
-            </a:r>
-            <a:r>
-              <a:rPr lang="en-US" sz="1800" b="1" dirty="0">
-                <a:latin typeface="Courier New" panose="02070309020205020404" pitchFamily="49" charset="0"/>
-                <a:cs typeface="Courier New" panose="02070309020205020404" pitchFamily="49" charset="0"/>
-              </a:rPr>
-              <a:t>ptrMemberVarType objectThree(objectOne);</a:t>
-            </a:r>
-          </a:p>
-          <a:p>
-            <a:r>
-              <a:rPr lang="en-US" u="sng" dirty="0"/>
-              <a:t>Copy constructor</a:t>
-            </a:r>
-            <a:r>
-              <a:rPr lang="en-US" dirty="0"/>
-              <a:t>: provided by the compiler</a:t>
-            </a:r>
-          </a:p>
-          <a:p>
-            <a:pPr lvl="1"/>
-            <a:r>
-              <a:rPr lang="en-US" dirty="0"/>
-              <a:t>Performs this initialization</a:t>
-            </a:r>
-          </a:p>
-          <a:p>
-            <a:pPr lvl="1"/>
-            <a:r>
-              <a:rPr lang="en-US" dirty="0"/>
-              <a:t>Leads to a shallow copying of the data if class has pointer member variables</a:t>
-            </a:r>
-          </a:p>
-        </p:txBody>
-      </p:sp>
-    </p:spTree>
-    <p:extLst>
-      <p:ext uri="{BB962C8B-B14F-4D97-AF65-F5344CB8AC3E}">
-        <p14:creationId xmlns:p14="http://schemas.microsoft.com/office/powerpoint/2010/main" val="2460152792"/>
-      </p:ext>
-    </p:extLst>
-  </p:cSld>
-  <p:clrMapOvr>
-    <a:masterClrMapping/>
-  </p:clrMapOvr>
-  <p:transition spd="slow">
-    <p:wipe/>
-  </p:transition>
-</p:sld>
-</file>
-
-<file path=ppt/slides/slide65.xml><?xml version="1.0" encoding="utf-8"?>
-<p:sld xmlns:a="http://schemas.openxmlformats.org/drawingml/2006/main" xmlns:r="http://schemas.openxmlformats.org/officeDocument/2006/relationships" xmlns:p="http://schemas.openxmlformats.org/presentationml/2006/main">
-  <p:cSld>
-    <p:spTree>
-      <p:nvGrpSpPr>
-        <p:cNvPr id="1" name=""/>
-        <p:cNvGrpSpPr/>
-        <p:nvPr/>
-      </p:nvGrpSpPr>
-      <p:grpSpPr>
-        <a:xfrm>
-          <a:off x="0" y="0"/>
-          <a:ext cx="0" cy="0"/>
-          <a:chOff x="0" y="0"/>
-          <a:chExt cx="0" cy="0"/>
-        </a:xfrm>
-      </p:grpSpPr>
-      <p:sp>
-        <p:nvSpPr>
-          <p:cNvPr id="33794" name="Rectangle 2"/>
-          <p:cNvSpPr>
-            <a:spLocks noGrp="1" noChangeArrowheads="1"/>
-          </p:cNvSpPr>
-          <p:nvPr>
-            <p:ph type="title"/>
-          </p:nvPr>
-        </p:nvSpPr>
-        <p:spPr/>
-        <p:txBody>
-          <a:bodyPr/>
-          <a:lstStyle/>
-          <a:p>
-            <a:pPr eaLnBrk="1" hangingPunct="1"/>
-            <a:r>
-              <a:rPr lang="en-US" altLang="en-US" dirty="0"/>
-              <a:t>Copy Constructor </a:t>
-            </a:r>
-            <a:r>
-              <a:rPr lang="lv-LV" altLang="en-US" dirty="0" smtClean="0"/>
-              <a:t>Overriding</a:t>
-            </a:r>
-            <a:endParaRPr lang="en-US" altLang="en-US" dirty="0"/>
-          </a:p>
-        </p:txBody>
-      </p:sp>
-      <p:sp>
-        <p:nvSpPr>
-          <p:cNvPr id="33795" name="Rectangle 3"/>
-          <p:cNvSpPr>
-            <a:spLocks noGrp="1" noChangeArrowheads="1"/>
-          </p:cNvSpPr>
-          <p:nvPr>
-            <p:ph idx="1"/>
-          </p:nvPr>
-        </p:nvSpPr>
-        <p:spPr/>
-        <p:txBody>
-          <a:bodyPr/>
-          <a:lstStyle/>
-          <a:p>
-            <a:pPr eaLnBrk="1" hangingPunct="1"/>
-            <a:r>
-              <a:rPr lang="lv-LV" altLang="en-US" dirty="0" smtClean="0"/>
-              <a:t>Override </a:t>
-            </a:r>
-            <a:r>
-              <a:rPr lang="en-US" altLang="en-US" dirty="0" smtClean="0"/>
-              <a:t>the </a:t>
-            </a:r>
-            <a:r>
-              <a:rPr lang="en-US" altLang="en-US" dirty="0"/>
-              <a:t>copy </a:t>
-            </a:r>
-            <a:r>
-              <a:rPr lang="en-US" altLang="en-US" dirty="0" smtClean="0"/>
-              <a:t>constructor</a:t>
-            </a:r>
-            <a:r>
-              <a:rPr lang="lv-LV" altLang="en-US" dirty="0" smtClean="0"/>
-              <a:t> to do deeper copying</a:t>
-            </a:r>
-            <a:endParaRPr lang="en-US" altLang="en-US" dirty="0" smtClean="0"/>
-          </a:p>
-          <a:p>
-            <a:pPr eaLnBrk="1" hangingPunct="1"/>
-            <a:endParaRPr lang="en-US" altLang="en-US" dirty="0"/>
-          </a:p>
-          <a:p>
-            <a:pPr eaLnBrk="1" hangingPunct="1"/>
-            <a:endParaRPr lang="en-US" altLang="en-US" dirty="0" smtClean="0"/>
-          </a:p>
-          <a:p>
-            <a:pPr eaLnBrk="1" hangingPunct="1"/>
-            <a:endParaRPr lang="en-US" altLang="en-US" dirty="0"/>
-          </a:p>
-          <a:p>
-            <a:r>
-              <a:rPr lang="en-US" altLang="en-US" dirty="0"/>
-              <a:t>For classes with pointer member variables, three things are normally done:</a:t>
-            </a:r>
-          </a:p>
-          <a:p>
-            <a:pPr lvl="1"/>
-            <a:r>
-              <a:rPr lang="en-US" altLang="en-US" dirty="0"/>
-              <a:t>Include the destructor in the class</a:t>
-            </a:r>
-          </a:p>
-          <a:p>
-            <a:pPr lvl="1"/>
-            <a:r>
-              <a:rPr lang="en-US" altLang="en-US" dirty="0"/>
-              <a:t>Overload the assignment operator for the class</a:t>
-            </a:r>
-          </a:p>
-          <a:p>
-            <a:pPr lvl="1"/>
-            <a:r>
-              <a:rPr lang="en-US" altLang="en-US" dirty="0"/>
-              <a:t>Include the copy constructor</a:t>
-            </a:r>
-          </a:p>
-          <a:p>
-            <a:pPr eaLnBrk="1" hangingPunct="1"/>
-            <a:endParaRPr lang="en-US" altLang="en-US" dirty="0"/>
-          </a:p>
-          <a:p>
-            <a:pPr eaLnBrk="1" hangingPunct="1"/>
-            <a:endParaRPr lang="en-US" altLang="en-US" dirty="0"/>
-          </a:p>
-          <a:p>
-            <a:pPr eaLnBrk="1" hangingPunct="1"/>
-            <a:endParaRPr lang="en-US" altLang="en-US" dirty="0"/>
-          </a:p>
-        </p:txBody>
-      </p:sp>
-      <p:pic>
-        <p:nvPicPr>
-          <p:cNvPr id="33799" name="Picture 7" descr="className(const className&amp; otherObject);"/>
-          <p:cNvPicPr>
-            <a:picLocks noChangeAspect="1" noChangeArrowheads="1"/>
-          </p:cNvPicPr>
-          <p:nvPr/>
-        </p:nvPicPr>
-        <p:blipFill>
-          <a:blip r:embed="rId3">
-            <a:extLst>
-              <a:ext uri="{28A0092B-C50C-407E-A947-70E740481C1C}">
-                <a14:useLocalDpi xmlns:a14="http://schemas.microsoft.com/office/drawing/2010/main" val="0"/>
-              </a:ext>
-            </a:extLst>
-          </a:blip>
-          <a:srcRect/>
-          <a:stretch>
-            <a:fillRect/>
-          </a:stretch>
-        </p:blipFill>
-        <p:spPr bwMode="auto">
-          <a:xfrm>
-            <a:off x="3048000" y="2324100"/>
-            <a:ext cx="5295900" cy="495300"/>
-          </a:xfrm>
-          <a:prstGeom prst="rect">
-            <a:avLst/>
-          </a:prstGeom>
-          <a:noFill/>
-          <a:ln>
-            <a:noFill/>
-          </a:ln>
-          <a:extLst>
-            <a:ext uri="{909E8E84-426E-40DD-AFC4-6F175D3DCCD1}">
-              <a14:hiddenFill xmlns:a14="http://schemas.microsoft.com/office/drawing/2010/main">
-                <a:solidFill>
-                  <a:schemeClr val="accent1"/>
-                </a:solidFill>
-              </a14:hiddenFill>
-            </a:ext>
-            <a:ext uri="{91240B29-F687-4F45-9708-019B960494DF}">
-              <a14:hiddenLine xmlns:a14="http://schemas.microsoft.com/office/drawing/2010/main" w="9525" cap="flat" cmpd="sng">
-                <a:solidFill>
-                  <a:schemeClr val="tx1"/>
-                </a:solidFill>
-                <a:prstDash val="solid"/>
-                <a:miter lim="800000"/>
-                <a:headEnd type="none" w="med" len="med"/>
-                <a:tailEnd type="none" w="med" len="med"/>
-              </a14:hiddenLine>
-            </a:ext>
-          </a:extLst>
-        </p:spPr>
-      </p:pic>
-    </p:spTree>
-    <p:extLst>
-      <p:ext uri="{BB962C8B-B14F-4D97-AF65-F5344CB8AC3E}">
-        <p14:creationId xmlns:p14="http://schemas.microsoft.com/office/powerpoint/2010/main" val="3991632354"/>
-      </p:ext>
-    </p:extLst>
-  </p:cSld>
-  <p:clrMapOvr>
-    <a:masterClrMapping/>
-  </p:clrMapOvr>
-  <p:transition spd="slow">
-    <p:wipe/>
-  </p:transition>
-</p:sld>
-</file>
-
-<file path=ppt/slides/slide66.xml><?xml version="1.0" encoding="utf-8"?>
-<p:sld xmlns:a="http://schemas.openxmlformats.org/drawingml/2006/main" xmlns:r="http://schemas.openxmlformats.org/officeDocument/2006/relationships" xmlns:p="http://schemas.openxmlformats.org/presentationml/2006/main">
-  <p:cSld>
-    <p:spTree>
-      <p:nvGrpSpPr>
-        <p:cNvPr id="1" name=""/>
-        <p:cNvGrpSpPr/>
-        <p:nvPr/>
-      </p:nvGrpSpPr>
-      <p:grpSpPr>
-        <a:xfrm>
-          <a:off x="0" y="0"/>
-          <a:ext cx="0" cy="0"/>
-          <a:chOff x="0" y="0"/>
-          <a:chExt cx="0" cy="0"/>
-        </a:xfrm>
-      </p:grpSpPr>
-      <p:sp>
-        <p:nvSpPr>
-          <p:cNvPr id="34818" name="Rectangle 2"/>
-          <p:cNvSpPr>
-            <a:spLocks noGrp="1" noChangeArrowheads="1"/>
-          </p:cNvSpPr>
-          <p:nvPr>
-            <p:ph type="title"/>
-          </p:nvPr>
-        </p:nvSpPr>
-        <p:spPr/>
-        <p:txBody>
-          <a:bodyPr/>
-          <a:lstStyle/>
-          <a:p>
-            <a:pPr eaLnBrk="1" hangingPunct="1"/>
-            <a:r>
-              <a:rPr lang="en-US" altLang="en-US" dirty="0"/>
-              <a:t>Inheritance, Pointers, and Virtual Functions </a:t>
-            </a:r>
-          </a:p>
-        </p:txBody>
-      </p:sp>
-      <p:sp>
-        <p:nvSpPr>
-          <p:cNvPr id="34819" name="Rectangle 3"/>
-          <p:cNvSpPr>
-            <a:spLocks noGrp="1" noChangeArrowheads="1"/>
-          </p:cNvSpPr>
-          <p:nvPr>
-            <p:ph idx="1"/>
-          </p:nvPr>
-        </p:nvSpPr>
-        <p:spPr/>
-        <p:txBody>
-          <a:bodyPr/>
-          <a:lstStyle/>
-          <a:p>
-            <a:pPr eaLnBrk="1" hangingPunct="1"/>
-            <a:r>
-              <a:rPr lang="en-US" altLang="en-US" dirty="0"/>
-              <a:t>Can pass an object of a derived class to a formal parameter of the base class type</a:t>
-            </a:r>
-          </a:p>
-          <a:p>
-            <a:pPr eaLnBrk="1" hangingPunct="1"/>
-            <a:r>
-              <a:rPr lang="en-US" altLang="en-US" u="sng" dirty="0"/>
-              <a:t>Compile-time binding</a:t>
-            </a:r>
-            <a:r>
-              <a:rPr lang="en-US" altLang="en-US" dirty="0"/>
-              <a:t>: the necessary code to call specific function is generated by compiler</a:t>
-            </a:r>
-          </a:p>
-          <a:p>
-            <a:pPr lvl="1" eaLnBrk="1" hangingPunct="1"/>
-            <a:r>
-              <a:rPr lang="en-US" altLang="en-US" dirty="0"/>
-              <a:t>Also known as </a:t>
-            </a:r>
-            <a:r>
-              <a:rPr lang="en-US" altLang="en-US" u="sng" dirty="0"/>
-              <a:t>static binding</a:t>
-            </a:r>
-            <a:r>
-              <a:rPr lang="en-US" altLang="en-US" dirty="0"/>
-              <a:t> or</a:t>
-            </a:r>
-            <a:r>
-              <a:rPr lang="en-US" altLang="en-US" b="1" dirty="0"/>
-              <a:t> </a:t>
-            </a:r>
-            <a:r>
-              <a:rPr lang="en-US" altLang="en-US" u="sng" dirty="0"/>
-              <a:t>early binding</a:t>
-            </a:r>
-          </a:p>
-          <a:p>
-            <a:pPr eaLnBrk="1" hangingPunct="1"/>
-            <a:r>
-              <a:rPr lang="en-US" altLang="en-US" u="sng" dirty="0"/>
-              <a:t>Virtual function</a:t>
-            </a:r>
-            <a:r>
-              <a:rPr lang="en-US" altLang="en-US" dirty="0"/>
-              <a:t>: binding occurs at program execution time, not at compile time</a:t>
-            </a:r>
-          </a:p>
-          <a:p>
-            <a:pPr lvl="1" eaLnBrk="1" hangingPunct="1"/>
-            <a:r>
-              <a:rPr lang="en-US" altLang="en-US" dirty="0"/>
-              <a:t>Declared with reserved word </a:t>
-            </a:r>
-            <a:r>
-              <a:rPr lang="en-US" altLang="en-US" b="1" dirty="0">
-                <a:solidFill>
-                  <a:srgbClr val="638DAD"/>
-                </a:solidFill>
-                <a:latin typeface="Courier New" pitchFamily="49" charset="0"/>
-                <a:cs typeface="Courier New" pitchFamily="49" charset="0"/>
-              </a:rPr>
-              <a:t>virtual</a:t>
-            </a:r>
-          </a:p>
-        </p:txBody>
-      </p:sp>
-    </p:spTree>
-    <p:extLst>
-      <p:ext uri="{BB962C8B-B14F-4D97-AF65-F5344CB8AC3E}">
-        <p14:creationId xmlns:p14="http://schemas.microsoft.com/office/powerpoint/2010/main" val="807137030"/>
-      </p:ext>
-    </p:extLst>
-  </p:cSld>
-  <p:clrMapOvr>
-    <a:masterClrMapping/>
-  </p:clrMapOvr>
-  <p:transition spd="slow">
-    <p:wipe/>
-  </p:transition>
-</p:sld>
-</file>
-
-<file path=ppt/slides/slide67.xml><?xml version="1.0" encoding="utf-8"?>
-<p:sld xmlns:a="http://schemas.openxmlformats.org/drawingml/2006/main" xmlns:r="http://schemas.openxmlformats.org/officeDocument/2006/relationships" xmlns:p="http://schemas.openxmlformats.org/presentationml/2006/main">
-  <p:cSld>
-    <p:spTree>
-      <p:nvGrpSpPr>
-        <p:cNvPr id="1" name=""/>
-        <p:cNvGrpSpPr/>
-        <p:nvPr/>
-      </p:nvGrpSpPr>
-      <p:grpSpPr>
-        <a:xfrm>
-          <a:off x="0" y="0"/>
-          <a:ext cx="0" cy="0"/>
-          <a:chOff x="0" y="0"/>
-          <a:chExt cx="0" cy="0"/>
-        </a:xfrm>
-      </p:grpSpPr>
-      <p:sp>
-        <p:nvSpPr>
-          <p:cNvPr id="35842" name="Rectangle 2"/>
-          <p:cNvSpPr>
-            <a:spLocks noGrp="1" noChangeArrowheads="1"/>
-          </p:cNvSpPr>
-          <p:nvPr>
-            <p:ph type="title"/>
-          </p:nvPr>
-        </p:nvSpPr>
-        <p:spPr/>
-        <p:txBody>
-          <a:bodyPr/>
-          <a:lstStyle/>
-          <a:p>
-            <a:pPr eaLnBrk="1" hangingPunct="1"/>
-            <a:r>
-              <a:rPr lang="en-US" altLang="en-US" dirty="0"/>
-              <a:t>Inheritance, Pointers, and Virtual Functions </a:t>
-            </a:r>
-          </a:p>
-        </p:txBody>
-      </p:sp>
-      <p:sp>
-        <p:nvSpPr>
-          <p:cNvPr id="35843" name="Rectangle 3"/>
-          <p:cNvSpPr>
-            <a:spLocks noGrp="1" noChangeArrowheads="1"/>
-          </p:cNvSpPr>
-          <p:nvPr>
-            <p:ph idx="1"/>
-          </p:nvPr>
-        </p:nvSpPr>
-        <p:spPr/>
-        <p:txBody>
-          <a:bodyPr/>
-          <a:lstStyle/>
-          <a:p>
-            <a:pPr eaLnBrk="1" hangingPunct="1">
-              <a:lnSpc>
-                <a:spcPct val="98000"/>
-              </a:lnSpc>
-              <a:spcBef>
-                <a:spcPct val="18000"/>
-              </a:spcBef>
-            </a:pPr>
-            <a:r>
-              <a:rPr lang="en-US" altLang="en-US" u="sng" dirty="0"/>
-              <a:t>Run-time binding</a:t>
-            </a:r>
-            <a:r>
-              <a:rPr lang="en-US" altLang="en-US" dirty="0"/>
-              <a:t>: </a:t>
-            </a:r>
-          </a:p>
-          <a:p>
-            <a:pPr lvl="1" eaLnBrk="1" hangingPunct="1">
-              <a:lnSpc>
-                <a:spcPct val="98000"/>
-              </a:lnSpc>
-              <a:spcBef>
-                <a:spcPct val="18000"/>
-              </a:spcBef>
-            </a:pPr>
-            <a:r>
-              <a:rPr lang="en-US" altLang="en-US" dirty="0"/>
-              <a:t>Compiler does not generate code to call a specific function: it generates information to enable run-time system to generate specific code for the function call</a:t>
-            </a:r>
-          </a:p>
-          <a:p>
-            <a:pPr lvl="1">
-              <a:lnSpc>
-                <a:spcPct val="98000"/>
-              </a:lnSpc>
-              <a:spcBef>
-                <a:spcPct val="18000"/>
-              </a:spcBef>
-            </a:pPr>
-            <a:r>
-              <a:rPr lang="en-US" altLang="en-US" dirty="0"/>
-              <a:t>Also known as </a:t>
-            </a:r>
-            <a:r>
-              <a:rPr lang="en-US" altLang="en-US" u="sng" dirty="0"/>
-              <a:t>late binding</a:t>
-            </a:r>
-            <a:r>
-              <a:rPr lang="en-US" altLang="en-US" dirty="0"/>
-              <a:t> or </a:t>
-            </a:r>
-            <a:r>
-              <a:rPr lang="en-US" altLang="en-US" u="sng" dirty="0"/>
-              <a:t>dynamic binding</a:t>
-            </a:r>
-          </a:p>
-          <a:p>
-            <a:pPr eaLnBrk="1" hangingPunct="1">
-              <a:lnSpc>
-                <a:spcPct val="98000"/>
-              </a:lnSpc>
-              <a:spcBef>
-                <a:spcPct val="18000"/>
-              </a:spcBef>
-            </a:pPr>
-            <a:r>
-              <a:rPr lang="en-US" altLang="en-US" dirty="0"/>
-              <a:t>Note: cannot pass an object of base class type to a formal parameter of the derived class type</a:t>
-            </a:r>
-          </a:p>
-        </p:txBody>
-      </p:sp>
-    </p:spTree>
-    <p:extLst>
-      <p:ext uri="{BB962C8B-B14F-4D97-AF65-F5344CB8AC3E}">
-        <p14:creationId xmlns:p14="http://schemas.microsoft.com/office/powerpoint/2010/main" val="2422453478"/>
-      </p:ext>
-    </p:extLst>
-  </p:cSld>
-  <p:clrMapOvr>
-    <a:masterClrMapping/>
-  </p:clrMapOvr>
-  <p:transition spd="slow">
-    <p:wipe/>
-  </p:transition>
-</p:sld>
-</file>
-
-<file path=ppt/slides/slide68.xml><?xml version="1.0" encoding="utf-8"?>
-<p:sld xmlns:a="http://schemas.openxmlformats.org/drawingml/2006/main" xmlns:r="http://schemas.openxmlformats.org/officeDocument/2006/relationships" xmlns:p="http://schemas.openxmlformats.org/presentationml/2006/main">
-  <p:cSld>
-    <p:spTree>
-      <p:nvGrpSpPr>
-        <p:cNvPr id="1" name=""/>
-        <p:cNvGrpSpPr/>
-        <p:nvPr/>
-      </p:nvGrpSpPr>
-      <p:grpSpPr>
-        <a:xfrm>
-          <a:off x="0" y="0"/>
-          <a:ext cx="0" cy="0"/>
-          <a:chOff x="0" y="0"/>
-          <a:chExt cx="0" cy="0"/>
-        </a:xfrm>
-      </p:grpSpPr>
-      <p:sp>
-        <p:nvSpPr>
-          <p:cNvPr id="36866" name="Rectangle 2"/>
-          <p:cNvSpPr>
-            <a:spLocks noGrp="1" noChangeArrowheads="1"/>
-          </p:cNvSpPr>
-          <p:nvPr>
-            <p:ph type="title"/>
-          </p:nvPr>
-        </p:nvSpPr>
-        <p:spPr/>
-        <p:txBody>
-          <a:bodyPr/>
-          <a:lstStyle/>
-          <a:p>
-            <a:pPr eaLnBrk="1" hangingPunct="1"/>
-            <a:r>
-              <a:rPr lang="en-US" altLang="en-US" dirty="0"/>
-              <a:t>Inheritance, Pointers, and Virtual Functions (3 of 3)</a:t>
-            </a:r>
-          </a:p>
-        </p:txBody>
-      </p:sp>
-      <p:sp>
-        <p:nvSpPr>
-          <p:cNvPr id="36867" name="Rectangle 3"/>
-          <p:cNvSpPr>
-            <a:spLocks noGrp="1" noChangeArrowheads="1"/>
-          </p:cNvSpPr>
-          <p:nvPr>
-            <p:ph idx="1"/>
-          </p:nvPr>
-        </p:nvSpPr>
-        <p:spPr/>
-        <p:txBody>
-          <a:bodyPr/>
-          <a:lstStyle/>
-          <a:p>
-            <a:pPr eaLnBrk="1" hangingPunct="1">
-              <a:lnSpc>
-                <a:spcPct val="98000"/>
-              </a:lnSpc>
-              <a:spcBef>
-                <a:spcPct val="18000"/>
-              </a:spcBef>
-            </a:pPr>
-            <a:r>
-              <a:rPr lang="en-US" altLang="en-US" dirty="0" smtClean="0"/>
-              <a:t>Values of a derived class object can be copied into a base class object</a:t>
-            </a:r>
-          </a:p>
-          <a:p>
-            <a:pPr eaLnBrk="1" hangingPunct="1">
-              <a:lnSpc>
-                <a:spcPct val="98000"/>
-              </a:lnSpc>
-              <a:spcBef>
-                <a:spcPct val="18000"/>
-              </a:spcBef>
-            </a:pPr>
-            <a:r>
-              <a:rPr lang="en-US" altLang="en-US" u="sng" dirty="0" smtClean="0"/>
-              <a:t>Slicing problem</a:t>
-            </a:r>
-            <a:r>
-              <a:rPr lang="en-US" altLang="en-US" dirty="0" smtClean="0"/>
-              <a:t>: if derived class has more data members than base class, some data could be lost</a:t>
-            </a:r>
-          </a:p>
-          <a:p>
-            <a:pPr eaLnBrk="1" hangingPunct="1">
-              <a:lnSpc>
-                <a:spcPct val="98000"/>
-              </a:lnSpc>
-              <a:spcBef>
-                <a:spcPct val="18000"/>
-              </a:spcBef>
-            </a:pPr>
-            <a:r>
-              <a:rPr lang="en-US" altLang="en-US" dirty="0" smtClean="0"/>
-              <a:t>Solution: use pointers for both base and derived class objects</a:t>
-            </a:r>
-            <a:endParaRPr lang="en-US" altLang="en-US" dirty="0"/>
-          </a:p>
-        </p:txBody>
-      </p:sp>
-    </p:spTree>
-    <p:extLst>
-      <p:ext uri="{BB962C8B-B14F-4D97-AF65-F5344CB8AC3E}">
-        <p14:creationId xmlns:p14="http://schemas.microsoft.com/office/powerpoint/2010/main" val="2595591955"/>
-      </p:ext>
-    </p:extLst>
-  </p:cSld>
-  <p:clrMapOvr>
-    <a:masterClrMapping/>
-  </p:clrMapOvr>
-  <p:transition spd="slow">
-    <p:wipe/>
-  </p:transition>
-</p:sld>
-</file>
-
-<file path=ppt/slides/slide69.xml><?xml version="1.0" encoding="utf-8"?>
-<p:sld xmlns:a="http://schemas.openxmlformats.org/drawingml/2006/main" xmlns:r="http://schemas.openxmlformats.org/officeDocument/2006/relationships" xmlns:p="http://schemas.openxmlformats.org/presentationml/2006/main">
-  <p:cSld>
-    <p:spTree>
-      <p:nvGrpSpPr>
-        <p:cNvPr id="1" name=""/>
-        <p:cNvGrpSpPr/>
-        <p:nvPr/>
-      </p:nvGrpSpPr>
-      <p:grpSpPr>
-        <a:xfrm>
-          <a:off x="0" y="0"/>
-          <a:ext cx="0" cy="0"/>
-          <a:chOff x="0" y="0"/>
-          <a:chExt cx="0" cy="0"/>
-        </a:xfrm>
-      </p:grpSpPr>
-      <p:sp>
-        <p:nvSpPr>
-          <p:cNvPr id="37890" name="Rectangle 2"/>
-          <p:cNvSpPr>
-            <a:spLocks noGrp="1" noChangeArrowheads="1"/>
-          </p:cNvSpPr>
-          <p:nvPr>
-            <p:ph type="title"/>
-          </p:nvPr>
-        </p:nvSpPr>
-        <p:spPr/>
-        <p:txBody>
-          <a:bodyPr/>
-          <a:lstStyle/>
-          <a:p>
-            <a:r>
-              <a:rPr lang="en-US" altLang="en-US" dirty="0"/>
-              <a:t>Classes and Virtual Destructors (1 of 2)</a:t>
-            </a:r>
-          </a:p>
-        </p:txBody>
-      </p:sp>
-      <p:sp>
-        <p:nvSpPr>
-          <p:cNvPr id="57349" name="Rectangle 3"/>
-          <p:cNvSpPr>
-            <a:spLocks noGrp="1" noChangeArrowheads="1"/>
-          </p:cNvSpPr>
-          <p:nvPr>
-            <p:ph idx="1"/>
-          </p:nvPr>
-        </p:nvSpPr>
-        <p:spPr/>
-        <p:txBody>
-          <a:bodyPr/>
-          <a:lstStyle/>
-          <a:p>
-            <a:r>
-              <a:rPr lang="en-US" dirty="0"/>
-              <a:t>Classes with pointer member variables should have the destructor</a:t>
-            </a:r>
-          </a:p>
-          <a:p>
-            <a:pPr lvl="1"/>
-            <a:r>
-              <a:rPr lang="en-US" dirty="0"/>
-              <a:t>Destructor should deallocate storage for dynamic objects</a:t>
-            </a:r>
-          </a:p>
-          <a:p>
-            <a:r>
-              <a:rPr lang="en-US" dirty="0"/>
-              <a:t>If a derived class object is passed to a formal parameter of the base class type, destructor of the base class executes</a:t>
-            </a:r>
-          </a:p>
-          <a:p>
-            <a:pPr lvl="1"/>
-            <a:r>
-              <a:rPr lang="en-US" dirty="0"/>
-              <a:t>Regardless of whether object is passed by reference or by value</a:t>
-            </a:r>
-          </a:p>
-          <a:p>
-            <a:r>
-              <a:rPr lang="en-US" dirty="0"/>
-              <a:t>Solution: use a </a:t>
-            </a:r>
-            <a:r>
-              <a:rPr lang="en-US" u="sng" dirty="0"/>
-              <a:t>virtual destructor</a:t>
-            </a:r>
-            <a:r>
-              <a:rPr lang="en-US" dirty="0"/>
-              <a:t> (base class)</a:t>
-            </a:r>
-          </a:p>
-        </p:txBody>
-      </p:sp>
-    </p:spTree>
-    <p:extLst>
-      <p:ext uri="{BB962C8B-B14F-4D97-AF65-F5344CB8AC3E}">
-        <p14:creationId xmlns:p14="http://schemas.microsoft.com/office/powerpoint/2010/main" val="2913118229"/>
-      </p:ext>
-    </p:extLst>
-  </p:cSld>
-  <p:clrMapOvr>
-    <a:masterClrMapping/>
-  </p:clrMapOvr>
-  <p:transition spd="slow">
-    <p:wipe/>
-  </p:transition>
-</p:sld>
-</file>
-
 <file path=ppt/slides/slide7.xml><?xml version="1.0" encoding="utf-8"?>
 <p:sld xmlns:a="http://schemas.openxmlformats.org/drawingml/2006/main" xmlns:r="http://schemas.openxmlformats.org/officeDocument/2006/relationships" xmlns:p="http://schemas.openxmlformats.org/presentationml/2006/main">
   <p:cSld>
@@ -36139,1483 +29969,6 @@
 </p:sld>
 </file>
 
-<file path=ppt/slides/slide70.xml><?xml version="1.0" encoding="utf-8"?>
-<p:sld xmlns:a="http://schemas.openxmlformats.org/drawingml/2006/main" xmlns:r="http://schemas.openxmlformats.org/officeDocument/2006/relationships" xmlns:p="http://schemas.openxmlformats.org/presentationml/2006/main">
-  <p:cSld>
-    <p:spTree>
-      <p:nvGrpSpPr>
-        <p:cNvPr id="1" name=""/>
-        <p:cNvGrpSpPr/>
-        <p:nvPr/>
-      </p:nvGrpSpPr>
-      <p:grpSpPr>
-        <a:xfrm>
-          <a:off x="0" y="0"/>
-          <a:ext cx="0" cy="0"/>
-          <a:chOff x="0" y="0"/>
-          <a:chExt cx="0" cy="0"/>
-        </a:xfrm>
-      </p:grpSpPr>
-      <p:sp>
-        <p:nvSpPr>
-          <p:cNvPr id="38914" name="Rectangle 2"/>
-          <p:cNvSpPr>
-            <a:spLocks noGrp="1" noChangeArrowheads="1"/>
-          </p:cNvSpPr>
-          <p:nvPr>
-            <p:ph type="title"/>
-          </p:nvPr>
-        </p:nvSpPr>
-        <p:spPr/>
-        <p:txBody>
-          <a:bodyPr/>
-          <a:lstStyle/>
-          <a:p>
-            <a:pPr eaLnBrk="1" hangingPunct="1"/>
-            <a:r>
-              <a:rPr lang="en-US" altLang="en-US" dirty="0"/>
-              <a:t>Classes and Virtual Destructors (2 of 2)</a:t>
-            </a:r>
-          </a:p>
-        </p:txBody>
-      </p:sp>
-      <p:sp>
-        <p:nvSpPr>
-          <p:cNvPr id="38915" name="Rectangle 3"/>
-          <p:cNvSpPr>
-            <a:spLocks noGrp="1" noChangeArrowheads="1"/>
-          </p:cNvSpPr>
-          <p:nvPr>
-            <p:ph idx="1"/>
-          </p:nvPr>
-        </p:nvSpPr>
-        <p:spPr/>
-        <p:txBody>
-          <a:bodyPr/>
-          <a:lstStyle/>
-          <a:p>
-            <a:pPr eaLnBrk="1" hangingPunct="1"/>
-            <a:r>
-              <a:rPr lang="en-US" altLang="en-US" u="sng" dirty="0"/>
-              <a:t>Virtual destructor</a:t>
-            </a:r>
-            <a:r>
-              <a:rPr lang="en-US" altLang="en-US" dirty="0"/>
-              <a:t> of a base class automatically makes the destructor of a derived class virtual</a:t>
-            </a:r>
-          </a:p>
-          <a:p>
-            <a:pPr lvl="1" eaLnBrk="1" hangingPunct="1"/>
-            <a:r>
-              <a:rPr lang="en-US" altLang="en-US" dirty="0"/>
-              <a:t>After executing the destructor of the derived class, the destructor of the base class executes</a:t>
-            </a:r>
-          </a:p>
-          <a:p>
-            <a:pPr eaLnBrk="1" hangingPunct="1"/>
-            <a:r>
-              <a:rPr lang="en-US" altLang="en-US" dirty="0"/>
-              <a:t>If a base class contains virtual functions, make the destructor of the base class virtual</a:t>
-            </a:r>
-          </a:p>
-        </p:txBody>
-      </p:sp>
-    </p:spTree>
-    <p:extLst>
-      <p:ext uri="{BB962C8B-B14F-4D97-AF65-F5344CB8AC3E}">
-        <p14:creationId xmlns:p14="http://schemas.microsoft.com/office/powerpoint/2010/main" val="1075693381"/>
-      </p:ext>
-    </p:extLst>
-  </p:cSld>
-  <p:clrMapOvr>
-    <a:masterClrMapping/>
-  </p:clrMapOvr>
-  <p:transition spd="slow">
-    <p:wipe/>
-  </p:transition>
-</p:sld>
-</file>
-
-<file path=ppt/slides/slide71.xml><?xml version="1.0" encoding="utf-8"?>
-<p:sld xmlns:a="http://schemas.openxmlformats.org/drawingml/2006/main" xmlns:r="http://schemas.openxmlformats.org/officeDocument/2006/relationships" xmlns:p="http://schemas.openxmlformats.org/presentationml/2006/main">
-  <p:cSld>
-    <p:spTree>
-      <p:nvGrpSpPr>
-        <p:cNvPr id="1" name=""/>
-        <p:cNvGrpSpPr/>
-        <p:nvPr/>
-      </p:nvGrpSpPr>
-      <p:grpSpPr>
-        <a:xfrm>
-          <a:off x="0" y="0"/>
-          <a:ext cx="0" cy="0"/>
-          <a:chOff x="0" y="0"/>
-          <a:chExt cx="0" cy="0"/>
-        </a:xfrm>
-      </p:grpSpPr>
-      <p:sp>
-        <p:nvSpPr>
-          <p:cNvPr id="39938" name="Rectangle 2"/>
-          <p:cNvSpPr>
-            <a:spLocks noGrp="1" noChangeArrowheads="1"/>
-          </p:cNvSpPr>
-          <p:nvPr>
-            <p:ph type="title"/>
-          </p:nvPr>
-        </p:nvSpPr>
-        <p:spPr/>
-        <p:txBody>
-          <a:bodyPr/>
-          <a:lstStyle/>
-          <a:p>
-            <a:r>
-              <a:rPr lang="en-US" altLang="en-US" dirty="0"/>
-              <a:t>Abstract Classes and Pure Virtual Functions (1 of 2)</a:t>
-            </a:r>
-          </a:p>
-        </p:txBody>
-      </p:sp>
-      <p:sp>
-        <p:nvSpPr>
-          <p:cNvPr id="59397" name="Rectangle 3"/>
-          <p:cNvSpPr>
-            <a:spLocks noGrp="1" noChangeArrowheads="1"/>
-          </p:cNvSpPr>
-          <p:nvPr>
-            <p:ph idx="1"/>
-          </p:nvPr>
-        </p:nvSpPr>
-        <p:spPr/>
-        <p:txBody>
-          <a:bodyPr/>
-          <a:lstStyle/>
-          <a:p>
-            <a:r>
-              <a:rPr lang="en-US" dirty="0"/>
-              <a:t>New classes can be derived through inheritance without designing them from scratch</a:t>
-            </a:r>
-          </a:p>
-          <a:p>
-            <a:r>
-              <a:rPr lang="en-US" dirty="0"/>
-              <a:t>Derived classes:</a:t>
-            </a:r>
-          </a:p>
-          <a:p>
-            <a:pPr lvl="1"/>
-            <a:r>
-              <a:rPr lang="en-US" dirty="0"/>
-              <a:t>Inherit existing members of base class</a:t>
-            </a:r>
-          </a:p>
-          <a:p>
-            <a:pPr lvl="1"/>
-            <a:r>
-              <a:rPr lang="en-US" dirty="0"/>
-              <a:t>Can add their own members</a:t>
-            </a:r>
-          </a:p>
-          <a:p>
-            <a:pPr lvl="1"/>
-            <a:r>
-              <a:rPr lang="en-US" dirty="0"/>
-              <a:t>Can redefine or override public and protected member functions</a:t>
-            </a:r>
-          </a:p>
-          <a:p>
-            <a:r>
-              <a:rPr lang="en-US" dirty="0"/>
-              <a:t>Base class can contain functions that you would want each derived class to implement</a:t>
-            </a:r>
-          </a:p>
-          <a:p>
-            <a:pPr lvl="1"/>
-            <a:r>
-              <a:rPr lang="en-US" dirty="0"/>
-              <a:t>However, base class may contain functions that may not have meaningful definitions in the base class</a:t>
-            </a:r>
-          </a:p>
-        </p:txBody>
-      </p:sp>
-    </p:spTree>
-    <p:extLst>
-      <p:ext uri="{BB962C8B-B14F-4D97-AF65-F5344CB8AC3E}">
-        <p14:creationId xmlns:p14="http://schemas.microsoft.com/office/powerpoint/2010/main" val="1303761956"/>
-      </p:ext>
-    </p:extLst>
-  </p:cSld>
-  <p:clrMapOvr>
-    <a:masterClrMapping/>
-  </p:clrMapOvr>
-  <p:transition spd="slow">
-    <p:wipe/>
-  </p:transition>
-</p:sld>
-</file>
-
-<file path=ppt/slides/slide72.xml><?xml version="1.0" encoding="utf-8"?>
-<p:sld xmlns:a="http://schemas.openxmlformats.org/drawingml/2006/main" xmlns:r="http://schemas.openxmlformats.org/officeDocument/2006/relationships" xmlns:p="http://schemas.openxmlformats.org/presentationml/2006/main">
-  <p:cSld>
-    <p:spTree>
-      <p:nvGrpSpPr>
-        <p:cNvPr id="1" name=""/>
-        <p:cNvGrpSpPr/>
-        <p:nvPr/>
-      </p:nvGrpSpPr>
-      <p:grpSpPr>
-        <a:xfrm>
-          <a:off x="0" y="0"/>
-          <a:ext cx="0" cy="0"/>
-          <a:chOff x="0" y="0"/>
-          <a:chExt cx="0" cy="0"/>
-        </a:xfrm>
-      </p:grpSpPr>
-      <p:sp>
-        <p:nvSpPr>
-          <p:cNvPr id="40962" name="Rectangle 2"/>
-          <p:cNvSpPr>
-            <a:spLocks noGrp="1" noChangeArrowheads="1"/>
-          </p:cNvSpPr>
-          <p:nvPr>
-            <p:ph type="title"/>
-          </p:nvPr>
-        </p:nvSpPr>
-        <p:spPr/>
-        <p:txBody>
-          <a:bodyPr/>
-          <a:lstStyle/>
-          <a:p>
-            <a:pPr eaLnBrk="1" hangingPunct="1"/>
-            <a:r>
-              <a:rPr lang="en-US" altLang="en-US" dirty="0"/>
-              <a:t>Abstract Classes and Pure Virtual Functions (2 of 2)</a:t>
-            </a:r>
-          </a:p>
-        </p:txBody>
-      </p:sp>
-      <p:sp>
-        <p:nvSpPr>
-          <p:cNvPr id="40963" name="Rectangle 3"/>
-          <p:cNvSpPr>
-            <a:spLocks noGrp="1" noChangeArrowheads="1"/>
-          </p:cNvSpPr>
-          <p:nvPr>
-            <p:ph idx="1"/>
-          </p:nvPr>
-        </p:nvSpPr>
-        <p:spPr/>
-        <p:txBody>
-          <a:bodyPr/>
-          <a:lstStyle/>
-          <a:p>
-            <a:pPr eaLnBrk="1" hangingPunct="1"/>
-            <a:r>
-              <a:rPr lang="en-US" altLang="en-US" u="sng" dirty="0"/>
-              <a:t>Pure virtual functions</a:t>
-            </a:r>
-            <a:r>
-              <a:rPr lang="en-US" altLang="en-US" dirty="0"/>
-              <a:t> do not have definitions (bodies have no code)</a:t>
-            </a:r>
-          </a:p>
-          <a:p>
-            <a:pPr eaLnBrk="1" hangingPunct="1"/>
-            <a:r>
-              <a:rPr lang="en-US" altLang="en-US" dirty="0"/>
-              <a:t>Example:  </a:t>
-            </a:r>
-          </a:p>
-          <a:p>
-            <a:pPr marL="347663" indent="0" eaLnBrk="1" hangingPunct="1">
-              <a:buNone/>
-            </a:pPr>
-            <a:r>
-              <a:rPr lang="en-US" altLang="en-US" b="1" dirty="0">
-                <a:solidFill>
-                  <a:srgbClr val="638DAD"/>
-                </a:solidFill>
-                <a:latin typeface="Courier New" pitchFamily="49" charset="0"/>
-                <a:cs typeface="Courier New" pitchFamily="49" charset="0"/>
-              </a:rPr>
-              <a:t>virtual</a:t>
-            </a:r>
-            <a:r>
-              <a:rPr lang="en-US" altLang="en-US" b="1" dirty="0">
-                <a:latin typeface="Courier New" pitchFamily="49" charset="0"/>
-                <a:cs typeface="Courier New" pitchFamily="49" charset="0"/>
-              </a:rPr>
-              <a:t> </a:t>
-            </a:r>
-            <a:r>
-              <a:rPr lang="en-US" altLang="en-US" b="1" dirty="0">
-                <a:solidFill>
-                  <a:srgbClr val="638DAD"/>
-                </a:solidFill>
-                <a:latin typeface="Courier New" pitchFamily="49" charset="0"/>
-                <a:cs typeface="Courier New" pitchFamily="49" charset="0"/>
-              </a:rPr>
-              <a:t>void</a:t>
-            </a:r>
-            <a:r>
-              <a:rPr lang="en-US" altLang="en-US" b="1" dirty="0">
-                <a:latin typeface="Courier New" pitchFamily="49" charset="0"/>
-                <a:cs typeface="Courier New" pitchFamily="49" charset="0"/>
-              </a:rPr>
-              <a:t> draw() = 0;</a:t>
-            </a:r>
-          </a:p>
-          <a:p>
-            <a:pPr eaLnBrk="1" hangingPunct="1"/>
-            <a:r>
-              <a:rPr lang="en-US" altLang="en-US" dirty="0"/>
-              <a:t>An </a:t>
-            </a:r>
-            <a:r>
-              <a:rPr lang="en-US" altLang="en-US" u="sng" dirty="0"/>
-              <a:t>abstract class</a:t>
-            </a:r>
-            <a:r>
-              <a:rPr lang="en-US" altLang="en-US" dirty="0"/>
-              <a:t> is a class with one or more virtual functions</a:t>
-            </a:r>
-          </a:p>
-          <a:p>
-            <a:pPr lvl="1" eaLnBrk="1" hangingPunct="1"/>
-            <a:r>
-              <a:rPr lang="en-US" altLang="en-US" dirty="0"/>
-              <a:t>It can contain instance variables, constructors, and functions that are not pure virtual</a:t>
-            </a:r>
-          </a:p>
-          <a:p>
-            <a:pPr lvl="1"/>
-            <a:r>
-              <a:rPr lang="en-US" altLang="en-US" dirty="0"/>
-              <a:t>It must provide the definitions of the constructor and functions that are not pure virtual</a:t>
-            </a:r>
-          </a:p>
-          <a:p>
-            <a:pPr eaLnBrk="1" hangingPunct="1"/>
-            <a:endParaRPr lang="en-US" altLang="en-US" dirty="0"/>
-          </a:p>
-        </p:txBody>
-      </p:sp>
-    </p:spTree>
-    <p:extLst>
-      <p:ext uri="{BB962C8B-B14F-4D97-AF65-F5344CB8AC3E}">
-        <p14:creationId xmlns:p14="http://schemas.microsoft.com/office/powerpoint/2010/main" val="2626720076"/>
-      </p:ext>
-    </p:extLst>
-  </p:cSld>
-  <p:clrMapOvr>
-    <a:masterClrMapping/>
-  </p:clrMapOvr>
-  <p:transition spd="slow">
-    <p:wipe/>
-  </p:transition>
-</p:sld>
-</file>
-
-<file path=ppt/slides/slide73.xml><?xml version="1.0" encoding="utf-8"?>
-<p:sld xmlns:a="http://schemas.openxmlformats.org/drawingml/2006/main" xmlns:r="http://schemas.openxmlformats.org/officeDocument/2006/relationships" xmlns:p="http://schemas.openxmlformats.org/presentationml/2006/main">
-  <p:cSld>
-    <p:spTree>
-      <p:nvGrpSpPr>
-        <p:cNvPr id="1" name=""/>
-        <p:cNvGrpSpPr/>
-        <p:nvPr/>
-      </p:nvGrpSpPr>
-      <p:grpSpPr>
-        <a:xfrm>
-          <a:off x="0" y="0"/>
-          <a:ext cx="0" cy="0"/>
-          <a:chOff x="0" y="0"/>
-          <a:chExt cx="0" cy="0"/>
-        </a:xfrm>
-      </p:grpSpPr>
-      <p:sp>
-        <p:nvSpPr>
-          <p:cNvPr id="45058" name="Rectangle 4"/>
-          <p:cNvSpPr>
-            <a:spLocks noGrp="1" noChangeArrowheads="1"/>
-          </p:cNvSpPr>
-          <p:nvPr>
-            <p:ph type="title"/>
-          </p:nvPr>
-        </p:nvSpPr>
-        <p:spPr/>
-        <p:txBody>
-          <a:bodyPr/>
-          <a:lstStyle/>
-          <a:p>
-            <a:r>
-              <a:rPr lang="en-US" altLang="en-US" dirty="0"/>
-              <a:t>Quick </a:t>
-            </a:r>
-            <a:r>
-              <a:rPr lang="en-US" altLang="en-US" dirty="0" smtClean="0"/>
-              <a:t>Review</a:t>
-            </a:r>
-            <a:endParaRPr lang="en-US" altLang="en-US" dirty="0"/>
-          </a:p>
-        </p:txBody>
-      </p:sp>
-      <p:sp>
-        <p:nvSpPr>
-          <p:cNvPr id="45059" name="Rectangle 5"/>
-          <p:cNvSpPr>
-            <a:spLocks noGrp="1" noChangeArrowheads="1"/>
-          </p:cNvSpPr>
-          <p:nvPr>
-            <p:ph idx="1"/>
-          </p:nvPr>
-        </p:nvSpPr>
-        <p:spPr/>
-        <p:txBody>
-          <a:bodyPr/>
-          <a:lstStyle/>
-          <a:p>
-            <a:pPr eaLnBrk="1" hangingPunct="1">
-              <a:spcBef>
-                <a:spcPct val="17000"/>
-              </a:spcBef>
-            </a:pPr>
-            <a:r>
-              <a:rPr lang="en-US" altLang="en-US" dirty="0" smtClean="0"/>
-              <a:t>Binding </a:t>
-            </a:r>
-            <a:r>
-              <a:rPr lang="en-US" altLang="en-US" dirty="0"/>
-              <a:t>of virtual functions occurs at execution time (dynamic or run-time binding</a:t>
-            </a:r>
-            <a:r>
-              <a:rPr lang="en-US" altLang="en-US" dirty="0" smtClean="0"/>
-              <a:t>)</a:t>
-            </a:r>
-          </a:p>
-          <a:p>
-            <a:pPr eaLnBrk="1" hangingPunct="1">
-              <a:spcBef>
-                <a:spcPct val="17000"/>
-              </a:spcBef>
-            </a:pPr>
-            <a:r>
-              <a:rPr lang="en-US" altLang="en-US" dirty="0" smtClean="0"/>
-              <a:t>A list is a collection of elements of the same type. Can be ordered or unordered</a:t>
-            </a:r>
-          </a:p>
-          <a:p>
-            <a:pPr eaLnBrk="1" hangingPunct="1">
-              <a:spcBef>
-                <a:spcPct val="17000"/>
-              </a:spcBef>
-            </a:pPr>
-            <a:r>
-              <a:rPr lang="en-US" altLang="en-US" dirty="0" smtClean="0"/>
-              <a:t>Common set of list operations</a:t>
-            </a:r>
-          </a:p>
-        </p:txBody>
-      </p:sp>
-    </p:spTree>
-    <p:extLst>
-      <p:ext uri="{BB962C8B-B14F-4D97-AF65-F5344CB8AC3E}">
-        <p14:creationId xmlns:p14="http://schemas.microsoft.com/office/powerpoint/2010/main" val="1256039101"/>
-      </p:ext>
-    </p:extLst>
-  </p:cSld>
-  <p:clrMapOvr>
-    <a:masterClrMapping/>
-  </p:clrMapOvr>
-  <p:transition spd="slow">
-    <p:wipe/>
-  </p:transition>
-</p:sld>
-</file>
-
-<file path=ppt/slides/slide74.xml><?xml version="1.0" encoding="utf-8"?>
-<p:sld xmlns:a="http://schemas.openxmlformats.org/drawingml/2006/main" xmlns:r="http://schemas.openxmlformats.org/officeDocument/2006/relationships" xmlns:p="http://schemas.openxmlformats.org/presentationml/2006/main">
-  <p:cSld>
-    <p:spTree>
-      <p:nvGrpSpPr>
-        <p:cNvPr id="1" name=""/>
-        <p:cNvGrpSpPr/>
-        <p:nvPr/>
-      </p:nvGrpSpPr>
-      <p:grpSpPr>
-        <a:xfrm>
-          <a:off x="0" y="0"/>
-          <a:ext cx="0" cy="0"/>
-          <a:chOff x="0" y="0"/>
-          <a:chExt cx="0" cy="0"/>
-        </a:xfrm>
-      </p:grpSpPr>
-      <p:sp>
-        <p:nvSpPr>
-          <p:cNvPr id="3074" name="Title 1"/>
-          <p:cNvSpPr>
-            <a:spLocks noGrp="1"/>
-          </p:cNvSpPr>
-          <p:nvPr>
-            <p:ph type="ctrTitle"/>
-          </p:nvPr>
-        </p:nvSpPr>
-        <p:spPr/>
-        <p:txBody>
-          <a:bodyPr/>
-          <a:lstStyle/>
-          <a:p>
-            <a:r>
-              <a:rPr lang="en-US" altLang="en-US" dirty="0"/>
-              <a:t>Chapter </a:t>
-            </a:r>
-            <a:r>
-              <a:rPr lang="en-US" altLang="en-US" dirty="0" smtClean="0"/>
-              <a:t>14</a:t>
-            </a:r>
-            <a:endParaRPr lang="en-US" altLang="en-US" dirty="0"/>
-          </a:p>
-        </p:txBody>
-      </p:sp>
-      <p:sp>
-        <p:nvSpPr>
-          <p:cNvPr id="6" name="Subtitle 5"/>
-          <p:cNvSpPr>
-            <a:spLocks noGrp="1"/>
-          </p:cNvSpPr>
-          <p:nvPr>
-            <p:ph type="subTitle" idx="1"/>
-          </p:nvPr>
-        </p:nvSpPr>
-        <p:spPr/>
-        <p:txBody>
-          <a:bodyPr/>
-          <a:lstStyle/>
-          <a:p>
-            <a:r>
-              <a:rPr lang="en-US" altLang="en-US" dirty="0"/>
-              <a:t>Exception Handling</a:t>
-            </a:r>
-          </a:p>
-        </p:txBody>
-      </p:sp>
-    </p:spTree>
-    <p:extLst>
-      <p:ext uri="{BB962C8B-B14F-4D97-AF65-F5344CB8AC3E}">
-        <p14:creationId xmlns:p14="http://schemas.microsoft.com/office/powerpoint/2010/main" val="4028373501"/>
-      </p:ext>
-    </p:extLst>
-  </p:cSld>
-  <p:clrMapOvr>
-    <a:masterClrMapping/>
-  </p:clrMapOvr>
-  <p:transition spd="slow">
-    <p:wipe/>
-  </p:transition>
-</p:sld>
-</file>
-
-<file path=ppt/slides/slide75.xml><?xml version="1.0" encoding="utf-8"?>
-<p:sld xmlns:a="http://schemas.openxmlformats.org/drawingml/2006/main" xmlns:r="http://schemas.openxmlformats.org/officeDocument/2006/relationships" xmlns:p="http://schemas.openxmlformats.org/presentationml/2006/main">
-  <p:cSld>
-    <p:spTree>
-      <p:nvGrpSpPr>
-        <p:cNvPr id="1" name=""/>
-        <p:cNvGrpSpPr/>
-        <p:nvPr/>
-      </p:nvGrpSpPr>
-      <p:grpSpPr>
-        <a:xfrm>
-          <a:off x="0" y="0"/>
-          <a:ext cx="0" cy="0"/>
-          <a:chOff x="0" y="0"/>
-          <a:chExt cx="0" cy="0"/>
-        </a:xfrm>
-      </p:grpSpPr>
-      <p:sp>
-        <p:nvSpPr>
-          <p:cNvPr id="4098" name="Rectangle 4"/>
-          <p:cNvSpPr>
-            <a:spLocks noGrp="1" noChangeArrowheads="1"/>
-          </p:cNvSpPr>
-          <p:nvPr>
-            <p:ph type="title"/>
-          </p:nvPr>
-        </p:nvSpPr>
-        <p:spPr/>
-        <p:txBody>
-          <a:bodyPr/>
-          <a:lstStyle/>
-          <a:p>
-            <a:pPr eaLnBrk="1" hangingPunct="1"/>
-            <a:r>
-              <a:rPr lang="en-US" altLang="en-US" dirty="0" smtClean="0"/>
-              <a:t>Objectives</a:t>
-            </a:r>
-            <a:endParaRPr lang="en-US" altLang="en-US" dirty="0"/>
-          </a:p>
-        </p:txBody>
-      </p:sp>
-      <p:sp>
-        <p:nvSpPr>
-          <p:cNvPr id="4099" name="Rectangle 5"/>
-          <p:cNvSpPr>
-            <a:spLocks noGrp="1" noChangeArrowheads="1"/>
-          </p:cNvSpPr>
-          <p:nvPr>
-            <p:ph idx="1"/>
-          </p:nvPr>
-        </p:nvSpPr>
-        <p:spPr/>
-        <p:txBody>
-          <a:bodyPr/>
-          <a:lstStyle/>
-          <a:p>
-            <a:pPr eaLnBrk="1" hangingPunct="1"/>
-            <a:r>
-              <a:rPr lang="en-US" altLang="en-US" dirty="0"/>
-              <a:t>In this chapter, you will:</a:t>
-            </a:r>
-          </a:p>
-          <a:p>
-            <a:pPr lvl="1"/>
-            <a:r>
-              <a:rPr lang="en-US" altLang="en-US" dirty="0"/>
-              <a:t>Learn what an exception is</a:t>
-            </a:r>
-          </a:p>
-          <a:p>
-            <a:pPr lvl="1"/>
-            <a:r>
-              <a:rPr lang="en-US" altLang="en-US" dirty="0"/>
-              <a:t>Learn how to handle exceptions within a program</a:t>
-            </a:r>
-          </a:p>
-          <a:p>
-            <a:pPr lvl="1"/>
-            <a:r>
-              <a:rPr lang="en-US" altLang="en-US" dirty="0"/>
-              <a:t>Learn how a </a:t>
-            </a:r>
-            <a:r>
-              <a:rPr lang="en-US" altLang="en-US" dirty="0">
-                <a:latin typeface="Courier New" pitchFamily="49" charset="0"/>
-                <a:cs typeface="Courier New" pitchFamily="49" charset="0"/>
-              </a:rPr>
-              <a:t>try/catch</a:t>
-            </a:r>
-            <a:r>
-              <a:rPr lang="en-US" altLang="en-US" dirty="0"/>
-              <a:t> block is used to handle exceptions</a:t>
-            </a:r>
-          </a:p>
-          <a:p>
-            <a:pPr lvl="1"/>
-            <a:r>
-              <a:rPr lang="en-US" altLang="en-US" dirty="0"/>
-              <a:t>Learn how to throw an exception</a:t>
-            </a:r>
-          </a:p>
-          <a:p>
-            <a:pPr lvl="1"/>
-            <a:r>
-              <a:rPr lang="en-US" altLang="en-US" dirty="0"/>
-              <a:t>Become familiar with C++ exception classes and how to use them in a </a:t>
-            </a:r>
-            <a:r>
-              <a:rPr lang="en-US" altLang="en-US" dirty="0" smtClean="0"/>
-              <a:t>program</a:t>
-            </a:r>
-          </a:p>
-          <a:p>
-            <a:pPr lvl="1"/>
-            <a:r>
-              <a:rPr lang="en-US" altLang="en-US" dirty="0"/>
-              <a:t>Learn how to create your own exception classes</a:t>
-            </a:r>
-          </a:p>
-          <a:p>
-            <a:pPr lvl="1"/>
-            <a:r>
-              <a:rPr lang="en-US" altLang="en-US" dirty="0"/>
-              <a:t>Discover how to throw and </a:t>
-            </a:r>
-            <a:r>
-              <a:rPr lang="en-US" altLang="en-US" dirty="0" err="1"/>
-              <a:t>rethrow</a:t>
-            </a:r>
-            <a:r>
-              <a:rPr lang="en-US" altLang="en-US" dirty="0"/>
-              <a:t> an exception</a:t>
-            </a:r>
-          </a:p>
-          <a:p>
-            <a:pPr lvl="1"/>
-            <a:r>
-              <a:rPr lang="en-US" altLang="en-US" dirty="0"/>
-              <a:t>Explore exception handling techniques</a:t>
-            </a:r>
-          </a:p>
-          <a:p>
-            <a:pPr lvl="1"/>
-            <a:endParaRPr lang="en-US" altLang="en-US" dirty="0"/>
-          </a:p>
-        </p:txBody>
-      </p:sp>
-    </p:spTree>
-    <p:extLst>
-      <p:ext uri="{BB962C8B-B14F-4D97-AF65-F5344CB8AC3E}">
-        <p14:creationId xmlns:p14="http://schemas.microsoft.com/office/powerpoint/2010/main" val="4234407905"/>
-      </p:ext>
-    </p:extLst>
-  </p:cSld>
-  <p:clrMapOvr>
-    <a:masterClrMapping/>
-  </p:clrMapOvr>
-  <p:transition spd="slow">
-    <p:wipe/>
-  </p:transition>
-</p:sld>
-</file>
-
-<file path=ppt/slides/slide76.xml><?xml version="1.0" encoding="utf-8"?>
-<p:sld xmlns:a="http://schemas.openxmlformats.org/drawingml/2006/main" xmlns:r="http://schemas.openxmlformats.org/officeDocument/2006/relationships" xmlns:p="http://schemas.openxmlformats.org/presentationml/2006/main">
-  <p:cSld>
-    <p:spTree>
-      <p:nvGrpSpPr>
-        <p:cNvPr id="1" name=""/>
-        <p:cNvGrpSpPr/>
-        <p:nvPr/>
-      </p:nvGrpSpPr>
-      <p:grpSpPr>
-        <a:xfrm>
-          <a:off x="0" y="0"/>
-          <a:ext cx="0" cy="0"/>
-          <a:chOff x="0" y="0"/>
-          <a:chExt cx="0" cy="0"/>
-        </a:xfrm>
-      </p:grpSpPr>
-      <p:sp>
-        <p:nvSpPr>
-          <p:cNvPr id="6146" name="Rectangle 2"/>
-          <p:cNvSpPr>
-            <a:spLocks noGrp="1" noChangeArrowheads="1"/>
-          </p:cNvSpPr>
-          <p:nvPr>
-            <p:ph type="title"/>
-          </p:nvPr>
-        </p:nvSpPr>
-        <p:spPr/>
-        <p:txBody>
-          <a:bodyPr/>
-          <a:lstStyle/>
-          <a:p>
-            <a:pPr eaLnBrk="1" hangingPunct="1"/>
-            <a:r>
-              <a:rPr lang="en-US" altLang="en-US" dirty="0"/>
-              <a:t>Introduction</a:t>
-            </a:r>
-          </a:p>
-        </p:txBody>
-      </p:sp>
-      <p:sp>
-        <p:nvSpPr>
-          <p:cNvPr id="6147" name="Rectangle 3"/>
-          <p:cNvSpPr>
-            <a:spLocks noGrp="1" noChangeArrowheads="1"/>
-          </p:cNvSpPr>
-          <p:nvPr>
-            <p:ph idx="1"/>
-          </p:nvPr>
-        </p:nvSpPr>
-        <p:spPr/>
-        <p:txBody>
-          <a:bodyPr/>
-          <a:lstStyle/>
-          <a:p>
-            <a:pPr eaLnBrk="1" hangingPunct="1"/>
-            <a:r>
-              <a:rPr lang="en-US" altLang="en-US" dirty="0"/>
-              <a:t>An </a:t>
-            </a:r>
-            <a:r>
-              <a:rPr lang="en-US" altLang="en-US" u="sng" dirty="0"/>
-              <a:t>exception</a:t>
-            </a:r>
-            <a:r>
-              <a:rPr lang="en-US" altLang="en-US" dirty="0"/>
-              <a:t> is an undesirable event detectable during program execution</a:t>
-            </a:r>
-          </a:p>
-          <a:p>
-            <a:pPr eaLnBrk="1" hangingPunct="1"/>
-            <a:r>
-              <a:rPr lang="en-US" altLang="en-US" dirty="0"/>
-              <a:t>Code to handle exceptions depends on the type of application being developed</a:t>
-            </a:r>
-          </a:p>
-          <a:p>
-            <a:pPr lvl="1" eaLnBrk="1" hangingPunct="1">
-              <a:buFont typeface="Arial" charset="0"/>
-              <a:buChar char="•"/>
-            </a:pPr>
-            <a:r>
-              <a:rPr lang="en-US" altLang="en-US" dirty="0"/>
-              <a:t>May or may not want the program to terminate when an exception occurs</a:t>
-            </a:r>
-          </a:p>
-          <a:p>
-            <a:pPr eaLnBrk="1" hangingPunct="1"/>
-            <a:r>
-              <a:rPr lang="en-US" altLang="en-US" dirty="0"/>
-              <a:t>Can add exception-handling code at point where an error can occur</a:t>
-            </a:r>
-          </a:p>
-        </p:txBody>
-      </p:sp>
-    </p:spTree>
-    <p:extLst>
-      <p:ext uri="{BB962C8B-B14F-4D97-AF65-F5344CB8AC3E}">
-        <p14:creationId xmlns:p14="http://schemas.microsoft.com/office/powerpoint/2010/main" val="1203700738"/>
-      </p:ext>
-    </p:extLst>
-  </p:cSld>
-  <p:clrMapOvr>
-    <a:masterClrMapping/>
-  </p:clrMapOvr>
-  <p:transition spd="slow">
-    <p:wipe/>
-  </p:transition>
-</p:sld>
-</file>
-
-<file path=ppt/slides/slide77.xml><?xml version="1.0" encoding="utf-8"?>
-<p:sld xmlns:a="http://schemas.openxmlformats.org/drawingml/2006/main" xmlns:r="http://schemas.openxmlformats.org/officeDocument/2006/relationships" xmlns:p="http://schemas.openxmlformats.org/presentationml/2006/main">
-  <p:cSld>
-    <p:spTree>
-      <p:nvGrpSpPr>
-        <p:cNvPr id="1" name=""/>
-        <p:cNvGrpSpPr/>
-        <p:nvPr/>
-      </p:nvGrpSpPr>
-      <p:grpSpPr>
-        <a:xfrm>
-          <a:off x="0" y="0"/>
-          <a:ext cx="0" cy="0"/>
-          <a:chOff x="0" y="0"/>
-          <a:chExt cx="0" cy="0"/>
-        </a:xfrm>
-      </p:grpSpPr>
-      <p:sp>
-        <p:nvSpPr>
-          <p:cNvPr id="7170" name="Rectangle 2"/>
-          <p:cNvSpPr>
-            <a:spLocks noGrp="1" noChangeArrowheads="1"/>
-          </p:cNvSpPr>
-          <p:nvPr>
-            <p:ph type="title"/>
-          </p:nvPr>
-        </p:nvSpPr>
-        <p:spPr/>
-        <p:txBody>
-          <a:bodyPr/>
-          <a:lstStyle/>
-          <a:p>
-            <a:pPr eaLnBrk="1" hangingPunct="1"/>
-            <a:r>
-              <a:rPr lang="en-US" altLang="en-US" dirty="0"/>
-              <a:t>Handling Exceptions Within a Program</a:t>
-            </a:r>
-          </a:p>
-        </p:txBody>
-      </p:sp>
-      <p:sp>
-        <p:nvSpPr>
-          <p:cNvPr id="7171" name="Rectangle 3"/>
-          <p:cNvSpPr>
-            <a:spLocks noGrp="1" noChangeArrowheads="1"/>
-          </p:cNvSpPr>
-          <p:nvPr>
-            <p:ph idx="1"/>
-          </p:nvPr>
-        </p:nvSpPr>
-        <p:spPr/>
-        <p:txBody>
-          <a:bodyPr/>
-          <a:lstStyle/>
-          <a:p>
-            <a:r>
-              <a:rPr lang="en-US" dirty="0"/>
-              <a:t>Exceptions in C++ are "thrown" in functions, if a function is unable to return a value (due to problems that should be handled in that particular function). Compute a square root of a negative number, or add/subtract matrices of wrong size – cannot return the promised value type. Return a special object containing a short message what went wrong. </a:t>
-            </a:r>
-          </a:p>
-        </p:txBody>
-      </p:sp>
-    </p:spTree>
-    <p:extLst>
-      <p:ext uri="{BB962C8B-B14F-4D97-AF65-F5344CB8AC3E}">
-        <p14:creationId xmlns:p14="http://schemas.microsoft.com/office/powerpoint/2010/main" val="545678365"/>
-      </p:ext>
-    </p:extLst>
-  </p:cSld>
-  <p:clrMapOvr>
-    <a:masterClrMapping/>
-  </p:clrMapOvr>
-  <p:transition spd="slow">
-    <p:wipe/>
-  </p:transition>
-</p:sld>
-</file>
-
-<file path=ppt/slides/slide78.xml><?xml version="1.0" encoding="utf-8"?>
-<p:sld xmlns:a="http://schemas.openxmlformats.org/drawingml/2006/main" xmlns:r="http://schemas.openxmlformats.org/officeDocument/2006/relationships" xmlns:p="http://schemas.openxmlformats.org/presentationml/2006/main">
-  <p:cSld>
-    <p:spTree>
-      <p:nvGrpSpPr>
-        <p:cNvPr id="1" name=""/>
-        <p:cNvGrpSpPr/>
-        <p:nvPr/>
-      </p:nvGrpSpPr>
-      <p:grpSpPr>
-        <a:xfrm>
-          <a:off x="0" y="0"/>
-          <a:ext cx="0" cy="0"/>
-          <a:chOff x="0" y="0"/>
-          <a:chExt cx="0" cy="0"/>
-        </a:xfrm>
-      </p:grpSpPr>
-      <p:sp>
-        <p:nvSpPr>
-          <p:cNvPr id="10242" name="Rectangle 2"/>
-          <p:cNvSpPr>
-            <a:spLocks noGrp="1" noChangeArrowheads="1"/>
-          </p:cNvSpPr>
-          <p:nvPr>
-            <p:ph type="title"/>
-          </p:nvPr>
-        </p:nvSpPr>
-        <p:spPr/>
-        <p:txBody>
-          <a:bodyPr/>
-          <a:lstStyle/>
-          <a:p>
-            <a:r>
-              <a:rPr lang="en-US" altLang="en-US" dirty="0">
-                <a:latin typeface="Courier New" pitchFamily="49" charset="0"/>
-              </a:rPr>
-              <a:t>try</a:t>
-            </a:r>
-            <a:r>
-              <a:rPr lang="en-US" altLang="en-US" dirty="0"/>
-              <a:t>/</a:t>
-            </a:r>
-            <a:r>
-              <a:rPr lang="en-US" altLang="en-US" dirty="0">
-                <a:latin typeface="Courier New" pitchFamily="49" charset="0"/>
-              </a:rPr>
-              <a:t>catch</a:t>
-            </a:r>
-            <a:r>
-              <a:rPr lang="en-US" altLang="en-US" dirty="0"/>
-              <a:t> </a:t>
-            </a:r>
-            <a:r>
-              <a:rPr lang="en-US" altLang="en-US" dirty="0" smtClean="0"/>
-              <a:t>Block</a:t>
-            </a:r>
-            <a:r>
-              <a:rPr lang="lv-LV" altLang="en-US" dirty="0" smtClean="0"/>
-              <a:t> – 1 </a:t>
-            </a:r>
-            <a:endParaRPr lang="en-US" altLang="en-US" dirty="0"/>
-          </a:p>
-        </p:txBody>
-      </p:sp>
-      <p:sp>
-        <p:nvSpPr>
-          <p:cNvPr id="2" name="Content Placeholder 1"/>
-          <p:cNvSpPr>
-            <a:spLocks noGrp="1"/>
-          </p:cNvSpPr>
-          <p:nvPr>
-            <p:ph sz="half" idx="2"/>
-          </p:nvPr>
-        </p:nvSpPr>
-        <p:spPr>
-          <a:xfrm>
-            <a:off x="5486400" y="1752600"/>
-            <a:ext cx="6096000" cy="4114800"/>
-          </a:xfrm>
-        </p:spPr>
-        <p:txBody>
-          <a:bodyPr/>
-          <a:lstStyle/>
-          <a:p>
-            <a:r>
-              <a:rPr lang="en-US" sz="2400" b="1" dirty="0">
-                <a:solidFill>
-                  <a:srgbClr val="638DAD"/>
-                </a:solidFill>
-                <a:latin typeface="Courier New" panose="02070309020205020404" pitchFamily="49" charset="0"/>
-                <a:cs typeface="Courier New" panose="02070309020205020404" pitchFamily="49" charset="0"/>
-              </a:rPr>
-              <a:t>catch</a:t>
-            </a:r>
-            <a:r>
-              <a:rPr lang="en-US" sz="2400" dirty="0"/>
-              <a:t> block:</a:t>
-            </a:r>
-          </a:p>
-          <a:p>
-            <a:pPr lvl="1"/>
-            <a:r>
-              <a:rPr lang="en-US" dirty="0"/>
-              <a:t>Specifies the type of exception it can catch</a:t>
-            </a:r>
-          </a:p>
-          <a:p>
-            <a:pPr lvl="1"/>
-            <a:r>
-              <a:rPr lang="en-US" dirty="0"/>
-              <a:t>Contains an exception handler</a:t>
-            </a:r>
-          </a:p>
-          <a:p>
-            <a:r>
-              <a:rPr lang="en-US" sz="2400" dirty="0"/>
-              <a:t>If the heading of a </a:t>
-            </a:r>
-            <a:r>
-              <a:rPr lang="en-US" sz="2400" b="1" dirty="0">
-                <a:solidFill>
-                  <a:srgbClr val="638DAD"/>
-                </a:solidFill>
-                <a:latin typeface="Courier New" panose="02070309020205020404" pitchFamily="49" charset="0"/>
-                <a:cs typeface="Courier New" panose="02070309020205020404" pitchFamily="49" charset="0"/>
-              </a:rPr>
-              <a:t>catch</a:t>
-            </a:r>
-            <a:r>
-              <a:rPr lang="en-US" sz="2400" dirty="0"/>
-              <a:t> block contains ... (ellipses) in place of parameters:</a:t>
-            </a:r>
-          </a:p>
-          <a:p>
-            <a:pPr lvl="1"/>
-            <a:r>
-              <a:rPr lang="en-US" dirty="0"/>
-              <a:t>Block can catch exceptions of all types</a:t>
-            </a:r>
-          </a:p>
-          <a:p>
-            <a:r>
-              <a:rPr lang="en-US" sz="2400" dirty="0"/>
-              <a:t>If no exception is thrown in a </a:t>
-            </a:r>
-            <a:r>
-              <a:rPr lang="en-US" sz="2400" b="1" dirty="0">
-                <a:solidFill>
-                  <a:srgbClr val="638DAD"/>
-                </a:solidFill>
-                <a:latin typeface="Courier New" panose="02070309020205020404" pitchFamily="49" charset="0"/>
-                <a:cs typeface="Courier New" panose="02070309020205020404" pitchFamily="49" charset="0"/>
-              </a:rPr>
-              <a:t>try</a:t>
-            </a:r>
-            <a:r>
-              <a:rPr lang="en-US" sz="2400" dirty="0"/>
-              <a:t> block:</a:t>
-            </a:r>
-          </a:p>
-          <a:p>
-            <a:pPr lvl="1"/>
-            <a:r>
-              <a:rPr lang="en-US" dirty="0"/>
-              <a:t>All </a:t>
-            </a:r>
-            <a:r>
-              <a:rPr lang="en-US" b="1" dirty="0">
-                <a:solidFill>
-                  <a:srgbClr val="638DAD"/>
-                </a:solidFill>
-                <a:latin typeface="Courier New" panose="02070309020205020404" pitchFamily="49" charset="0"/>
-                <a:cs typeface="Courier New" panose="02070309020205020404" pitchFamily="49" charset="0"/>
-              </a:rPr>
-              <a:t>catch</a:t>
-            </a:r>
-            <a:r>
-              <a:rPr lang="en-US" dirty="0"/>
-              <a:t> blocks are ignored</a:t>
-            </a:r>
-          </a:p>
-          <a:p>
-            <a:pPr lvl="1"/>
-            <a:r>
-              <a:rPr lang="en-US" dirty="0"/>
-              <a:t>Execution resumes after the last </a:t>
-            </a:r>
-            <a:r>
-              <a:rPr lang="en-US" b="1" dirty="0">
-                <a:solidFill>
-                  <a:srgbClr val="638DAD"/>
-                </a:solidFill>
-                <a:latin typeface="Courier New" panose="02070309020205020404" pitchFamily="49" charset="0"/>
-                <a:cs typeface="Courier New" panose="02070309020205020404" pitchFamily="49" charset="0"/>
-              </a:rPr>
-              <a:t>catch</a:t>
-            </a:r>
-            <a:r>
-              <a:rPr lang="en-US" dirty="0"/>
-              <a:t> block</a:t>
-            </a:r>
-          </a:p>
-          <a:p>
-            <a:endParaRPr lang="lv-LV" sz="2400" dirty="0"/>
-          </a:p>
-        </p:txBody>
-      </p:sp>
-      <p:pic>
-        <p:nvPicPr>
-          <p:cNvPr id="10246" name="Picture 6" descr="try&#10;{&#10;    //statements&#10;}&#10;    catch (dataType1 identifier)&#10;{&#10;    //exception-handling code&#10;}&#10;.&#10;.&#10;.&#10;catch (dataTypen identifier)&#10;{&#10;//exception-handling code&#10;}&#10;.&#10;.&#10;.&#10;catch (...)&#10;{&#10;//exception-handling code&#10;}"/>
-          <p:cNvPicPr>
-            <a:picLocks noChangeAspect="1" noChangeArrowheads="1"/>
-          </p:cNvPicPr>
-          <p:nvPr/>
-        </p:nvPicPr>
-        <p:blipFill>
-          <a:blip r:embed="rId3">
-            <a:extLst>
-              <a:ext uri="{28A0092B-C50C-407E-A947-70E740481C1C}">
-                <a14:useLocalDpi xmlns:a14="http://schemas.microsoft.com/office/drawing/2010/main" val="0"/>
-              </a:ext>
-            </a:extLst>
-          </a:blip>
-          <a:srcRect/>
-          <a:stretch>
-            <a:fillRect/>
-          </a:stretch>
-        </p:blipFill>
-        <p:spPr bwMode="auto">
-          <a:xfrm>
-            <a:off x="1388904" y="1593955"/>
-            <a:ext cx="3640295" cy="5078870"/>
-          </a:xfrm>
-          <a:prstGeom prst="rect">
-            <a:avLst/>
-          </a:prstGeom>
-          <a:noFill/>
-          <a:ln>
-            <a:noFill/>
-          </a:ln>
-          <a:extLst>
-            <a:ext uri="{909E8E84-426E-40DD-AFC4-6F175D3DCCD1}">
-              <a14:hiddenFill xmlns:a14="http://schemas.microsoft.com/office/drawing/2010/main">
-                <a:solidFill>
-                  <a:schemeClr val="accent1"/>
-                </a:solidFill>
-              </a14:hiddenFill>
-            </a:ext>
-            <a:ext uri="{91240B29-F687-4F45-9708-019B960494DF}">
-              <a14:hiddenLine xmlns:a14="http://schemas.microsoft.com/office/drawing/2010/main" w="9525" cap="flat" cmpd="sng">
-                <a:solidFill>
-                  <a:schemeClr val="tx1"/>
-                </a:solidFill>
-                <a:prstDash val="solid"/>
-                <a:miter lim="800000"/>
-                <a:headEnd type="none" w="med" len="med"/>
-                <a:tailEnd type="none" w="med" len="med"/>
-              </a14:hiddenLine>
-            </a:ext>
-          </a:extLst>
-        </p:spPr>
-      </p:pic>
-    </p:spTree>
-    <p:extLst>
-      <p:ext uri="{BB962C8B-B14F-4D97-AF65-F5344CB8AC3E}">
-        <p14:creationId xmlns:p14="http://schemas.microsoft.com/office/powerpoint/2010/main" val="1921423934"/>
-      </p:ext>
-    </p:extLst>
-  </p:cSld>
-  <p:clrMapOvr>
-    <a:masterClrMapping/>
-  </p:clrMapOvr>
-  <p:transition spd="slow">
-    <p:wipe/>
-  </p:transition>
-</p:sld>
-</file>
-
-<file path=ppt/slides/slide79.xml><?xml version="1.0" encoding="utf-8"?>
-<p:sld xmlns:a="http://schemas.openxmlformats.org/drawingml/2006/main" xmlns:r="http://schemas.openxmlformats.org/officeDocument/2006/relationships" xmlns:p="http://schemas.openxmlformats.org/presentationml/2006/main">
-  <p:cSld>
-    <p:spTree>
-      <p:nvGrpSpPr>
-        <p:cNvPr id="1" name=""/>
-        <p:cNvGrpSpPr/>
-        <p:nvPr/>
-      </p:nvGrpSpPr>
-      <p:grpSpPr>
-        <a:xfrm>
-          <a:off x="0" y="0"/>
-          <a:ext cx="0" cy="0"/>
-          <a:chOff x="0" y="0"/>
-          <a:chExt cx="0" cy="0"/>
-        </a:xfrm>
-      </p:grpSpPr>
-      <p:sp>
-        <p:nvSpPr>
-          <p:cNvPr id="12290" name="Rectangle 2"/>
-          <p:cNvSpPr>
-            <a:spLocks noGrp="1" noChangeArrowheads="1"/>
-          </p:cNvSpPr>
-          <p:nvPr>
-            <p:ph type="title"/>
-          </p:nvPr>
-        </p:nvSpPr>
-        <p:spPr/>
-        <p:txBody>
-          <a:bodyPr/>
-          <a:lstStyle/>
-          <a:p>
-            <a:r>
-              <a:rPr lang="en-US" altLang="en-US" dirty="0">
-                <a:latin typeface="Courier New" pitchFamily="49" charset="0"/>
-              </a:rPr>
-              <a:t>try</a:t>
-            </a:r>
-            <a:r>
-              <a:rPr lang="en-US" altLang="en-US" dirty="0"/>
-              <a:t>/</a:t>
-            </a:r>
-            <a:r>
-              <a:rPr lang="en-US" altLang="en-US" dirty="0">
-                <a:latin typeface="Courier New" pitchFamily="49" charset="0"/>
-              </a:rPr>
-              <a:t>catch</a:t>
-            </a:r>
-            <a:r>
-              <a:rPr lang="en-US" altLang="en-US" dirty="0"/>
-              <a:t> Block </a:t>
-            </a:r>
-            <a:r>
-              <a:rPr lang="lv-LV" altLang="en-US" dirty="0" smtClean="0"/>
-              <a:t>– 2 </a:t>
-            </a:r>
-            <a:endParaRPr lang="en-US" altLang="en-US" dirty="0"/>
-          </a:p>
-        </p:txBody>
-      </p:sp>
-      <p:sp>
-        <p:nvSpPr>
-          <p:cNvPr id="12291" name="Rectangle 3"/>
-          <p:cNvSpPr>
-            <a:spLocks noGrp="1" noChangeArrowheads="1"/>
-          </p:cNvSpPr>
-          <p:nvPr>
-            <p:ph idx="1"/>
-          </p:nvPr>
-        </p:nvSpPr>
-        <p:spPr/>
-        <p:txBody>
-          <a:bodyPr/>
-          <a:lstStyle/>
-          <a:p>
-            <a:pPr eaLnBrk="1" hangingPunct="1"/>
-            <a:r>
-              <a:rPr lang="en-US" altLang="en-US" dirty="0"/>
-              <a:t>If an exception is thrown in a </a:t>
-            </a:r>
-            <a:r>
-              <a:rPr lang="en-US" altLang="en-US" b="1" dirty="0">
-                <a:solidFill>
-                  <a:srgbClr val="638DAD"/>
-                </a:solidFill>
-                <a:latin typeface="Courier New" pitchFamily="49" charset="0"/>
-              </a:rPr>
-              <a:t>try</a:t>
-            </a:r>
-            <a:r>
-              <a:rPr lang="en-US" altLang="en-US" dirty="0"/>
-              <a:t> block:</a:t>
-            </a:r>
-          </a:p>
-          <a:p>
-            <a:pPr lvl="1" eaLnBrk="1" hangingPunct="1"/>
-            <a:r>
-              <a:rPr lang="en-US" altLang="en-US" dirty="0"/>
-              <a:t>Remaining statements (in block) are ignored</a:t>
-            </a:r>
-          </a:p>
-          <a:p>
-            <a:pPr eaLnBrk="1" hangingPunct="1"/>
-            <a:r>
-              <a:rPr lang="en-US" altLang="en-US" dirty="0"/>
-              <a:t>Program searches </a:t>
-            </a:r>
-            <a:r>
-              <a:rPr lang="en-US" altLang="en-US" b="1" dirty="0">
-                <a:solidFill>
-                  <a:srgbClr val="638DAD"/>
-                </a:solidFill>
-                <a:latin typeface="Courier New" pitchFamily="49" charset="0"/>
-              </a:rPr>
-              <a:t>catch</a:t>
-            </a:r>
-            <a:r>
-              <a:rPr lang="en-US" altLang="en-US" dirty="0"/>
-              <a:t> blocks in order, looking for an appropriate exception handler</a:t>
-            </a:r>
-          </a:p>
-          <a:p>
-            <a:pPr lvl="1" eaLnBrk="1" hangingPunct="1"/>
-            <a:r>
-              <a:rPr lang="en-US" altLang="en-US" dirty="0"/>
-              <a:t>If the type of thrown exception matches the parameter type in one of the </a:t>
-            </a:r>
-            <a:r>
-              <a:rPr lang="en-US" altLang="en-US" b="1" dirty="0">
-                <a:solidFill>
-                  <a:srgbClr val="638DAD"/>
-                </a:solidFill>
-                <a:latin typeface="Courier New" pitchFamily="49" charset="0"/>
-              </a:rPr>
-              <a:t>catch</a:t>
-            </a:r>
-            <a:r>
-              <a:rPr lang="en-US" altLang="en-US" dirty="0">
-                <a:solidFill>
-                  <a:srgbClr val="638DAD"/>
-                </a:solidFill>
-              </a:rPr>
-              <a:t> </a:t>
-            </a:r>
-            <a:r>
-              <a:rPr lang="en-US" altLang="en-US" dirty="0"/>
-              <a:t>blocks:</a:t>
-            </a:r>
-          </a:p>
-          <a:p>
-            <a:pPr lvl="2" eaLnBrk="1" hangingPunct="1"/>
-            <a:r>
-              <a:rPr lang="en-US" altLang="en-US" dirty="0"/>
-              <a:t>Code of that </a:t>
-            </a:r>
-            <a:r>
-              <a:rPr lang="en-US" altLang="en-US" b="1" dirty="0">
-                <a:solidFill>
-                  <a:srgbClr val="638DAD"/>
-                </a:solidFill>
-                <a:latin typeface="Courier New" pitchFamily="49" charset="0"/>
-              </a:rPr>
-              <a:t>catch</a:t>
-            </a:r>
-            <a:r>
-              <a:rPr lang="en-US" altLang="en-US" dirty="0"/>
-              <a:t> block executes</a:t>
-            </a:r>
-          </a:p>
-          <a:p>
-            <a:pPr lvl="2" eaLnBrk="1" hangingPunct="1"/>
-            <a:r>
-              <a:rPr lang="en-US" altLang="en-US" dirty="0"/>
-              <a:t>Remaining </a:t>
-            </a:r>
-            <a:r>
-              <a:rPr lang="en-US" altLang="en-US" b="1" dirty="0">
-                <a:solidFill>
-                  <a:srgbClr val="638DAD"/>
-                </a:solidFill>
-                <a:latin typeface="Courier New" pitchFamily="49" charset="0"/>
-              </a:rPr>
-              <a:t>catch</a:t>
-            </a:r>
-            <a:r>
-              <a:rPr lang="en-US" altLang="en-US" dirty="0"/>
-              <a:t> blocks are </a:t>
-            </a:r>
-            <a:r>
-              <a:rPr lang="en-US" altLang="en-US" dirty="0" smtClean="0"/>
-              <a:t>ignored</a:t>
-            </a:r>
-            <a:endParaRPr lang="lv-LV" altLang="en-US" dirty="0" smtClean="0"/>
-          </a:p>
-          <a:p>
-            <a:pPr eaLnBrk="1" hangingPunct="1"/>
-            <a:r>
-              <a:rPr lang="en-US" altLang="en-US" dirty="0"/>
-              <a:t>A </a:t>
-            </a:r>
-            <a:r>
-              <a:rPr lang="en-US" altLang="en-US" b="1" dirty="0">
-                <a:solidFill>
-                  <a:srgbClr val="638DAD"/>
-                </a:solidFill>
-                <a:latin typeface="Courier New" pitchFamily="49" charset="0"/>
-                <a:cs typeface="Courier New" pitchFamily="49" charset="0"/>
-              </a:rPr>
-              <a:t>catch</a:t>
-            </a:r>
-            <a:r>
-              <a:rPr lang="en-US" altLang="en-US" dirty="0"/>
-              <a:t> block can have at most one </a:t>
-            </a:r>
-            <a:r>
-              <a:rPr lang="en-US" altLang="en-US" b="1" dirty="0">
-                <a:solidFill>
-                  <a:srgbClr val="638DAD"/>
-                </a:solidFill>
-                <a:latin typeface="Courier New" pitchFamily="49" charset="0"/>
-                <a:cs typeface="Courier New" pitchFamily="49" charset="0"/>
-              </a:rPr>
-              <a:t>catch</a:t>
-            </a:r>
-            <a:r>
-              <a:rPr lang="en-US" altLang="en-US" dirty="0"/>
-              <a:t> block parameter</a:t>
-            </a:r>
-          </a:p>
-          <a:p>
-            <a:pPr lvl="1" eaLnBrk="1" hangingPunct="1"/>
-            <a:r>
-              <a:rPr lang="en-US" altLang="en-US" b="1" dirty="0">
-                <a:solidFill>
-                  <a:srgbClr val="638DAD"/>
-                </a:solidFill>
-                <a:latin typeface="Courier New" pitchFamily="49" charset="0"/>
-                <a:cs typeface="Courier New" pitchFamily="49" charset="0"/>
-              </a:rPr>
-              <a:t>catch</a:t>
-            </a:r>
-            <a:r>
-              <a:rPr lang="en-US" altLang="en-US" dirty="0"/>
-              <a:t> block parameter becomes a placeholder for the value thrown</a:t>
-            </a:r>
-          </a:p>
-          <a:p>
-            <a:pPr eaLnBrk="1" hangingPunct="1"/>
-            <a:endParaRPr lang="en-US" altLang="en-US" dirty="0"/>
-          </a:p>
-          <a:p>
-            <a:pPr lvl="1" eaLnBrk="1" hangingPunct="1"/>
-            <a:endParaRPr lang="en-US" altLang="en-US" dirty="0"/>
-          </a:p>
-        </p:txBody>
-      </p:sp>
-    </p:spTree>
-    <p:extLst>
-      <p:ext uri="{BB962C8B-B14F-4D97-AF65-F5344CB8AC3E}">
-        <p14:creationId xmlns:p14="http://schemas.microsoft.com/office/powerpoint/2010/main" val="2786358796"/>
-      </p:ext>
-    </p:extLst>
-  </p:cSld>
-  <p:clrMapOvr>
-    <a:masterClrMapping/>
-  </p:clrMapOvr>
-  <p:transition spd="slow">
-    <p:wipe/>
-  </p:transition>
-</p:sld>
-</file>
-
 <file path=ppt/slides/slide8.xml><?xml version="1.0" encoding="utf-8"?>
 <p:sld xmlns:a="http://schemas.openxmlformats.org/drawingml/2006/main" xmlns:r="http://schemas.openxmlformats.org/officeDocument/2006/relationships" xmlns:p="http://schemas.openxmlformats.org/presentationml/2006/main">
   <p:cSld>
@@ -37756,1834 +30109,6 @@
     <p:extLst>
       <p:ext uri="{BB962C8B-B14F-4D97-AF65-F5344CB8AC3E}">
         <p14:creationId xmlns:p14="http://schemas.microsoft.com/office/powerpoint/2010/main" val="867023476"/>
-      </p:ext>
-    </p:extLst>
-  </p:cSld>
-  <p:clrMapOvr>
-    <a:masterClrMapping/>
-  </p:clrMapOvr>
-  <p:transition spd="slow">
-    <p:wipe/>
-  </p:transition>
-</p:sld>
-</file>
-
-<file path=ppt/slides/slide80.xml><?xml version="1.0" encoding="utf-8"?>
-<p:sld xmlns:a="http://schemas.openxmlformats.org/drawingml/2006/main" xmlns:r="http://schemas.openxmlformats.org/officeDocument/2006/relationships" xmlns:p="http://schemas.openxmlformats.org/presentationml/2006/main">
-  <p:cSld>
-    <p:spTree>
-      <p:nvGrpSpPr>
-        <p:cNvPr id="1" name=""/>
-        <p:cNvGrpSpPr/>
-        <p:nvPr/>
-      </p:nvGrpSpPr>
-      <p:grpSpPr>
-        <a:xfrm>
-          <a:off x="0" y="0"/>
-          <a:ext cx="0" cy="0"/>
-          <a:chOff x="0" y="0"/>
-          <a:chExt cx="0" cy="0"/>
-        </a:xfrm>
-      </p:grpSpPr>
-      <p:sp>
-        <p:nvSpPr>
-          <p:cNvPr id="2" name="Title 1"/>
-          <p:cNvSpPr>
-            <a:spLocks noGrp="1"/>
-          </p:cNvSpPr>
-          <p:nvPr>
-            <p:ph type="title"/>
-          </p:nvPr>
-        </p:nvSpPr>
-        <p:spPr/>
-        <p:txBody>
-          <a:bodyPr/>
-          <a:lstStyle/>
-          <a:p>
-            <a:r>
-              <a:rPr lang="en-US" dirty="0" smtClean="0"/>
-              <a:t>Catching Exceptions</a:t>
-            </a:r>
-            <a:endParaRPr lang="lv-LV" dirty="0"/>
-          </a:p>
-        </p:txBody>
-      </p:sp>
-      <p:sp>
-        <p:nvSpPr>
-          <p:cNvPr id="3" name="Content Placeholder 2"/>
-          <p:cNvSpPr>
-            <a:spLocks noGrp="1"/>
-          </p:cNvSpPr>
-          <p:nvPr>
-            <p:ph idx="1"/>
-          </p:nvPr>
-        </p:nvSpPr>
-        <p:spPr/>
-        <p:txBody>
-          <a:bodyPr/>
-          <a:lstStyle/>
-          <a:p>
-            <a:pPr marL="0" indent="0">
-              <a:buNone/>
-            </a:pPr>
-            <a:r>
-              <a:rPr lang="en-US" dirty="0"/>
-              <a:t>For more exception handling read https://www.learncpp.com/cpp-tutorial/142-basic-exception-handling/ </a:t>
-            </a:r>
-            <a:endParaRPr lang="lv-LV" dirty="0"/>
-          </a:p>
-          <a:p>
-            <a:pPr marL="0" indent="0">
-              <a:buNone/>
-            </a:pPr>
-            <a:endParaRPr lang="en-US" dirty="0" smtClean="0"/>
-          </a:p>
-          <a:p>
-            <a:pPr marL="0" indent="0">
-              <a:buNone/>
-            </a:pPr>
-            <a:r>
-              <a:rPr lang="en-US" sz="2000" b="1" dirty="0" smtClean="0">
-                <a:latin typeface="Courier New" panose="02070309020205020404" pitchFamily="49" charset="0"/>
-                <a:cs typeface="Courier New" panose="02070309020205020404" pitchFamily="49" charset="0"/>
-              </a:rPr>
-              <a:t>try </a:t>
-            </a:r>
-            <a:r>
-              <a:rPr lang="en-US" sz="2000" b="1" dirty="0">
-                <a:latin typeface="Courier New" panose="02070309020205020404" pitchFamily="49" charset="0"/>
-                <a:cs typeface="Courier New" panose="02070309020205020404" pitchFamily="49" charset="0"/>
-              </a:rPr>
-              <a:t>{</a:t>
-            </a:r>
-          </a:p>
-          <a:p>
-            <a:pPr marL="0" indent="0">
-              <a:buNone/>
-            </a:pPr>
-            <a:r>
-              <a:rPr lang="en-US" sz="2000" b="1" dirty="0" smtClean="0">
-                <a:latin typeface="Courier New" panose="02070309020205020404" pitchFamily="49" charset="0"/>
-                <a:cs typeface="Courier New" panose="02070309020205020404" pitchFamily="49" charset="0"/>
-              </a:rPr>
-              <a:t>    ...</a:t>
-            </a:r>
-            <a:endParaRPr lang="en-US" sz="2000" b="1" dirty="0">
-              <a:solidFill>
-                <a:srgbClr val="43B050"/>
-              </a:solidFill>
-              <a:latin typeface="Courier New" panose="02070309020205020404" pitchFamily="49" charset="0"/>
-              <a:cs typeface="Courier New" panose="02070309020205020404" pitchFamily="49" charset="0"/>
-            </a:endParaRPr>
-          </a:p>
-          <a:p>
-            <a:pPr marL="0" indent="0">
-              <a:buNone/>
-            </a:pPr>
-            <a:r>
-              <a:rPr lang="en-US" sz="2000" b="1" dirty="0">
-                <a:solidFill>
-                  <a:srgbClr val="43B050"/>
-                </a:solidFill>
-                <a:latin typeface="Courier New" panose="02070309020205020404" pitchFamily="49" charset="0"/>
-                <a:cs typeface="Courier New" panose="02070309020205020404" pitchFamily="49" charset="0"/>
-              </a:rPr>
-              <a:t>  </a:t>
-            </a:r>
-            <a:r>
-              <a:rPr lang="en-US" sz="2000" b="1" dirty="0" smtClean="0">
-                <a:solidFill>
-                  <a:srgbClr val="43B050"/>
-                </a:solidFill>
-                <a:latin typeface="Courier New" panose="02070309020205020404" pitchFamily="49" charset="0"/>
-                <a:cs typeface="Courier New" panose="02070309020205020404" pitchFamily="49" charset="0"/>
-              </a:rPr>
-              <a:t>  // </a:t>
-            </a:r>
-            <a:r>
-              <a:rPr lang="en-US" sz="2000" b="1" dirty="0">
-                <a:solidFill>
-                  <a:srgbClr val="43B050"/>
-                </a:solidFill>
-                <a:latin typeface="Courier New" panose="02070309020205020404" pitchFamily="49" charset="0"/>
-                <a:cs typeface="Courier New" panose="02070309020205020404" pitchFamily="49" charset="0"/>
-              </a:rPr>
-              <a:t>do something with the result.  </a:t>
-            </a:r>
-            <a:endParaRPr lang="en-US" sz="2000" b="1" dirty="0" smtClean="0">
-              <a:solidFill>
-                <a:srgbClr val="43B050"/>
-              </a:solidFill>
-              <a:latin typeface="Courier New" panose="02070309020205020404" pitchFamily="49" charset="0"/>
-              <a:cs typeface="Courier New" panose="02070309020205020404" pitchFamily="49" charset="0"/>
-            </a:endParaRPr>
-          </a:p>
-          <a:p>
-            <a:pPr marL="0" indent="0">
-              <a:buNone/>
-            </a:pPr>
-            <a:r>
-              <a:rPr lang="en-US" sz="2000" b="1" dirty="0">
-                <a:solidFill>
-                  <a:srgbClr val="43B050"/>
-                </a:solidFill>
-                <a:latin typeface="Courier New" panose="02070309020205020404" pitchFamily="49" charset="0"/>
-                <a:cs typeface="Courier New" panose="02070309020205020404" pitchFamily="49" charset="0"/>
-              </a:rPr>
-              <a:t> </a:t>
-            </a:r>
-            <a:r>
-              <a:rPr lang="en-US" sz="2000" b="1" dirty="0" smtClean="0">
-                <a:solidFill>
-                  <a:srgbClr val="43B050"/>
-                </a:solidFill>
-                <a:latin typeface="Courier New" panose="02070309020205020404" pitchFamily="49" charset="0"/>
-                <a:cs typeface="Courier New" panose="02070309020205020404" pitchFamily="49" charset="0"/>
-              </a:rPr>
-              <a:t>   // (</a:t>
-            </a:r>
-            <a:r>
-              <a:rPr lang="en-US" sz="2000" b="1" dirty="0">
-                <a:solidFill>
-                  <a:srgbClr val="43B050"/>
-                </a:solidFill>
-                <a:latin typeface="Courier New" panose="02070309020205020404" pitchFamily="49" charset="0"/>
-                <a:cs typeface="Courier New" panose="02070309020205020404" pitchFamily="49" charset="0"/>
-              </a:rPr>
-              <a:t>but jump over this - if you had an exception).</a:t>
-            </a:r>
-          </a:p>
-          <a:p>
-            <a:pPr marL="0" indent="0">
-              <a:buNone/>
-            </a:pPr>
-            <a:r>
-              <a:rPr lang="en-US" sz="2000" b="1" dirty="0">
-                <a:latin typeface="Courier New" panose="02070309020205020404" pitchFamily="49" charset="0"/>
-                <a:cs typeface="Courier New" panose="02070309020205020404" pitchFamily="49" charset="0"/>
-              </a:rPr>
-              <a:t>} catch (</a:t>
-            </a:r>
-            <a:r>
-              <a:rPr lang="en-US" sz="2000" b="1" dirty="0" err="1">
-                <a:latin typeface="Courier New" panose="02070309020205020404" pitchFamily="49" charset="0"/>
-                <a:cs typeface="Courier New" panose="02070309020205020404" pitchFamily="49" charset="0"/>
-              </a:rPr>
-              <a:t>const</a:t>
-            </a:r>
-            <a:r>
-              <a:rPr lang="en-US" sz="2000" b="1" dirty="0">
-                <a:latin typeface="Courier New" panose="02070309020205020404" pitchFamily="49" charset="0"/>
-                <a:cs typeface="Courier New" panose="02070309020205020404" pitchFamily="49" charset="0"/>
-              </a:rPr>
-              <a:t> </a:t>
-            </a:r>
-            <a:r>
-              <a:rPr lang="en-US" sz="2000" b="1" dirty="0" err="1">
-                <a:latin typeface="Courier New" panose="02070309020205020404" pitchFamily="49" charset="0"/>
-                <a:cs typeface="Courier New" panose="02070309020205020404" pitchFamily="49" charset="0"/>
-              </a:rPr>
-              <a:t>std</a:t>
-            </a:r>
-            <a:r>
-              <a:rPr lang="en-US" sz="2000" b="1" dirty="0">
-                <a:latin typeface="Courier New" panose="02070309020205020404" pitchFamily="49" charset="0"/>
-                <a:cs typeface="Courier New" panose="02070309020205020404" pitchFamily="49" charset="0"/>
-              </a:rPr>
-              <a:t>::</a:t>
-            </a:r>
-            <a:r>
-              <a:rPr lang="en-US" sz="2000" b="1" dirty="0" err="1">
-                <a:latin typeface="Courier New" panose="02070309020205020404" pitchFamily="49" charset="0"/>
-                <a:cs typeface="Courier New" panose="02070309020205020404" pitchFamily="49" charset="0"/>
-              </a:rPr>
-              <a:t>out_of_range</a:t>
-            </a:r>
-            <a:r>
-              <a:rPr lang="en-US" sz="2000" b="1" dirty="0">
-                <a:latin typeface="Courier New" panose="02070309020205020404" pitchFamily="49" charset="0"/>
-                <a:cs typeface="Courier New" panose="02070309020205020404" pitchFamily="49" charset="0"/>
-              </a:rPr>
-              <a:t>&amp; e) {</a:t>
-            </a:r>
-          </a:p>
-          <a:p>
-            <a:pPr marL="0" indent="0">
-              <a:buNone/>
-            </a:pPr>
-            <a:r>
-              <a:rPr lang="en-US" sz="2000" b="1" dirty="0">
-                <a:latin typeface="Courier New" panose="02070309020205020404" pitchFamily="49" charset="0"/>
-                <a:cs typeface="Courier New" panose="02070309020205020404" pitchFamily="49" charset="0"/>
-              </a:rPr>
-              <a:t>    </a:t>
-            </a:r>
-            <a:r>
-              <a:rPr lang="en-US" sz="2000" b="1" dirty="0" err="1">
-                <a:latin typeface="Courier New" panose="02070309020205020404" pitchFamily="49" charset="0"/>
-                <a:cs typeface="Courier New" panose="02070309020205020404" pitchFamily="49" charset="0"/>
-              </a:rPr>
-              <a:t>cout</a:t>
-            </a:r>
-            <a:r>
-              <a:rPr lang="en-US" sz="2000" b="1" dirty="0">
-                <a:latin typeface="Courier New" panose="02070309020205020404" pitchFamily="49" charset="0"/>
-                <a:cs typeface="Courier New" panose="02070309020205020404" pitchFamily="49" charset="0"/>
-              </a:rPr>
-              <a:t> &lt;&lt; "</a:t>
-            </a:r>
-            <a:r>
-              <a:rPr lang="en-US" sz="2000" b="1" dirty="0" err="1">
-                <a:latin typeface="Courier New" panose="02070309020205020404" pitchFamily="49" charset="0"/>
-                <a:cs typeface="Courier New" panose="02070309020205020404" pitchFamily="49" charset="0"/>
-              </a:rPr>
-              <a:t>out_of_range</a:t>
-            </a:r>
-            <a:r>
-              <a:rPr lang="en-US" sz="2000" b="1" dirty="0">
-                <a:latin typeface="Courier New" panose="02070309020205020404" pitchFamily="49" charset="0"/>
-                <a:cs typeface="Courier New" panose="02070309020205020404" pitchFamily="49" charset="0"/>
-              </a:rPr>
-              <a:t>";</a:t>
-            </a:r>
-          </a:p>
-          <a:p>
-            <a:pPr marL="0" indent="0">
-              <a:buNone/>
-            </a:pPr>
-            <a:r>
-              <a:rPr lang="en-US" sz="2000" b="1" dirty="0" smtClean="0">
-                <a:latin typeface="Courier New" panose="02070309020205020404" pitchFamily="49" charset="0"/>
-                <a:cs typeface="Courier New" panose="02070309020205020404" pitchFamily="49" charset="0"/>
-              </a:rPr>
-              <a:t>}</a:t>
-            </a:r>
-            <a:endParaRPr lang="en-US" sz="2000" b="1" dirty="0">
-              <a:latin typeface="Courier New" panose="02070309020205020404" pitchFamily="49" charset="0"/>
-              <a:cs typeface="Courier New" panose="02070309020205020404" pitchFamily="49" charset="0"/>
-            </a:endParaRPr>
-          </a:p>
-        </p:txBody>
-      </p:sp>
-    </p:spTree>
-    <p:extLst>
-      <p:ext uri="{BB962C8B-B14F-4D97-AF65-F5344CB8AC3E}">
-        <p14:creationId xmlns:p14="http://schemas.microsoft.com/office/powerpoint/2010/main" val="3330582235"/>
-      </p:ext>
-    </p:extLst>
-  </p:cSld>
-  <p:clrMapOvr>
-    <a:masterClrMapping/>
-  </p:clrMapOvr>
-  <p:transition spd="slow">
-    <p:wipe/>
-  </p:transition>
-</p:sld>
-</file>
-
-<file path=ppt/slides/slide81.xml><?xml version="1.0" encoding="utf-8"?>
-<p:sld xmlns:a="http://schemas.openxmlformats.org/drawingml/2006/main" xmlns:r="http://schemas.openxmlformats.org/officeDocument/2006/relationships" xmlns:p="http://schemas.openxmlformats.org/presentationml/2006/main">
-  <p:cSld>
-    <p:spTree>
-      <p:nvGrpSpPr>
-        <p:cNvPr id="1" name=""/>
-        <p:cNvGrpSpPr/>
-        <p:nvPr/>
-      </p:nvGrpSpPr>
-      <p:grpSpPr>
-        <a:xfrm>
-          <a:off x="0" y="0"/>
-          <a:ext cx="0" cy="0"/>
-          <a:chOff x="0" y="0"/>
-          <a:chExt cx="0" cy="0"/>
-        </a:xfrm>
-      </p:grpSpPr>
-      <p:sp>
-        <p:nvSpPr>
-          <p:cNvPr id="15362" name="Rectangle 2"/>
-          <p:cNvSpPr>
-            <a:spLocks noGrp="1" noChangeArrowheads="1"/>
-          </p:cNvSpPr>
-          <p:nvPr>
-            <p:ph type="title"/>
-          </p:nvPr>
-        </p:nvSpPr>
-        <p:spPr/>
-        <p:txBody>
-          <a:bodyPr/>
-          <a:lstStyle/>
-          <a:p>
-            <a:pPr eaLnBrk="1" hangingPunct="1"/>
-            <a:r>
-              <a:rPr lang="en-US" altLang="en-US" dirty="0"/>
-              <a:t>Order of </a:t>
-            </a:r>
-            <a:r>
-              <a:rPr lang="en-US" altLang="en-US" dirty="0">
-                <a:latin typeface="Courier New" pitchFamily="49" charset="0"/>
-              </a:rPr>
-              <a:t>catch</a:t>
-            </a:r>
-            <a:r>
-              <a:rPr lang="en-US" altLang="en-US" dirty="0"/>
-              <a:t> Blocks</a:t>
-            </a:r>
-          </a:p>
-        </p:txBody>
-      </p:sp>
-      <p:sp>
-        <p:nvSpPr>
-          <p:cNvPr id="15363" name="Rectangle 3"/>
-          <p:cNvSpPr>
-            <a:spLocks noGrp="1" noChangeArrowheads="1"/>
-          </p:cNvSpPr>
-          <p:nvPr>
-            <p:ph idx="1"/>
-          </p:nvPr>
-        </p:nvSpPr>
-        <p:spPr/>
-        <p:txBody>
-          <a:bodyPr/>
-          <a:lstStyle/>
-          <a:p>
-            <a:pPr eaLnBrk="1" hangingPunct="1">
-              <a:lnSpc>
-                <a:spcPct val="90000"/>
-              </a:lnSpc>
-            </a:pPr>
-            <a:r>
-              <a:rPr lang="en-US" altLang="en-US" b="1" dirty="0">
-                <a:solidFill>
-                  <a:srgbClr val="638DAD"/>
-                </a:solidFill>
-                <a:latin typeface="Courier New" pitchFamily="49" charset="0"/>
-              </a:rPr>
-              <a:t>catch</a:t>
-            </a:r>
-            <a:r>
-              <a:rPr lang="en-US" altLang="en-US" dirty="0"/>
-              <a:t> block can catch:</a:t>
-            </a:r>
-          </a:p>
-          <a:p>
-            <a:pPr lvl="1" eaLnBrk="1" hangingPunct="1">
-              <a:lnSpc>
-                <a:spcPct val="90000"/>
-              </a:lnSpc>
-            </a:pPr>
-            <a:r>
-              <a:rPr lang="en-US" altLang="en-US" dirty="0"/>
-              <a:t>All exceptions of a specific type</a:t>
-            </a:r>
-          </a:p>
-          <a:p>
-            <a:pPr lvl="1" eaLnBrk="1" hangingPunct="1">
-              <a:lnSpc>
-                <a:spcPct val="90000"/>
-              </a:lnSpc>
-            </a:pPr>
-            <a:r>
-              <a:rPr lang="en-US" altLang="en-US" dirty="0"/>
-              <a:t>All types of exceptions</a:t>
-            </a:r>
-          </a:p>
-          <a:p>
-            <a:pPr eaLnBrk="1" hangingPunct="1">
-              <a:lnSpc>
-                <a:spcPct val="90000"/>
-              </a:lnSpc>
-            </a:pPr>
-            <a:r>
-              <a:rPr lang="en-US" altLang="en-US" dirty="0"/>
-              <a:t>A </a:t>
-            </a:r>
-            <a:r>
-              <a:rPr lang="en-US" altLang="en-US" b="1" dirty="0">
-                <a:solidFill>
-                  <a:srgbClr val="638DAD"/>
-                </a:solidFill>
-                <a:latin typeface="Courier New" pitchFamily="49" charset="0"/>
-              </a:rPr>
-              <a:t>catch</a:t>
-            </a:r>
-            <a:r>
-              <a:rPr lang="en-US" altLang="en-US" dirty="0"/>
-              <a:t> block with an ellipsis (</a:t>
-            </a:r>
-            <a:r>
-              <a:rPr lang="en-US" altLang="en-US" dirty="0">
-                <a:latin typeface="Courier New" panose="02070309020205020404" pitchFamily="49" charset="0"/>
-                <a:cs typeface="Courier New" panose="02070309020205020404" pitchFamily="49" charset="0"/>
-              </a:rPr>
-              <a:t>...</a:t>
-            </a:r>
-            <a:r>
-              <a:rPr lang="en-US" altLang="en-US" dirty="0"/>
-              <a:t>) catches any type of exception</a:t>
-            </a:r>
-          </a:p>
-          <a:p>
-            <a:pPr lvl="1" eaLnBrk="1" hangingPunct="1">
-              <a:lnSpc>
-                <a:spcPct val="90000"/>
-              </a:lnSpc>
-            </a:pPr>
-            <a:r>
-              <a:rPr lang="en-US" altLang="en-US" dirty="0"/>
-              <a:t>If used, it should be the last </a:t>
-            </a:r>
-            <a:r>
-              <a:rPr lang="en-US" altLang="en-US" b="1" dirty="0">
-                <a:solidFill>
-                  <a:srgbClr val="638DAD"/>
-                </a:solidFill>
-                <a:latin typeface="Courier New" panose="02070309020205020404" pitchFamily="49" charset="0"/>
-                <a:cs typeface="Courier New" panose="02070309020205020404" pitchFamily="49" charset="0"/>
-              </a:rPr>
-              <a:t>catch</a:t>
-            </a:r>
-            <a:r>
-              <a:rPr lang="en-US" altLang="en-US" dirty="0"/>
-              <a:t> block of that sequence</a:t>
-            </a:r>
-          </a:p>
-          <a:p>
-            <a:pPr eaLnBrk="1" hangingPunct="1">
-              <a:lnSpc>
-                <a:spcPct val="90000"/>
-              </a:lnSpc>
-            </a:pPr>
-            <a:r>
-              <a:rPr lang="en-US" altLang="en-US" dirty="0"/>
-              <a:t>Be careful about the order in which you list </a:t>
-            </a:r>
-            <a:r>
-              <a:rPr lang="en-US" altLang="en-US" b="1" dirty="0">
-                <a:solidFill>
-                  <a:srgbClr val="638DAD"/>
-                </a:solidFill>
-                <a:latin typeface="Courier New" pitchFamily="49" charset="0"/>
-              </a:rPr>
-              <a:t>catch</a:t>
-            </a:r>
-            <a:r>
-              <a:rPr lang="en-US" altLang="en-US" dirty="0"/>
-              <a:t> blocks</a:t>
-            </a:r>
-          </a:p>
-        </p:txBody>
-      </p:sp>
-    </p:spTree>
-    <p:extLst>
-      <p:ext uri="{BB962C8B-B14F-4D97-AF65-F5344CB8AC3E}">
-        <p14:creationId xmlns:p14="http://schemas.microsoft.com/office/powerpoint/2010/main" val="416924293"/>
-      </p:ext>
-    </p:extLst>
-  </p:cSld>
-  <p:clrMapOvr>
-    <a:masterClrMapping/>
-  </p:clrMapOvr>
-  <p:transition spd="slow">
-    <p:wipe/>
-  </p:transition>
-</p:sld>
-</file>
-
-<file path=ppt/slides/slide82.xml><?xml version="1.0" encoding="utf-8"?>
-<p:sld xmlns:a="http://schemas.openxmlformats.org/drawingml/2006/main" xmlns:r="http://schemas.openxmlformats.org/officeDocument/2006/relationships" xmlns:p="http://schemas.openxmlformats.org/presentationml/2006/main">
-  <p:cSld>
-    <p:spTree>
-      <p:nvGrpSpPr>
-        <p:cNvPr id="1" name=""/>
-        <p:cNvGrpSpPr/>
-        <p:nvPr/>
-      </p:nvGrpSpPr>
-      <p:grpSpPr>
-        <a:xfrm>
-          <a:off x="0" y="0"/>
-          <a:ext cx="0" cy="0"/>
-          <a:chOff x="0" y="0"/>
-          <a:chExt cx="0" cy="0"/>
-        </a:xfrm>
-      </p:grpSpPr>
-      <p:sp>
-        <p:nvSpPr>
-          <p:cNvPr id="17410" name="Rectangle 2"/>
-          <p:cNvSpPr>
-            <a:spLocks noGrp="1" noChangeArrowheads="1"/>
-          </p:cNvSpPr>
-          <p:nvPr>
-            <p:ph type="title"/>
-          </p:nvPr>
-        </p:nvSpPr>
-        <p:spPr/>
-        <p:txBody>
-          <a:bodyPr/>
-          <a:lstStyle/>
-          <a:p>
-            <a:pPr eaLnBrk="1" hangingPunct="1"/>
-            <a:r>
-              <a:rPr lang="en-US" altLang="en-US" dirty="0"/>
-              <a:t>Using C++ Exception </a:t>
-            </a:r>
-            <a:r>
-              <a:rPr lang="en-US" altLang="en-US" dirty="0" smtClean="0"/>
-              <a:t>Classes</a:t>
-            </a:r>
-            <a:endParaRPr lang="en-US" altLang="en-US" dirty="0"/>
-          </a:p>
-        </p:txBody>
-      </p:sp>
-      <p:sp>
-        <p:nvSpPr>
-          <p:cNvPr id="17411" name="Rectangle 3"/>
-          <p:cNvSpPr>
-            <a:spLocks noGrp="1" noChangeArrowheads="1"/>
-          </p:cNvSpPr>
-          <p:nvPr>
-            <p:ph idx="1"/>
-          </p:nvPr>
-        </p:nvSpPr>
-        <p:spPr/>
-        <p:txBody>
-          <a:bodyPr/>
-          <a:lstStyle/>
-          <a:p>
-            <a:pPr eaLnBrk="1" hangingPunct="1"/>
-            <a:r>
-              <a:rPr lang="en-US" altLang="en-US" dirty="0"/>
-              <a:t>Two subclasses of </a:t>
-            </a:r>
-            <a:r>
-              <a:rPr lang="en-US" altLang="en-US" b="1" dirty="0">
-                <a:latin typeface="Courier New" pitchFamily="49" charset="0"/>
-              </a:rPr>
-              <a:t>exception</a:t>
-            </a:r>
-            <a:r>
-              <a:rPr lang="en-US" altLang="en-US" dirty="0"/>
-              <a:t> (defined in </a:t>
-            </a:r>
-            <a:r>
-              <a:rPr lang="en-US" altLang="en-US" b="1" dirty="0">
-                <a:latin typeface="Courier New" pitchFamily="49" charset="0"/>
-              </a:rPr>
-              <a:t>stdexcept</a:t>
-            </a:r>
-            <a:r>
-              <a:rPr lang="en-US" altLang="en-US" dirty="0"/>
-              <a:t>):</a:t>
-            </a:r>
-          </a:p>
-          <a:p>
-            <a:pPr lvl="1" eaLnBrk="1" hangingPunct="1"/>
-            <a:r>
-              <a:rPr lang="en-US" altLang="en-US" b="1" dirty="0">
-                <a:latin typeface="Courier New" pitchFamily="49" charset="0"/>
-              </a:rPr>
-              <a:t>logic_error</a:t>
-            </a:r>
-            <a:r>
-              <a:rPr lang="en-US" altLang="en-US" dirty="0">
-                <a:latin typeface="Courier New" pitchFamily="49" charset="0"/>
-              </a:rPr>
-              <a:t> </a:t>
-            </a:r>
-            <a:r>
-              <a:rPr lang="en-US" altLang="en-US" dirty="0"/>
-              <a:t>includes subclasses:</a:t>
-            </a:r>
-          </a:p>
-          <a:p>
-            <a:pPr lvl="2" eaLnBrk="1" hangingPunct="1"/>
-            <a:r>
-              <a:rPr lang="en-US" altLang="en-US" b="1" dirty="0">
-                <a:latin typeface="Courier New" pitchFamily="49" charset="0"/>
-              </a:rPr>
-              <a:t>invalid_argument</a:t>
-            </a:r>
-            <a:r>
-              <a:rPr lang="en-US" altLang="en-US" dirty="0"/>
-              <a:t>: for use when illegal arguments are used in a function call</a:t>
-            </a:r>
-          </a:p>
-          <a:p>
-            <a:pPr lvl="2" eaLnBrk="1" hangingPunct="1"/>
-            <a:r>
-              <a:rPr lang="en-US" altLang="en-US" b="1" dirty="0">
-                <a:latin typeface="Courier New" pitchFamily="49" charset="0"/>
-              </a:rPr>
-              <a:t>out_of_range</a:t>
-            </a:r>
-            <a:r>
-              <a:rPr lang="en-US" altLang="en-US" dirty="0"/>
-              <a:t>: string subscript out of range error</a:t>
-            </a:r>
-          </a:p>
-          <a:p>
-            <a:pPr lvl="2" eaLnBrk="1" hangingPunct="1"/>
-            <a:r>
-              <a:rPr lang="en-US" altLang="en-US" b="1" dirty="0">
-                <a:latin typeface="Courier New" pitchFamily="49" charset="0"/>
-              </a:rPr>
-              <a:t>length_error</a:t>
-            </a:r>
-            <a:r>
-              <a:rPr lang="en-US" altLang="en-US" dirty="0"/>
-              <a:t>: if a length greater than the maximum allowed for a string object is used</a:t>
-            </a:r>
-            <a:endParaRPr lang="en-US" altLang="en-US" dirty="0">
-              <a:latin typeface="Courier New" pitchFamily="49" charset="0"/>
-            </a:endParaRPr>
-          </a:p>
-          <a:p>
-            <a:pPr lvl="1" eaLnBrk="1" hangingPunct="1"/>
-            <a:r>
-              <a:rPr lang="en-US" altLang="en-US" b="1" dirty="0">
-                <a:latin typeface="Courier New" pitchFamily="49" charset="0"/>
-              </a:rPr>
-              <a:t>runtime_error</a:t>
-            </a:r>
-            <a:r>
-              <a:rPr lang="en-US" altLang="en-US" dirty="0">
-                <a:latin typeface="Courier New" pitchFamily="49" charset="0"/>
-              </a:rPr>
-              <a:t> </a:t>
-            </a:r>
-            <a:r>
-              <a:rPr lang="en-US" altLang="en-US" dirty="0"/>
-              <a:t>includes subclasses:</a:t>
-            </a:r>
-          </a:p>
-          <a:p>
-            <a:pPr lvl="2" eaLnBrk="1" hangingPunct="1"/>
-            <a:r>
-              <a:rPr lang="en-US" altLang="en-US" b="1" dirty="0">
-                <a:latin typeface="Courier New" pitchFamily="49" charset="0"/>
-              </a:rPr>
-              <a:t>overflow_error</a:t>
-            </a:r>
-            <a:r>
-              <a:rPr lang="en-US" altLang="en-US" dirty="0"/>
-              <a:t> and </a:t>
-            </a:r>
-            <a:r>
-              <a:rPr lang="en-US" altLang="en-US" b="1" dirty="0">
-                <a:latin typeface="Courier New" pitchFamily="49" charset="0"/>
-              </a:rPr>
-              <a:t>underflow_error</a:t>
-            </a:r>
-          </a:p>
-        </p:txBody>
-      </p:sp>
-    </p:spTree>
-    <p:extLst>
-      <p:ext uri="{BB962C8B-B14F-4D97-AF65-F5344CB8AC3E}">
-        <p14:creationId xmlns:p14="http://schemas.microsoft.com/office/powerpoint/2010/main" val="734495580"/>
-      </p:ext>
-    </p:extLst>
-  </p:cSld>
-  <p:clrMapOvr>
-    <a:masterClrMapping/>
-  </p:clrMapOvr>
-  <p:transition spd="slow">
-    <p:wipe/>
-  </p:transition>
-</p:sld>
-</file>
-
-<file path=ppt/slides/slide83.xml><?xml version="1.0" encoding="utf-8"?>
-<p:sld xmlns:a="http://schemas.openxmlformats.org/drawingml/2006/main" xmlns:r="http://schemas.openxmlformats.org/officeDocument/2006/relationships" xmlns:p="http://schemas.openxmlformats.org/presentationml/2006/main">
-  <p:cSld>
-    <p:spTree>
-      <p:nvGrpSpPr>
-        <p:cNvPr id="1" name=""/>
-        <p:cNvGrpSpPr/>
-        <p:nvPr/>
-      </p:nvGrpSpPr>
-      <p:grpSpPr>
-        <a:xfrm>
-          <a:off x="0" y="0"/>
-          <a:ext cx="0" cy="0"/>
-          <a:chOff x="0" y="0"/>
-          <a:chExt cx="0" cy="0"/>
-        </a:xfrm>
-      </p:grpSpPr>
-      <p:sp>
-        <p:nvSpPr>
-          <p:cNvPr id="18434" name="Rectangle 2"/>
-          <p:cNvSpPr>
-            <a:spLocks noGrp="1" noChangeArrowheads="1"/>
-          </p:cNvSpPr>
-          <p:nvPr>
-            <p:ph type="title"/>
-          </p:nvPr>
-        </p:nvSpPr>
-        <p:spPr/>
-        <p:txBody>
-          <a:bodyPr/>
-          <a:lstStyle/>
-          <a:p>
-            <a:pPr eaLnBrk="1" hangingPunct="1"/>
-            <a:r>
-              <a:rPr lang="en-US" altLang="en-US" dirty="0"/>
-              <a:t>Creating Your Own Exception </a:t>
-            </a:r>
-            <a:r>
-              <a:rPr lang="en-US" altLang="en-US" dirty="0" smtClean="0"/>
-              <a:t>Classes</a:t>
-            </a:r>
-            <a:endParaRPr lang="en-US" altLang="en-US" dirty="0"/>
-          </a:p>
-        </p:txBody>
-      </p:sp>
-      <p:sp>
-        <p:nvSpPr>
-          <p:cNvPr id="18435" name="Rectangle 3"/>
-          <p:cNvSpPr>
-            <a:spLocks noGrp="1" noChangeArrowheads="1"/>
-          </p:cNvSpPr>
-          <p:nvPr>
-            <p:ph idx="1"/>
-          </p:nvPr>
-        </p:nvSpPr>
-        <p:spPr/>
-        <p:txBody>
-          <a:bodyPr/>
-          <a:lstStyle/>
-          <a:p>
-            <a:pPr eaLnBrk="1" hangingPunct="1"/>
-            <a:r>
-              <a:rPr lang="en-US" altLang="en-US" dirty="0"/>
-              <a:t>Can create your own exception classes to handle specific exceptions</a:t>
-            </a:r>
-          </a:p>
-          <a:p>
-            <a:pPr lvl="1" eaLnBrk="1" hangingPunct="1"/>
-            <a:r>
-              <a:rPr lang="en-US" altLang="en-US" dirty="0"/>
-              <a:t>C++ uses the same mechanism to process these exceptions</a:t>
-            </a:r>
-          </a:p>
-          <a:p>
-            <a:pPr eaLnBrk="1" hangingPunct="1"/>
-            <a:r>
-              <a:rPr lang="en-US" altLang="en-US" b="1" dirty="0">
-                <a:latin typeface="Courier New" pitchFamily="49" charset="0"/>
-              </a:rPr>
-              <a:t>throw</a:t>
-            </a:r>
-            <a:r>
-              <a:rPr lang="en-US" altLang="en-US" dirty="0"/>
-              <a:t> statement: used to throw your own exceptions</a:t>
-            </a:r>
-          </a:p>
-          <a:p>
-            <a:pPr eaLnBrk="1" hangingPunct="1"/>
-            <a:r>
-              <a:rPr lang="en-US" altLang="en-US" dirty="0"/>
-              <a:t>Any class can be an exception class</a:t>
-            </a:r>
-          </a:p>
-          <a:p>
-            <a:pPr lvl="1" eaLnBrk="1" hangingPunct="1"/>
-            <a:r>
-              <a:rPr lang="en-US" altLang="en-US" dirty="0"/>
-              <a:t>How you use the class makes it an exception class</a:t>
-            </a:r>
-          </a:p>
-        </p:txBody>
-      </p:sp>
-    </p:spTree>
-    <p:extLst>
-      <p:ext uri="{BB962C8B-B14F-4D97-AF65-F5344CB8AC3E}">
-        <p14:creationId xmlns:p14="http://schemas.microsoft.com/office/powerpoint/2010/main" val="97473579"/>
-      </p:ext>
-    </p:extLst>
-  </p:cSld>
-  <p:clrMapOvr>
-    <a:masterClrMapping/>
-  </p:clrMapOvr>
-  <p:transition spd="slow">
-    <p:wipe/>
-  </p:transition>
-</p:sld>
-</file>
-
-<file path=ppt/slides/slide84.xml><?xml version="1.0" encoding="utf-8"?>
-<p:sld xmlns:a="http://schemas.openxmlformats.org/drawingml/2006/main" xmlns:r="http://schemas.openxmlformats.org/officeDocument/2006/relationships" xmlns:p="http://schemas.openxmlformats.org/presentationml/2006/main">
-  <p:cSld>
-    <p:spTree>
-      <p:nvGrpSpPr>
-        <p:cNvPr id="1" name=""/>
-        <p:cNvGrpSpPr/>
-        <p:nvPr/>
-      </p:nvGrpSpPr>
-      <p:grpSpPr>
-        <a:xfrm>
-          <a:off x="0" y="0"/>
-          <a:ext cx="0" cy="0"/>
-          <a:chOff x="0" y="0"/>
-          <a:chExt cx="0" cy="0"/>
-        </a:xfrm>
-      </p:grpSpPr>
-      <p:sp>
-        <p:nvSpPr>
-          <p:cNvPr id="22530" name="Rectangle 4"/>
-          <p:cNvSpPr>
-            <a:spLocks noGrp="1" noChangeArrowheads="1"/>
-          </p:cNvSpPr>
-          <p:nvPr>
-            <p:ph type="title"/>
-          </p:nvPr>
-        </p:nvSpPr>
-        <p:spPr/>
-        <p:txBody>
-          <a:bodyPr/>
-          <a:lstStyle/>
-          <a:p>
-            <a:pPr eaLnBrk="1" hangingPunct="1"/>
-            <a:r>
-              <a:rPr lang="en-US" altLang="en-US" dirty="0"/>
-              <a:t>Rethrowing and Throwing an </a:t>
-            </a:r>
-            <a:r>
-              <a:rPr lang="en-US" altLang="en-US" dirty="0" smtClean="0"/>
-              <a:t>Exception</a:t>
-            </a:r>
-            <a:endParaRPr lang="en-US" altLang="en-US" dirty="0"/>
-          </a:p>
-        </p:txBody>
-      </p:sp>
-      <p:sp>
-        <p:nvSpPr>
-          <p:cNvPr id="22531" name="Rectangle 5"/>
-          <p:cNvSpPr>
-            <a:spLocks noGrp="1" noChangeArrowheads="1"/>
-          </p:cNvSpPr>
-          <p:nvPr>
-            <p:ph idx="1"/>
-          </p:nvPr>
-        </p:nvSpPr>
-        <p:spPr/>
-        <p:txBody>
-          <a:bodyPr/>
-          <a:lstStyle/>
-          <a:p>
-            <a:pPr eaLnBrk="1" hangingPunct="1"/>
-            <a:r>
-              <a:rPr lang="en-US" altLang="en-US" dirty="0"/>
-              <a:t>Object being thrown can be:</a:t>
-            </a:r>
-          </a:p>
-          <a:p>
-            <a:pPr lvl="1" eaLnBrk="1" hangingPunct="1"/>
-            <a:r>
-              <a:rPr lang="en-US" altLang="en-US" dirty="0"/>
-              <a:t>A specific object</a:t>
-            </a:r>
-          </a:p>
-          <a:p>
-            <a:pPr lvl="1" eaLnBrk="1" hangingPunct="1"/>
-            <a:r>
-              <a:rPr lang="en-US" altLang="en-US" dirty="0"/>
-              <a:t>An anonymous object</a:t>
-            </a:r>
-          </a:p>
-          <a:p>
-            <a:pPr eaLnBrk="1" hangingPunct="1"/>
-            <a:r>
-              <a:rPr lang="en-US" altLang="en-US" dirty="0"/>
-              <a:t>A function specifies the exceptions it throws in its heading using the </a:t>
-            </a:r>
-            <a:r>
-              <a:rPr lang="en-US" altLang="en-US" b="1" dirty="0">
-                <a:solidFill>
-                  <a:srgbClr val="638DAD"/>
-                </a:solidFill>
-                <a:latin typeface="Courier New" pitchFamily="49" charset="0"/>
-              </a:rPr>
-              <a:t>throw</a:t>
-            </a:r>
-            <a:r>
-              <a:rPr lang="en-US" altLang="en-US" dirty="0">
-                <a:solidFill>
-                  <a:srgbClr val="638DAD"/>
-                </a:solidFill>
-              </a:rPr>
-              <a:t> </a:t>
-            </a:r>
-            <a:r>
-              <a:rPr lang="en-US" altLang="en-US" dirty="0"/>
-              <a:t>clause</a:t>
-            </a:r>
-          </a:p>
-          <a:p>
-            <a:pPr eaLnBrk="1" hangingPunct="1"/>
-            <a:r>
-              <a:rPr lang="en-US" altLang="en-US" dirty="0"/>
-              <a:t>Example:</a:t>
-            </a:r>
-          </a:p>
-          <a:p>
-            <a:pPr marL="228600" indent="0">
-              <a:spcBef>
-                <a:spcPts val="600"/>
-              </a:spcBef>
-              <a:buNone/>
-            </a:pPr>
-            <a:r>
-              <a:rPr lang="en-US" sz="1600" b="1" dirty="0">
-                <a:solidFill>
-                  <a:srgbClr val="638DAD"/>
-                </a:solidFill>
-                <a:latin typeface="Courier New" panose="02070309020205020404" pitchFamily="49" charset="0"/>
-                <a:cs typeface="Courier New" panose="02070309020205020404" pitchFamily="49" charset="0"/>
-              </a:rPr>
-              <a:t>void</a:t>
-            </a:r>
-            <a:r>
-              <a:rPr lang="en-US" sz="1600" b="1" dirty="0">
-                <a:latin typeface="Courier New" panose="02070309020205020404" pitchFamily="49" charset="0"/>
-                <a:cs typeface="Courier New" panose="02070309020205020404" pitchFamily="49" charset="0"/>
-              </a:rPr>
-              <a:t> </a:t>
-            </a:r>
-            <a:r>
-              <a:rPr lang="en-US" sz="1600" b="1" dirty="0">
-                <a:solidFill>
-                  <a:srgbClr val="638DAD"/>
-                </a:solidFill>
-                <a:latin typeface="Courier New" panose="02070309020205020404" pitchFamily="49" charset="0"/>
-                <a:cs typeface="Courier New" panose="02070309020205020404" pitchFamily="49" charset="0"/>
-              </a:rPr>
-              <a:t>expThrowExcep(int</a:t>
-            </a:r>
-            <a:r>
-              <a:rPr lang="en-US" sz="1600" b="1" dirty="0">
-                <a:latin typeface="Courier New" panose="02070309020205020404" pitchFamily="49" charset="0"/>
-                <a:cs typeface="Courier New" panose="02070309020205020404" pitchFamily="49" charset="0"/>
-              </a:rPr>
-              <a:t> x) </a:t>
-            </a:r>
-            <a:r>
-              <a:rPr lang="en-US" sz="1600" b="1" dirty="0">
-                <a:solidFill>
-                  <a:srgbClr val="638DAD"/>
-                </a:solidFill>
-                <a:latin typeface="Courier New" panose="02070309020205020404" pitchFamily="49" charset="0"/>
-                <a:cs typeface="Courier New" panose="02070309020205020404" pitchFamily="49" charset="0"/>
-              </a:rPr>
-              <a:t>throw</a:t>
-            </a:r>
-            <a:r>
-              <a:rPr lang="en-US" sz="1600" b="1" dirty="0">
-                <a:latin typeface="Courier New" panose="02070309020205020404" pitchFamily="49" charset="0"/>
-                <a:cs typeface="Courier New" panose="02070309020205020404" pitchFamily="49" charset="0"/>
-              </a:rPr>
-              <a:t> (</a:t>
-            </a:r>
-            <a:r>
-              <a:rPr lang="en-US" sz="1600" b="1" dirty="0">
-                <a:solidFill>
-                  <a:srgbClr val="638DAD"/>
-                </a:solidFill>
-                <a:latin typeface="Courier New" panose="02070309020205020404" pitchFamily="49" charset="0"/>
-                <a:cs typeface="Courier New" panose="02070309020205020404" pitchFamily="49" charset="0"/>
-              </a:rPr>
-              <a:t>int</a:t>
-            </a:r>
-            <a:r>
-              <a:rPr lang="en-US" sz="1600" b="1" dirty="0">
-                <a:latin typeface="Courier New" panose="02070309020205020404" pitchFamily="49" charset="0"/>
-                <a:cs typeface="Courier New" panose="02070309020205020404" pitchFamily="49" charset="0"/>
-              </a:rPr>
-              <a:t>, string, divisionByZero)</a:t>
-            </a:r>
-          </a:p>
-          <a:p>
-            <a:pPr marL="228600" indent="0">
-              <a:spcBef>
-                <a:spcPts val="0"/>
-              </a:spcBef>
-              <a:buNone/>
-            </a:pPr>
-            <a:r>
-              <a:rPr lang="en-US" altLang="en-US" sz="1600" b="1" dirty="0">
-                <a:latin typeface="Courier New" panose="02070309020205020404" pitchFamily="49" charset="0"/>
-                <a:cs typeface="Courier New" panose="02070309020205020404" pitchFamily="49" charset="0"/>
-              </a:rPr>
-              <a:t>{</a:t>
-            </a:r>
-          </a:p>
-          <a:p>
-            <a:pPr marL="228600" indent="0">
-              <a:lnSpc>
-                <a:spcPts val="1500"/>
-              </a:lnSpc>
-              <a:spcBef>
-                <a:spcPts val="0"/>
-              </a:spcBef>
-              <a:buNone/>
-            </a:pPr>
-            <a:r>
-              <a:rPr lang="en-US" altLang="en-US" sz="1600" b="1" dirty="0">
-                <a:latin typeface="Courier New" panose="02070309020205020404" pitchFamily="49" charset="0"/>
-                <a:cs typeface="Courier New" panose="02070309020205020404" pitchFamily="49" charset="0"/>
-              </a:rPr>
-              <a:t>    .</a:t>
-            </a:r>
-          </a:p>
-          <a:p>
-            <a:pPr marL="228600" indent="0">
-              <a:lnSpc>
-                <a:spcPts val="1500"/>
-              </a:lnSpc>
-              <a:spcBef>
-                <a:spcPts val="0"/>
-              </a:spcBef>
-              <a:buNone/>
-            </a:pPr>
-            <a:r>
-              <a:rPr lang="en-US" altLang="en-US" sz="1600" b="1" dirty="0">
-                <a:latin typeface="Courier New" panose="02070309020205020404" pitchFamily="49" charset="0"/>
-                <a:cs typeface="Courier New" panose="02070309020205020404" pitchFamily="49" charset="0"/>
-              </a:rPr>
-              <a:t>    .</a:t>
-            </a:r>
-          </a:p>
-          <a:p>
-            <a:pPr marL="228600" indent="0">
-              <a:lnSpc>
-                <a:spcPts val="1500"/>
-              </a:lnSpc>
-              <a:spcBef>
-                <a:spcPts val="0"/>
-              </a:spcBef>
-              <a:buNone/>
-            </a:pPr>
-            <a:r>
-              <a:rPr lang="en-US" altLang="en-US" sz="1600" b="1" dirty="0">
-                <a:latin typeface="Courier New" panose="02070309020205020404" pitchFamily="49" charset="0"/>
-                <a:cs typeface="Courier New" panose="02070309020205020404" pitchFamily="49" charset="0"/>
-              </a:rPr>
-              <a:t>    .</a:t>
-            </a:r>
-          </a:p>
-          <a:p>
-            <a:pPr marL="228600" indent="0">
-              <a:spcBef>
-                <a:spcPts val="0"/>
-              </a:spcBef>
-              <a:buNone/>
-            </a:pPr>
-            <a:r>
-              <a:rPr lang="en-US" altLang="en-US" sz="1600" b="1" dirty="0">
-                <a:latin typeface="Courier New" panose="02070309020205020404" pitchFamily="49" charset="0"/>
-                <a:cs typeface="Courier New" panose="02070309020205020404" pitchFamily="49" charset="0"/>
-              </a:rPr>
-              <a:t>    </a:t>
-            </a:r>
-            <a:r>
-              <a:rPr lang="en-US" altLang="en-US" sz="1600" b="1" dirty="0">
-                <a:solidFill>
-                  <a:srgbClr val="00A589"/>
-                </a:solidFill>
-                <a:latin typeface="Courier New" panose="02070309020205020404" pitchFamily="49" charset="0"/>
-                <a:cs typeface="Courier New" panose="02070309020205020404" pitchFamily="49" charset="0"/>
-              </a:rPr>
-              <a:t>//include the appropriate throw statements</a:t>
-            </a:r>
-          </a:p>
-          <a:p>
-            <a:pPr marL="228600" indent="0">
-              <a:lnSpc>
-                <a:spcPts val="1500"/>
-              </a:lnSpc>
-              <a:spcBef>
-                <a:spcPts val="0"/>
-              </a:spcBef>
-              <a:buNone/>
-            </a:pPr>
-            <a:r>
-              <a:rPr lang="en-US" altLang="en-US" sz="1600" b="1" dirty="0">
-                <a:latin typeface="Courier New" panose="02070309020205020404" pitchFamily="49" charset="0"/>
-                <a:cs typeface="Courier New" panose="02070309020205020404" pitchFamily="49" charset="0"/>
-              </a:rPr>
-              <a:t>    .</a:t>
-            </a:r>
-          </a:p>
-          <a:p>
-            <a:pPr marL="228600" indent="0">
-              <a:lnSpc>
-                <a:spcPts val="1500"/>
-              </a:lnSpc>
-              <a:spcBef>
-                <a:spcPts val="0"/>
-              </a:spcBef>
-              <a:buNone/>
-            </a:pPr>
-            <a:r>
-              <a:rPr lang="en-US" altLang="en-US" sz="1600" b="1" dirty="0">
-                <a:latin typeface="Courier New" panose="02070309020205020404" pitchFamily="49" charset="0"/>
-                <a:cs typeface="Courier New" panose="02070309020205020404" pitchFamily="49" charset="0"/>
-              </a:rPr>
-              <a:t>    .</a:t>
-            </a:r>
-          </a:p>
-          <a:p>
-            <a:pPr marL="228600" indent="0">
-              <a:lnSpc>
-                <a:spcPts val="1500"/>
-              </a:lnSpc>
-              <a:spcBef>
-                <a:spcPts val="0"/>
-              </a:spcBef>
-              <a:buNone/>
-            </a:pPr>
-            <a:r>
-              <a:rPr lang="en-US" altLang="en-US" sz="1600" b="1" dirty="0">
-                <a:latin typeface="Courier New" panose="02070309020205020404" pitchFamily="49" charset="0"/>
-                <a:cs typeface="Courier New" panose="02070309020205020404" pitchFamily="49" charset="0"/>
-              </a:rPr>
-              <a:t>    .</a:t>
-            </a:r>
-          </a:p>
-          <a:p>
-            <a:pPr marL="228600" indent="0">
-              <a:spcBef>
-                <a:spcPts val="0"/>
-              </a:spcBef>
-              <a:buNone/>
-            </a:pPr>
-            <a:r>
-              <a:rPr lang="en-US" altLang="en-US" sz="1600" b="1" dirty="0">
-                <a:latin typeface="Courier New" panose="02070309020205020404" pitchFamily="49" charset="0"/>
-                <a:cs typeface="Courier New" panose="02070309020205020404" pitchFamily="49" charset="0"/>
-              </a:rPr>
-              <a:t>}</a:t>
-            </a:r>
-          </a:p>
-          <a:p>
-            <a:pPr eaLnBrk="1" hangingPunct="1"/>
-            <a:endParaRPr lang="en-US" altLang="en-US" dirty="0"/>
-          </a:p>
-        </p:txBody>
-      </p:sp>
-    </p:spTree>
-    <p:extLst>
-      <p:ext uri="{BB962C8B-B14F-4D97-AF65-F5344CB8AC3E}">
-        <p14:creationId xmlns:p14="http://schemas.microsoft.com/office/powerpoint/2010/main" val="2576405838"/>
-      </p:ext>
-    </p:extLst>
-  </p:cSld>
-  <p:clrMapOvr>
-    <a:masterClrMapping/>
-  </p:clrMapOvr>
-  <p:transition spd="slow">
-    <p:wipe/>
-  </p:transition>
-</p:sld>
-</file>
-
-<file path=ppt/slides/slide85.xml><?xml version="1.0" encoding="utf-8"?>
-<p:sld xmlns:a="http://schemas.openxmlformats.org/drawingml/2006/main" xmlns:r="http://schemas.openxmlformats.org/officeDocument/2006/relationships" xmlns:p="http://schemas.openxmlformats.org/presentationml/2006/main">
-  <p:cSld>
-    <p:spTree>
-      <p:nvGrpSpPr>
-        <p:cNvPr id="1" name=""/>
-        <p:cNvGrpSpPr/>
-        <p:nvPr/>
-      </p:nvGrpSpPr>
-      <p:grpSpPr>
-        <a:xfrm>
-          <a:off x="0" y="0"/>
-          <a:ext cx="0" cy="0"/>
-          <a:chOff x="0" y="0"/>
-          <a:chExt cx="0" cy="0"/>
-        </a:xfrm>
-      </p:grpSpPr>
-      <p:sp>
-        <p:nvSpPr>
-          <p:cNvPr id="23554" name="Rectangle 4"/>
-          <p:cNvSpPr>
-            <a:spLocks noGrp="1" noChangeArrowheads="1"/>
-          </p:cNvSpPr>
-          <p:nvPr>
-            <p:ph type="title"/>
-          </p:nvPr>
-        </p:nvSpPr>
-        <p:spPr/>
-        <p:txBody>
-          <a:bodyPr/>
-          <a:lstStyle/>
-          <a:p>
-            <a:pPr eaLnBrk="1" hangingPunct="1"/>
-            <a:r>
-              <a:rPr lang="en-US" altLang="en-US" dirty="0"/>
-              <a:t>Exception-Handling Techniques</a:t>
-            </a:r>
-          </a:p>
-        </p:txBody>
-      </p:sp>
-      <p:sp>
-        <p:nvSpPr>
-          <p:cNvPr id="23555" name="Rectangle 5"/>
-          <p:cNvSpPr>
-            <a:spLocks noGrp="1" noChangeArrowheads="1"/>
-          </p:cNvSpPr>
-          <p:nvPr>
-            <p:ph idx="1"/>
-          </p:nvPr>
-        </p:nvSpPr>
-        <p:spPr/>
-        <p:txBody>
-          <a:bodyPr/>
-          <a:lstStyle/>
-          <a:p>
-            <a:pPr eaLnBrk="1" hangingPunct="1"/>
-            <a:r>
-              <a:rPr lang="en-US" altLang="en-US" dirty="0"/>
-              <a:t>When an exception occurs, the programmer usually has three choices:</a:t>
-            </a:r>
-          </a:p>
-          <a:p>
-            <a:pPr lvl="1" eaLnBrk="1" hangingPunct="1"/>
-            <a:r>
-              <a:rPr lang="en-US" altLang="en-US" dirty="0"/>
-              <a:t>Terminate the program</a:t>
-            </a:r>
-          </a:p>
-          <a:p>
-            <a:pPr lvl="1" eaLnBrk="1" hangingPunct="1"/>
-            <a:r>
-              <a:rPr lang="en-US" altLang="en-US" dirty="0"/>
-              <a:t>Include code to recover from the exception</a:t>
-            </a:r>
-          </a:p>
-          <a:p>
-            <a:pPr lvl="1" eaLnBrk="1" hangingPunct="1"/>
-            <a:r>
-              <a:rPr lang="en-US" altLang="en-US" dirty="0"/>
-              <a:t>Log the error and continue</a:t>
-            </a:r>
-          </a:p>
-          <a:p>
-            <a:pPr eaLnBrk="1" hangingPunct="1"/>
-            <a:endParaRPr lang="en-US" altLang="en-US" dirty="0"/>
-          </a:p>
-        </p:txBody>
-      </p:sp>
-    </p:spTree>
-    <p:extLst>
-      <p:ext uri="{BB962C8B-B14F-4D97-AF65-F5344CB8AC3E}">
-        <p14:creationId xmlns:p14="http://schemas.microsoft.com/office/powerpoint/2010/main" val="1223775963"/>
-      </p:ext>
-    </p:extLst>
-  </p:cSld>
-  <p:clrMapOvr>
-    <a:masterClrMapping/>
-  </p:clrMapOvr>
-  <p:transition spd="slow">
-    <p:wipe/>
-  </p:transition>
-</p:sld>
-</file>
-
-<file path=ppt/slides/slide86.xml><?xml version="1.0" encoding="utf-8"?>
-<p:sld xmlns:a="http://schemas.openxmlformats.org/drawingml/2006/main" xmlns:r="http://schemas.openxmlformats.org/officeDocument/2006/relationships" xmlns:p="http://schemas.openxmlformats.org/presentationml/2006/main">
-  <p:cSld>
-    <p:spTree>
-      <p:nvGrpSpPr>
-        <p:cNvPr id="1" name=""/>
-        <p:cNvGrpSpPr/>
-        <p:nvPr/>
-      </p:nvGrpSpPr>
-      <p:grpSpPr>
-        <a:xfrm>
-          <a:off x="0" y="0"/>
-          <a:ext cx="0" cy="0"/>
-          <a:chOff x="0" y="0"/>
-          <a:chExt cx="0" cy="0"/>
-        </a:xfrm>
-      </p:grpSpPr>
-      <p:sp>
-        <p:nvSpPr>
-          <p:cNvPr id="27650" name="Rectangle 4"/>
-          <p:cNvSpPr>
-            <a:spLocks noGrp="1" noChangeArrowheads="1"/>
-          </p:cNvSpPr>
-          <p:nvPr>
-            <p:ph type="title"/>
-          </p:nvPr>
-        </p:nvSpPr>
-        <p:spPr/>
-        <p:txBody>
-          <a:bodyPr/>
-          <a:lstStyle/>
-          <a:p>
-            <a:pPr eaLnBrk="1" hangingPunct="1"/>
-            <a:r>
-              <a:rPr lang="en-US" altLang="en-US" dirty="0"/>
-              <a:t>Stack </a:t>
-            </a:r>
-            <a:r>
-              <a:rPr lang="en-US" altLang="en-US" dirty="0" smtClean="0"/>
-              <a:t>Unwinding</a:t>
-            </a:r>
-            <a:endParaRPr lang="en-US" altLang="en-US" dirty="0"/>
-          </a:p>
-        </p:txBody>
-      </p:sp>
-      <p:sp>
-        <p:nvSpPr>
-          <p:cNvPr id="27651" name="Rectangle 5"/>
-          <p:cNvSpPr>
-            <a:spLocks noGrp="1" noChangeArrowheads="1"/>
-          </p:cNvSpPr>
-          <p:nvPr>
-            <p:ph idx="1"/>
-          </p:nvPr>
-        </p:nvSpPr>
-        <p:spPr/>
-        <p:txBody>
-          <a:bodyPr/>
-          <a:lstStyle/>
-          <a:p>
-            <a:pPr eaLnBrk="1" hangingPunct="1"/>
-            <a:r>
-              <a:rPr lang="en-US" altLang="en-US" dirty="0"/>
-              <a:t>When an exception is thrown in a function, the function can do the following:</a:t>
-            </a:r>
-          </a:p>
-          <a:p>
-            <a:pPr lvl="1" eaLnBrk="1" hangingPunct="1"/>
-            <a:r>
-              <a:rPr lang="en-US" altLang="en-US" dirty="0"/>
-              <a:t>Do nothing</a:t>
-            </a:r>
-          </a:p>
-          <a:p>
-            <a:pPr lvl="1" eaLnBrk="1" hangingPunct="1"/>
-            <a:r>
-              <a:rPr lang="en-US" altLang="en-US" dirty="0"/>
-              <a:t>Partially process the exception and throw </a:t>
-            </a:r>
-            <a:r>
-              <a:rPr lang="lv-LV" altLang="en-US" dirty="0" smtClean="0"/>
-              <a:t>a new one.</a:t>
-            </a:r>
-            <a:endParaRPr lang="en-US" altLang="en-US" dirty="0"/>
-          </a:p>
-          <a:p>
-            <a:pPr eaLnBrk="1" hangingPunct="1"/>
-            <a:r>
-              <a:rPr lang="lv-LV" altLang="en-US" dirty="0" smtClean="0"/>
-              <a:t>T</a:t>
-            </a:r>
-            <a:r>
-              <a:rPr lang="en-US" altLang="en-US" dirty="0" smtClean="0"/>
-              <a:t>he </a:t>
-            </a:r>
-            <a:r>
-              <a:rPr lang="en-US" altLang="en-US" dirty="0"/>
-              <a:t>function-call stack is unwound so that the exception can be caught in the next </a:t>
-            </a:r>
-            <a:r>
-              <a:rPr lang="en-US" altLang="en-US" b="1" dirty="0">
-                <a:solidFill>
-                  <a:srgbClr val="638DAD"/>
-                </a:solidFill>
-                <a:latin typeface="Courier New" pitchFamily="49" charset="0"/>
-                <a:cs typeface="Courier New" pitchFamily="49" charset="0"/>
-              </a:rPr>
-              <a:t>try</a:t>
-            </a:r>
-            <a:r>
-              <a:rPr lang="en-US" altLang="en-US" dirty="0">
-                <a:cs typeface="Courier New" pitchFamily="49" charset="0"/>
-              </a:rPr>
-              <a:t>/</a:t>
-            </a:r>
-            <a:r>
-              <a:rPr lang="en-US" altLang="en-US" b="1" dirty="0">
-                <a:solidFill>
-                  <a:srgbClr val="638DAD"/>
-                </a:solidFill>
-                <a:latin typeface="Courier New" panose="02070309020205020404" pitchFamily="49" charset="0"/>
-                <a:cs typeface="Courier New" pitchFamily="49" charset="0"/>
-              </a:rPr>
-              <a:t>catch</a:t>
-            </a:r>
-            <a:r>
-              <a:rPr lang="en-US" altLang="en-US" dirty="0"/>
-              <a:t> </a:t>
-            </a:r>
-            <a:r>
-              <a:rPr lang="en-US" altLang="en-US" dirty="0" smtClean="0"/>
-              <a:t>block</a:t>
-            </a:r>
-            <a:endParaRPr lang="lv-LV" altLang="en-US" dirty="0" smtClean="0"/>
-          </a:p>
-          <a:p>
-            <a:pPr eaLnBrk="1" hangingPunct="1"/>
-            <a:r>
-              <a:rPr lang="en-US" altLang="en-US" dirty="0"/>
-              <a:t>Stack unwinding continues until:</a:t>
-            </a:r>
-          </a:p>
-          <a:p>
-            <a:pPr lvl="1" eaLnBrk="1" hangingPunct="1"/>
-            <a:r>
-              <a:rPr lang="en-US" altLang="en-US" dirty="0"/>
-              <a:t>A </a:t>
-            </a:r>
-            <a:r>
-              <a:rPr lang="en-US" altLang="en-US" b="1" dirty="0">
-                <a:solidFill>
-                  <a:srgbClr val="638DAD"/>
-                </a:solidFill>
-                <a:latin typeface="Courier New" pitchFamily="49" charset="0"/>
-              </a:rPr>
-              <a:t>try</a:t>
-            </a:r>
-            <a:r>
-              <a:rPr lang="en-US" altLang="en-US" dirty="0"/>
-              <a:t>/</a:t>
-            </a:r>
-            <a:r>
-              <a:rPr lang="en-US" altLang="en-US" b="1" dirty="0">
-                <a:solidFill>
-                  <a:srgbClr val="638DAD"/>
-                </a:solidFill>
-                <a:latin typeface="Courier New" pitchFamily="49" charset="0"/>
-              </a:rPr>
-              <a:t>catch</a:t>
-            </a:r>
-            <a:r>
-              <a:rPr lang="en-US" altLang="en-US" dirty="0"/>
-              <a:t> handles the exception, </a:t>
-            </a:r>
-            <a:r>
-              <a:rPr lang="en-US" altLang="en-US" i="1" dirty="0"/>
-              <a:t>or</a:t>
-            </a:r>
-          </a:p>
-          <a:p>
-            <a:pPr lvl="1" eaLnBrk="1" hangingPunct="1"/>
-            <a:r>
-              <a:rPr lang="en-US" altLang="en-US" dirty="0"/>
-              <a:t>The program does not handle the exception</a:t>
-            </a:r>
-          </a:p>
-          <a:p>
-            <a:pPr lvl="2" eaLnBrk="1" hangingPunct="1"/>
-            <a:r>
-              <a:rPr lang="en-US" altLang="en-US" dirty="0"/>
-              <a:t>The function </a:t>
-            </a:r>
-            <a:r>
-              <a:rPr lang="en-US" altLang="en-US" b="1" dirty="0">
-                <a:latin typeface="Courier New" pitchFamily="49" charset="0"/>
-              </a:rPr>
-              <a:t>terminate</a:t>
-            </a:r>
-            <a:r>
-              <a:rPr lang="en-US" altLang="en-US" dirty="0"/>
-              <a:t> is called to terminate the program</a:t>
-            </a:r>
-          </a:p>
-          <a:p>
-            <a:pPr eaLnBrk="1" hangingPunct="1"/>
-            <a:endParaRPr lang="en-US" altLang="en-US" dirty="0"/>
-          </a:p>
-        </p:txBody>
-      </p:sp>
-    </p:spTree>
-    <p:extLst>
-      <p:ext uri="{BB962C8B-B14F-4D97-AF65-F5344CB8AC3E}">
-        <p14:creationId xmlns:p14="http://schemas.microsoft.com/office/powerpoint/2010/main" val="3773010255"/>
-      </p:ext>
-    </p:extLst>
-  </p:cSld>
-  <p:clrMapOvr>
-    <a:masterClrMapping/>
-  </p:clrMapOvr>
-  <p:transition spd="slow">
-    <p:wipe/>
-  </p:transition>
-</p:sld>
-</file>
-
-<file path=ppt/slides/slide87.xml><?xml version="1.0" encoding="utf-8"?>
-<p:sld xmlns:a="http://schemas.openxmlformats.org/drawingml/2006/main" xmlns:r="http://schemas.openxmlformats.org/officeDocument/2006/relationships" xmlns:p="http://schemas.openxmlformats.org/presentationml/2006/main">
-  <p:cSld>
-    <p:spTree>
-      <p:nvGrpSpPr>
-        <p:cNvPr id="1" name=""/>
-        <p:cNvGrpSpPr/>
-        <p:nvPr/>
-      </p:nvGrpSpPr>
-      <p:grpSpPr>
-        <a:xfrm>
-          <a:off x="0" y="0"/>
-          <a:ext cx="0" cy="0"/>
-          <a:chOff x="0" y="0"/>
-          <a:chExt cx="0" cy="0"/>
-        </a:xfrm>
-      </p:grpSpPr>
-      <p:sp>
-        <p:nvSpPr>
-          <p:cNvPr id="29698" name="Rectangle 2"/>
-          <p:cNvSpPr>
-            <a:spLocks noGrp="1" noChangeArrowheads="1"/>
-          </p:cNvSpPr>
-          <p:nvPr>
-            <p:ph type="title"/>
-          </p:nvPr>
-        </p:nvSpPr>
-        <p:spPr/>
-        <p:txBody>
-          <a:bodyPr/>
-          <a:lstStyle/>
-          <a:p>
-            <a:pPr eaLnBrk="1" hangingPunct="1"/>
-            <a:r>
-              <a:rPr lang="en-US" altLang="en-US" dirty="0"/>
-              <a:t>Quick </a:t>
-            </a:r>
-            <a:r>
-              <a:rPr lang="en-US" altLang="en-US" dirty="0" smtClean="0"/>
-              <a:t>Review</a:t>
-            </a:r>
-            <a:endParaRPr lang="en-US" altLang="en-US" dirty="0"/>
-          </a:p>
-        </p:txBody>
-      </p:sp>
-      <p:sp>
-        <p:nvSpPr>
-          <p:cNvPr id="29699" name="Rectangle 3"/>
-          <p:cNvSpPr>
-            <a:spLocks noGrp="1" noChangeArrowheads="1"/>
-          </p:cNvSpPr>
-          <p:nvPr>
-            <p:ph idx="1"/>
-          </p:nvPr>
-        </p:nvSpPr>
-        <p:spPr/>
-        <p:txBody>
-          <a:bodyPr/>
-          <a:lstStyle/>
-          <a:p>
-            <a:pPr eaLnBrk="1" hangingPunct="1"/>
-            <a:r>
-              <a:rPr lang="en-US" altLang="en-US" sz="2000" dirty="0"/>
-              <a:t>An exception is </a:t>
-            </a:r>
-            <a:r>
-              <a:rPr lang="en-US" altLang="en-US" sz="2000" dirty="0" smtClean="0"/>
-              <a:t>event that does not return normal return value type.</a:t>
-            </a:r>
-            <a:endParaRPr lang="en-US" altLang="en-US" sz="2000" dirty="0"/>
-          </a:p>
-          <a:p>
-            <a:pPr eaLnBrk="1" hangingPunct="1"/>
-            <a:r>
-              <a:rPr lang="en-US" altLang="en-US" sz="2000" b="1" dirty="0">
-                <a:latin typeface="Courier New" pitchFamily="49" charset="0"/>
-              </a:rPr>
-              <a:t>assert</a:t>
-            </a:r>
-            <a:r>
-              <a:rPr lang="en-US" altLang="en-US" sz="2000" dirty="0"/>
-              <a:t> checks whether an expression meets a specified condition; terminates if not met</a:t>
-            </a:r>
-          </a:p>
-          <a:p>
-            <a:pPr eaLnBrk="1" hangingPunct="1"/>
-            <a:r>
-              <a:rPr lang="en-US" altLang="en-US" sz="2000" b="1" dirty="0">
-                <a:solidFill>
-                  <a:srgbClr val="638DAD"/>
-                </a:solidFill>
-                <a:latin typeface="Courier New" pitchFamily="49" charset="0"/>
-              </a:rPr>
-              <a:t>try</a:t>
-            </a:r>
-            <a:r>
-              <a:rPr lang="en-US" altLang="en-US" sz="2000" dirty="0"/>
-              <a:t>/</a:t>
-            </a:r>
-            <a:r>
-              <a:rPr lang="en-US" altLang="en-US" sz="2000" b="1" dirty="0">
-                <a:solidFill>
-                  <a:srgbClr val="638DAD"/>
-                </a:solidFill>
-                <a:latin typeface="Courier New" pitchFamily="49" charset="0"/>
-              </a:rPr>
-              <a:t>catch</a:t>
-            </a:r>
-            <a:r>
-              <a:rPr lang="en-US" altLang="en-US" sz="2000" dirty="0"/>
-              <a:t> block handles exceptions</a:t>
-            </a:r>
-          </a:p>
-          <a:p>
-            <a:pPr eaLnBrk="1" hangingPunct="1"/>
-            <a:r>
-              <a:rPr lang="en-US" altLang="en-US" sz="2000" dirty="0"/>
-              <a:t>Statements that may generate an exception are placed in a </a:t>
-            </a:r>
-            <a:r>
-              <a:rPr lang="en-US" altLang="en-US" sz="2000" b="1" dirty="0">
-                <a:solidFill>
-                  <a:srgbClr val="638DAD"/>
-                </a:solidFill>
-                <a:latin typeface="Courier New" pitchFamily="49" charset="0"/>
-              </a:rPr>
-              <a:t>try</a:t>
-            </a:r>
-            <a:r>
-              <a:rPr lang="en-US" altLang="en-US" sz="2000" dirty="0"/>
-              <a:t> </a:t>
-            </a:r>
-            <a:r>
-              <a:rPr lang="en-US" altLang="en-US" sz="2000" dirty="0" smtClean="0"/>
-              <a:t>block</a:t>
-            </a:r>
-          </a:p>
-          <a:p>
-            <a:r>
-              <a:rPr lang="en-US" altLang="en-US" sz="2000" dirty="0"/>
-              <a:t>A </a:t>
-            </a:r>
-            <a:r>
-              <a:rPr lang="en-US" altLang="en-US" sz="2000" b="1" dirty="0">
-                <a:solidFill>
-                  <a:srgbClr val="638DAD"/>
-                </a:solidFill>
-                <a:latin typeface="Courier New" panose="02070309020205020404" pitchFamily="49" charset="0"/>
-                <a:cs typeface="Courier New" panose="02070309020205020404" pitchFamily="49" charset="0"/>
-              </a:rPr>
-              <a:t>catch</a:t>
-            </a:r>
-            <a:r>
-              <a:rPr lang="en-US" altLang="en-US" sz="2000" dirty="0"/>
-              <a:t> block specifies type of exception it can catch and contains an exception handler</a:t>
-            </a:r>
-          </a:p>
-          <a:p>
-            <a:r>
-              <a:rPr lang="en-US" altLang="en-US" sz="2000" dirty="0"/>
-              <a:t>If no exceptions are thrown in a </a:t>
-            </a:r>
-            <a:r>
-              <a:rPr lang="en-US" altLang="en-US" sz="2000" b="1" dirty="0">
-                <a:solidFill>
-                  <a:srgbClr val="638DAD"/>
-                </a:solidFill>
-                <a:latin typeface="Courier New" panose="02070309020205020404" pitchFamily="49" charset="0"/>
-                <a:cs typeface="Courier New" panose="02070309020205020404" pitchFamily="49" charset="0"/>
-              </a:rPr>
-              <a:t>try</a:t>
-            </a:r>
-            <a:r>
-              <a:rPr lang="en-US" altLang="en-US" sz="2000" dirty="0"/>
-              <a:t> block, all </a:t>
-            </a:r>
-            <a:r>
-              <a:rPr lang="en-US" altLang="en-US" sz="2000" b="1" dirty="0">
-                <a:solidFill>
-                  <a:srgbClr val="638DAD"/>
-                </a:solidFill>
-                <a:latin typeface="Courier New" panose="02070309020205020404" pitchFamily="49" charset="0"/>
-                <a:cs typeface="Courier New" panose="02070309020205020404" pitchFamily="49" charset="0"/>
-              </a:rPr>
-              <a:t>catch</a:t>
-            </a:r>
-            <a:r>
-              <a:rPr lang="en-US" altLang="en-US" sz="2000" dirty="0"/>
-              <a:t> blocks for that </a:t>
-            </a:r>
-            <a:r>
-              <a:rPr lang="en-US" altLang="en-US" sz="2000" b="1" dirty="0">
-                <a:solidFill>
-                  <a:srgbClr val="638DAD"/>
-                </a:solidFill>
-                <a:latin typeface="Courier New" panose="02070309020205020404" pitchFamily="49" charset="0"/>
-                <a:cs typeface="Courier New" panose="02070309020205020404" pitchFamily="49" charset="0"/>
-              </a:rPr>
-              <a:t>try</a:t>
-            </a:r>
-            <a:r>
-              <a:rPr lang="en-US" altLang="en-US" sz="2000" dirty="0"/>
-              <a:t> block are ignored </a:t>
-            </a:r>
-          </a:p>
-          <a:p>
-            <a:r>
-              <a:rPr lang="en-US" altLang="en-US" sz="2000" dirty="0"/>
-              <a:t>Data type of </a:t>
-            </a:r>
-            <a:r>
-              <a:rPr lang="en-US" altLang="en-US" sz="2000" b="1" dirty="0">
-                <a:solidFill>
-                  <a:srgbClr val="638DAD"/>
-                </a:solidFill>
-                <a:latin typeface="Courier New" panose="02070309020205020404" pitchFamily="49" charset="0"/>
-                <a:cs typeface="Courier New" panose="02070309020205020404" pitchFamily="49" charset="0"/>
-              </a:rPr>
-              <a:t>catch</a:t>
-            </a:r>
-            <a:r>
-              <a:rPr lang="en-US" altLang="en-US" sz="2000" dirty="0"/>
-              <a:t> block parameter specifies type of exception that </a:t>
-            </a:r>
-            <a:r>
-              <a:rPr lang="en-US" altLang="en-US" sz="2000" b="1" dirty="0">
-                <a:solidFill>
-                  <a:srgbClr val="638DAD"/>
-                </a:solidFill>
-                <a:latin typeface="Courier New" panose="02070309020205020404" pitchFamily="49" charset="0"/>
-                <a:cs typeface="Courier New" panose="02070309020205020404" pitchFamily="49" charset="0"/>
-              </a:rPr>
-              <a:t>catch</a:t>
-            </a:r>
-            <a:r>
-              <a:rPr lang="en-US" altLang="en-US" sz="2000" dirty="0"/>
-              <a:t> block can catch</a:t>
-            </a:r>
-          </a:p>
-          <a:p>
-            <a:pPr eaLnBrk="1" hangingPunct="1"/>
-            <a:r>
-              <a:rPr lang="en-US" altLang="en-US" sz="2000" b="1" dirty="0">
-                <a:latin typeface="Courier New" pitchFamily="49" charset="0"/>
-              </a:rPr>
-              <a:t>exception</a:t>
-            </a:r>
-            <a:r>
-              <a:rPr lang="en-US" altLang="en-US" sz="2000" dirty="0"/>
-              <a:t> is the base class for exception classes</a:t>
-            </a:r>
-          </a:p>
-          <a:p>
-            <a:pPr eaLnBrk="1" hangingPunct="1"/>
-            <a:r>
-              <a:rPr lang="en-US" altLang="en-US" sz="2000" dirty="0"/>
-              <a:t>You can create your own exception classes</a:t>
-            </a:r>
-          </a:p>
-          <a:p>
-            <a:pPr eaLnBrk="1" hangingPunct="1"/>
-            <a:endParaRPr lang="en-US" altLang="en-US" sz="2000" dirty="0"/>
-          </a:p>
-        </p:txBody>
-      </p:sp>
-    </p:spTree>
-    <p:extLst>
-      <p:ext uri="{BB962C8B-B14F-4D97-AF65-F5344CB8AC3E}">
-        <p14:creationId xmlns:p14="http://schemas.microsoft.com/office/powerpoint/2010/main" val="2519553930"/>
       </p:ext>
     </p:extLst>
   </p:cSld>
